--- a/doc/ref_arch/figures/ref-arch-figures.pptx
+++ b/doc/ref_arch/figures/ref-arch-figures.pptx
@@ -6,6 +6,7 @@
   </p:sldMasterIdLst>
   <p:sldIdLst>
     <p:sldId id="1081" r:id="rId2"/>
+    <p:sldId id="1082" r:id="rId3"/>
   </p:sldIdLst>
   <p:sldSz cx="18291175" cy="10288588"/>
   <p:notesSz cx="6858000" cy="9144000"/>
@@ -243,7 +244,7 @@
           <a:p>
             <a:fld id="{F9D3E6FF-AC24-BE43-AFD3-27417514DD0F}" type="datetimeFigureOut">
               <a:rPr lang="en-GB" smtClean="0"/>
-              <a:t>04/11/2019</a:t>
+              <a:t>08/11/2019</a:t>
             </a:fld>
             <a:endParaRPr lang="en-GB"/>
           </a:p>
@@ -413,7 +414,7 @@
           <a:p>
             <a:fld id="{F9D3E6FF-AC24-BE43-AFD3-27417514DD0F}" type="datetimeFigureOut">
               <a:rPr lang="en-GB" smtClean="0"/>
-              <a:t>04/11/2019</a:t>
+              <a:t>08/11/2019</a:t>
             </a:fld>
             <a:endParaRPr lang="en-GB"/>
           </a:p>
@@ -593,7 +594,7 @@
           <a:p>
             <a:fld id="{F9D3E6FF-AC24-BE43-AFD3-27417514DD0F}" type="datetimeFigureOut">
               <a:rPr lang="en-GB" smtClean="0"/>
-              <a:t>04/11/2019</a:t>
+              <a:t>08/11/2019</a:t>
             </a:fld>
             <a:endParaRPr lang="en-GB"/>
           </a:p>
@@ -763,7 +764,7 @@
           <a:p>
             <a:fld id="{F9D3E6FF-AC24-BE43-AFD3-27417514DD0F}" type="datetimeFigureOut">
               <a:rPr lang="en-GB" smtClean="0"/>
-              <a:t>04/11/2019</a:t>
+              <a:t>08/11/2019</a:t>
             </a:fld>
             <a:endParaRPr lang="en-GB"/>
           </a:p>
@@ -1009,7 +1010,7 @@
           <a:p>
             <a:fld id="{F9D3E6FF-AC24-BE43-AFD3-27417514DD0F}" type="datetimeFigureOut">
               <a:rPr lang="en-GB" smtClean="0"/>
-              <a:t>04/11/2019</a:t>
+              <a:t>08/11/2019</a:t>
             </a:fld>
             <a:endParaRPr lang="en-GB"/>
           </a:p>
@@ -1241,7 +1242,7 @@
           <a:p>
             <a:fld id="{F9D3E6FF-AC24-BE43-AFD3-27417514DD0F}" type="datetimeFigureOut">
               <a:rPr lang="en-GB" smtClean="0"/>
-              <a:t>04/11/2019</a:t>
+              <a:t>08/11/2019</a:t>
             </a:fld>
             <a:endParaRPr lang="en-GB"/>
           </a:p>
@@ -1608,7 +1609,7 @@
           <a:p>
             <a:fld id="{F9D3E6FF-AC24-BE43-AFD3-27417514DD0F}" type="datetimeFigureOut">
               <a:rPr lang="en-GB" smtClean="0"/>
-              <a:t>04/11/2019</a:t>
+              <a:t>08/11/2019</a:t>
             </a:fld>
             <a:endParaRPr lang="en-GB"/>
           </a:p>
@@ -1726,7 +1727,7 @@
           <a:p>
             <a:fld id="{F9D3E6FF-AC24-BE43-AFD3-27417514DD0F}" type="datetimeFigureOut">
               <a:rPr lang="en-GB" smtClean="0"/>
-              <a:t>04/11/2019</a:t>
+              <a:t>08/11/2019</a:t>
             </a:fld>
             <a:endParaRPr lang="en-GB"/>
           </a:p>
@@ -1821,7 +1822,7 @@
           <a:p>
             <a:fld id="{F9D3E6FF-AC24-BE43-AFD3-27417514DD0F}" type="datetimeFigureOut">
               <a:rPr lang="en-GB" smtClean="0"/>
-              <a:t>04/11/2019</a:t>
+              <a:t>08/11/2019</a:t>
             </a:fld>
             <a:endParaRPr lang="en-GB"/>
           </a:p>
@@ -2098,7 +2099,7 @@
           <a:p>
             <a:fld id="{F9D3E6FF-AC24-BE43-AFD3-27417514DD0F}" type="datetimeFigureOut">
               <a:rPr lang="en-GB" smtClean="0"/>
-              <a:t>04/11/2019</a:t>
+              <a:t>08/11/2019</a:t>
             </a:fld>
             <a:endParaRPr lang="en-GB"/>
           </a:p>
@@ -2355,7 +2356,7 @@
           <a:p>
             <a:fld id="{F9D3E6FF-AC24-BE43-AFD3-27417514DD0F}" type="datetimeFigureOut">
               <a:rPr lang="en-GB" smtClean="0"/>
-              <a:t>04/11/2019</a:t>
+              <a:t>08/11/2019</a:t>
             </a:fld>
             <a:endParaRPr lang="en-GB"/>
           </a:p>
@@ -2568,7 +2569,7 @@
           <a:p>
             <a:fld id="{F9D3E6FF-AC24-BE43-AFD3-27417514DD0F}" type="datetimeFigureOut">
               <a:rPr lang="en-GB" smtClean="0"/>
-              <a:t>04/11/2019</a:t>
+              <a:t>08/11/2019</a:t>
             </a:fld>
             <a:endParaRPr lang="en-GB"/>
           </a:p>
@@ -5151,6 +5152,2201 @@
 </p:sld>
 </file>
 
+<file path=ppt/slides/slide2.xml><?xml version="1.0" encoding="utf-8"?>
+<p:sld xmlns:a="http://schemas.openxmlformats.org/drawingml/2006/main" xmlns:r="http://schemas.openxmlformats.org/officeDocument/2006/relationships" xmlns:p="http://schemas.openxmlformats.org/presentationml/2006/main">
+  <p:cSld>
+    <p:bg>
+      <p:bgPr>
+        <a:solidFill>
+          <a:schemeClr val="bg1"/>
+        </a:solidFill>
+        <a:effectLst/>
+      </p:bgPr>
+    </p:bg>
+    <p:spTree>
+      <p:nvGrpSpPr>
+        <p:cNvPr id="1" name=""/>
+        <p:cNvGrpSpPr/>
+        <p:nvPr/>
+      </p:nvGrpSpPr>
+      <p:grpSpPr>
+        <a:xfrm>
+          <a:off x="0" y="0"/>
+          <a:ext cx="0" cy="0"/>
+          <a:chOff x="0" y="0"/>
+          <a:chExt cx="0" cy="0"/>
+        </a:xfrm>
+      </p:grpSpPr>
+      <p:sp>
+        <p:nvSpPr>
+          <p:cNvPr id="132" name="Rectangle 131">
+            <a:extLst>
+              <a:ext uri="{FF2B5EF4-FFF2-40B4-BE49-F238E27FC236}">
+                <a16:creationId xmlns:a16="http://schemas.microsoft.com/office/drawing/2014/main" id="{67D8EE25-55FE-F540-A763-4D9EDF7ADBD4}"/>
+              </a:ext>
+            </a:extLst>
+          </p:cNvPr>
+          <p:cNvSpPr/>
+          <p:nvPr/>
+        </p:nvSpPr>
+        <p:spPr>
+          <a:xfrm>
+            <a:off x="1714500" y="1019763"/>
+            <a:ext cx="14859000" cy="8144331"/>
+          </a:xfrm>
+          <a:prstGeom prst="rect">
+            <a:avLst/>
+          </a:prstGeom>
+          <a:solidFill>
+            <a:schemeClr val="bg1"/>
+          </a:solidFill>
+          <a:ln w="9525" cap="flat" cmpd="sng" algn="ctr">
+            <a:noFill/>
+            <a:prstDash val="solid"/>
+            <a:round/>
+            <a:headEnd type="none" w="med" len="med"/>
+            <a:tailEnd type="none" w="med" len="med"/>
+          </a:ln>
+        </p:spPr>
+        <p:style>
+          <a:lnRef idx="0">
+            <a:scrgbClr r="0" g="0" b="0"/>
+          </a:lnRef>
+          <a:fillRef idx="0">
+            <a:scrgbClr r="0" g="0" b="0"/>
+          </a:fillRef>
+          <a:effectRef idx="0">
+            <a:scrgbClr r="0" g="0" b="0"/>
+          </a:effectRef>
+          <a:fontRef idx="minor">
+            <a:schemeClr val="dk1"/>
+          </a:fontRef>
+        </p:style>
+        <p:txBody>
+          <a:bodyPr rtlCol="0" anchor="t"/>
+          <a:lstStyle/>
+          <a:p>
+            <a:pPr algn="r"/>
+            <a:endParaRPr lang="en-GB" dirty="0"/>
+          </a:p>
+        </p:txBody>
+      </p:sp>
+      <p:sp>
+        <p:nvSpPr>
+          <p:cNvPr id="9" name="Rectangle 8">
+            <a:extLst>
+              <a:ext uri="{FF2B5EF4-FFF2-40B4-BE49-F238E27FC236}">
+                <a16:creationId xmlns:a16="http://schemas.microsoft.com/office/drawing/2014/main" id="{578C5579-C45F-D94F-B094-77C228227083}"/>
+              </a:ext>
+            </a:extLst>
+          </p:cNvPr>
+          <p:cNvSpPr/>
+          <p:nvPr/>
+        </p:nvSpPr>
+        <p:spPr>
+          <a:xfrm>
+            <a:off x="2025830" y="6238603"/>
+            <a:ext cx="5829300" cy="2840083"/>
+          </a:xfrm>
+          <a:prstGeom prst="rect">
+            <a:avLst/>
+          </a:prstGeom>
+          <a:noFill/>
+          <a:ln w="9525" cap="flat" cmpd="sng" algn="ctr">
+            <a:solidFill>
+              <a:schemeClr val="tx1"/>
+            </a:solidFill>
+            <a:prstDash val="solid"/>
+            <a:round/>
+            <a:headEnd type="none" w="med" len="med"/>
+            <a:tailEnd type="none" w="med" len="med"/>
+          </a:ln>
+        </p:spPr>
+        <p:style>
+          <a:lnRef idx="0">
+            <a:scrgbClr r="0" g="0" b="0"/>
+          </a:lnRef>
+          <a:fillRef idx="0">
+            <a:scrgbClr r="0" g="0" b="0"/>
+          </a:fillRef>
+          <a:effectRef idx="0">
+            <a:scrgbClr r="0" g="0" b="0"/>
+          </a:effectRef>
+          <a:fontRef idx="minor">
+            <a:schemeClr val="dk1"/>
+          </a:fontRef>
+        </p:style>
+        <p:txBody>
+          <a:bodyPr rtlCol="0" anchor="t"/>
+          <a:lstStyle/>
+          <a:p>
+            <a:r>
+              <a:rPr lang="en-GB" dirty="0"/>
+              <a:t>RA1 Scope</a:t>
+            </a:r>
+          </a:p>
+        </p:txBody>
+      </p:sp>
+      <p:sp>
+        <p:nvSpPr>
+          <p:cNvPr id="19" name="Rectangle 18">
+            <a:extLst>
+              <a:ext uri="{FF2B5EF4-FFF2-40B4-BE49-F238E27FC236}">
+                <a16:creationId xmlns:a16="http://schemas.microsoft.com/office/drawing/2014/main" id="{E451607F-F309-A84C-BADC-A132A3159EA6}"/>
+              </a:ext>
+            </a:extLst>
+          </p:cNvPr>
+          <p:cNvSpPr/>
+          <p:nvPr/>
+        </p:nvSpPr>
+        <p:spPr>
+          <a:xfrm>
+            <a:off x="2239191" y="6583680"/>
+            <a:ext cx="5402579" cy="1519647"/>
+          </a:xfrm>
+          <a:prstGeom prst="rect">
+            <a:avLst/>
+          </a:prstGeom>
+          <a:noFill/>
+          <a:ln w="9525" cap="flat" cmpd="sng" algn="ctr">
+            <a:solidFill>
+              <a:schemeClr val="tx1"/>
+            </a:solidFill>
+            <a:prstDash val="solid"/>
+            <a:round/>
+            <a:headEnd type="none" w="med" len="med"/>
+            <a:tailEnd type="none" w="med" len="med"/>
+          </a:ln>
+        </p:spPr>
+        <p:style>
+          <a:lnRef idx="0">
+            <a:scrgbClr r="0" g="0" b="0"/>
+          </a:lnRef>
+          <a:fillRef idx="0">
+            <a:scrgbClr r="0" g="0" b="0"/>
+          </a:fillRef>
+          <a:effectRef idx="0">
+            <a:scrgbClr r="0" g="0" b="0"/>
+          </a:effectRef>
+          <a:fontRef idx="minor">
+            <a:schemeClr val="dk1"/>
+          </a:fontRef>
+        </p:style>
+        <p:txBody>
+          <a:bodyPr rtlCol="0" anchor="t"/>
+          <a:lstStyle/>
+          <a:p>
+            <a:pPr algn="r"/>
+            <a:r>
+              <a:rPr lang="en-GB" dirty="0"/>
+              <a:t>OpenStack</a:t>
+            </a:r>
+          </a:p>
+        </p:txBody>
+      </p:sp>
+      <p:sp>
+        <p:nvSpPr>
+          <p:cNvPr id="20" name="Rectangle 19">
+            <a:extLst>
+              <a:ext uri="{FF2B5EF4-FFF2-40B4-BE49-F238E27FC236}">
+                <a16:creationId xmlns:a16="http://schemas.microsoft.com/office/drawing/2014/main" id="{94613F17-512D-7C4C-A503-27EBEC208F52}"/>
+              </a:ext>
+            </a:extLst>
+          </p:cNvPr>
+          <p:cNvSpPr/>
+          <p:nvPr/>
+        </p:nvSpPr>
+        <p:spPr>
+          <a:xfrm>
+            <a:off x="2239191" y="8268789"/>
+            <a:ext cx="5402579" cy="644435"/>
+          </a:xfrm>
+          <a:prstGeom prst="rect">
+            <a:avLst/>
+          </a:prstGeom>
+          <a:noFill/>
+          <a:ln w="9525" cap="flat" cmpd="sng" algn="ctr">
+            <a:solidFill>
+              <a:schemeClr val="tx1"/>
+            </a:solidFill>
+            <a:prstDash val="solid"/>
+            <a:round/>
+            <a:headEnd type="none" w="med" len="med"/>
+            <a:tailEnd type="none" w="med" len="med"/>
+          </a:ln>
+        </p:spPr>
+        <p:style>
+          <a:lnRef idx="0">
+            <a:scrgbClr r="0" g="0" b="0"/>
+          </a:lnRef>
+          <a:fillRef idx="0">
+            <a:scrgbClr r="0" g="0" b="0"/>
+          </a:fillRef>
+          <a:effectRef idx="0">
+            <a:scrgbClr r="0" g="0" b="0"/>
+          </a:effectRef>
+          <a:fontRef idx="minor">
+            <a:schemeClr val="dk1"/>
+          </a:fontRef>
+        </p:style>
+        <p:txBody>
+          <a:bodyPr rtlCol="0" anchor="ctr"/>
+          <a:lstStyle/>
+          <a:p>
+            <a:pPr algn="ctr"/>
+            <a:r>
+              <a:rPr lang="en-GB" dirty="0"/>
+              <a:t>NFVI Hardware</a:t>
+            </a:r>
+          </a:p>
+        </p:txBody>
+      </p:sp>
+      <p:sp>
+        <p:nvSpPr>
+          <p:cNvPr id="21" name="Rectangle 20">
+            <a:extLst>
+              <a:ext uri="{FF2B5EF4-FFF2-40B4-BE49-F238E27FC236}">
+                <a16:creationId xmlns:a16="http://schemas.microsoft.com/office/drawing/2014/main" id="{A708D470-3F37-124B-9FC7-FB2A8CAD5ECD}"/>
+              </a:ext>
+            </a:extLst>
+          </p:cNvPr>
+          <p:cNvSpPr/>
+          <p:nvPr/>
+        </p:nvSpPr>
+        <p:spPr>
+          <a:xfrm>
+            <a:off x="2552701" y="7104018"/>
+            <a:ext cx="2176054" cy="644435"/>
+          </a:xfrm>
+          <a:prstGeom prst="rect">
+            <a:avLst/>
+          </a:prstGeom>
+          <a:noFill/>
+          <a:ln w="9525" cap="flat" cmpd="sng" algn="ctr">
+            <a:solidFill>
+              <a:schemeClr val="tx1"/>
+            </a:solidFill>
+            <a:prstDash val="solid"/>
+            <a:round/>
+            <a:headEnd type="none" w="med" len="med"/>
+            <a:tailEnd type="none" w="med" len="med"/>
+          </a:ln>
+        </p:spPr>
+        <p:style>
+          <a:lnRef idx="0">
+            <a:scrgbClr r="0" g="0" b="0"/>
+          </a:lnRef>
+          <a:fillRef idx="0">
+            <a:scrgbClr r="0" g="0" b="0"/>
+          </a:fillRef>
+          <a:effectRef idx="0">
+            <a:scrgbClr r="0" g="0" b="0"/>
+          </a:effectRef>
+          <a:fontRef idx="minor">
+            <a:schemeClr val="dk1"/>
+          </a:fontRef>
+        </p:style>
+        <p:txBody>
+          <a:bodyPr rtlCol="0" anchor="ctr"/>
+          <a:lstStyle/>
+          <a:p>
+            <a:pPr algn="ctr"/>
+            <a:r>
+              <a:rPr lang="en-GB" dirty="0"/>
+              <a:t>NFVI Software</a:t>
+            </a:r>
+          </a:p>
+        </p:txBody>
+      </p:sp>
+      <p:sp>
+        <p:nvSpPr>
+          <p:cNvPr id="22" name="Rectangle 21">
+            <a:extLst>
+              <a:ext uri="{FF2B5EF4-FFF2-40B4-BE49-F238E27FC236}">
+                <a16:creationId xmlns:a16="http://schemas.microsoft.com/office/drawing/2014/main" id="{43483029-B9C1-E944-A1FA-8F024B414FA1}"/>
+              </a:ext>
+            </a:extLst>
+          </p:cNvPr>
+          <p:cNvSpPr/>
+          <p:nvPr/>
+        </p:nvSpPr>
+        <p:spPr>
+          <a:xfrm>
+            <a:off x="5153842" y="7104018"/>
+            <a:ext cx="2176054" cy="644435"/>
+          </a:xfrm>
+          <a:prstGeom prst="rect">
+            <a:avLst/>
+          </a:prstGeom>
+          <a:noFill/>
+          <a:ln w="9525" cap="flat" cmpd="sng" algn="ctr">
+            <a:solidFill>
+              <a:schemeClr val="tx1"/>
+            </a:solidFill>
+            <a:prstDash val="solid"/>
+            <a:round/>
+            <a:headEnd type="none" w="med" len="med"/>
+            <a:tailEnd type="none" w="med" len="med"/>
+          </a:ln>
+        </p:spPr>
+        <p:style>
+          <a:lnRef idx="0">
+            <a:scrgbClr r="0" g="0" b="0"/>
+          </a:lnRef>
+          <a:fillRef idx="0">
+            <a:scrgbClr r="0" g="0" b="0"/>
+          </a:fillRef>
+          <a:effectRef idx="0">
+            <a:scrgbClr r="0" g="0" b="0"/>
+          </a:effectRef>
+          <a:fontRef idx="minor">
+            <a:schemeClr val="dk1"/>
+          </a:fontRef>
+        </p:style>
+        <p:txBody>
+          <a:bodyPr rtlCol="0" anchor="ctr"/>
+          <a:lstStyle/>
+          <a:p>
+            <a:pPr algn="ctr"/>
+            <a:r>
+              <a:rPr lang="en-GB" dirty="0"/>
+              <a:t>VIM</a:t>
+            </a:r>
+          </a:p>
+        </p:txBody>
+      </p:sp>
+      <p:cxnSp>
+        <p:nvCxnSpPr>
+          <p:cNvPr id="13" name="Elbow Connector 12">
+            <a:extLst>
+              <a:ext uri="{FF2B5EF4-FFF2-40B4-BE49-F238E27FC236}">
+                <a16:creationId xmlns:a16="http://schemas.microsoft.com/office/drawing/2014/main" id="{28DF97BD-7674-114A-9061-4813232F2AD4}"/>
+              </a:ext>
+            </a:extLst>
+          </p:cNvPr>
+          <p:cNvCxnSpPr>
+            <a:stCxn id="21" idx="2"/>
+          </p:cNvCxnSpPr>
+          <p:nvPr/>
+        </p:nvCxnSpPr>
+        <p:spPr>
+          <a:xfrm rot="16200000" flipH="1">
+            <a:off x="3382464" y="8006716"/>
+            <a:ext cx="520336" cy="3809"/>
+          </a:xfrm>
+          <a:prstGeom prst="bentConnector3">
+            <a:avLst/>
+          </a:prstGeom>
+          <a:ln>
+            <a:solidFill>
+              <a:schemeClr val="tx1"/>
+            </a:solidFill>
+            <a:headEnd type="oval" w="med" len="med"/>
+            <a:tailEnd type="oval" w="med" len="med"/>
+          </a:ln>
+        </p:spPr>
+        <p:style>
+          <a:lnRef idx="1">
+            <a:schemeClr val="accent1"/>
+          </a:lnRef>
+          <a:fillRef idx="0">
+            <a:schemeClr val="accent1"/>
+          </a:fillRef>
+          <a:effectRef idx="0">
+            <a:schemeClr val="accent1"/>
+          </a:effectRef>
+          <a:fontRef idx="minor">
+            <a:schemeClr val="tx1"/>
+          </a:fontRef>
+        </p:style>
+      </p:cxnSp>
+      <p:sp>
+        <p:nvSpPr>
+          <p:cNvPr id="23" name="Rectangle 22">
+            <a:extLst>
+              <a:ext uri="{FF2B5EF4-FFF2-40B4-BE49-F238E27FC236}">
+                <a16:creationId xmlns:a16="http://schemas.microsoft.com/office/drawing/2014/main" id="{B7B7CAB7-7F35-254A-B869-A0F75888AFA7}"/>
+              </a:ext>
+            </a:extLst>
+          </p:cNvPr>
+          <p:cNvSpPr/>
+          <p:nvPr/>
+        </p:nvSpPr>
+        <p:spPr>
+          <a:xfrm>
+            <a:off x="6002634" y="1700343"/>
+            <a:ext cx="2176054" cy="644435"/>
+          </a:xfrm>
+          <a:prstGeom prst="rect">
+            <a:avLst/>
+          </a:prstGeom>
+          <a:noFill/>
+          <a:ln w="9525" cap="flat" cmpd="sng" algn="ctr">
+            <a:solidFill>
+              <a:schemeClr val="dk1"/>
+            </a:solidFill>
+            <a:prstDash val="solid"/>
+            <a:round/>
+            <a:headEnd type="none" w="med" len="med"/>
+            <a:tailEnd type="none" w="med" len="med"/>
+          </a:ln>
+        </p:spPr>
+        <p:style>
+          <a:lnRef idx="0">
+            <a:scrgbClr r="0" g="0" b="0"/>
+          </a:lnRef>
+          <a:fillRef idx="0">
+            <a:scrgbClr r="0" g="0" b="0"/>
+          </a:fillRef>
+          <a:effectRef idx="0">
+            <a:scrgbClr r="0" g="0" b="0"/>
+          </a:effectRef>
+          <a:fontRef idx="minor">
+            <a:schemeClr val="dk1"/>
+          </a:fontRef>
+        </p:style>
+        <p:txBody>
+          <a:bodyPr rtlCol="0" anchor="ctr"/>
+          <a:lstStyle/>
+          <a:p>
+            <a:pPr algn="ctr"/>
+            <a:r>
+              <a:rPr lang="en-GB" dirty="0"/>
+              <a:t>VNFs</a:t>
+            </a:r>
+          </a:p>
+        </p:txBody>
+      </p:sp>
+      <p:sp>
+        <p:nvSpPr>
+          <p:cNvPr id="24" name="Rectangle 23">
+            <a:extLst>
+              <a:ext uri="{FF2B5EF4-FFF2-40B4-BE49-F238E27FC236}">
+                <a16:creationId xmlns:a16="http://schemas.microsoft.com/office/drawing/2014/main" id="{6F8C84AE-FB74-AB47-9141-4EC78259D0BA}"/>
+              </a:ext>
+            </a:extLst>
+          </p:cNvPr>
+          <p:cNvSpPr/>
+          <p:nvPr/>
+        </p:nvSpPr>
+        <p:spPr>
+          <a:xfrm>
+            <a:off x="14037085" y="1697081"/>
+            <a:ext cx="2176054" cy="644435"/>
+          </a:xfrm>
+          <a:prstGeom prst="rect">
+            <a:avLst/>
+          </a:prstGeom>
+          <a:noFill/>
+          <a:ln w="9525" cap="flat" cmpd="sng" algn="ctr">
+            <a:solidFill>
+              <a:schemeClr val="dk1"/>
+            </a:solidFill>
+            <a:prstDash val="solid"/>
+            <a:round/>
+            <a:headEnd type="none" w="med" len="med"/>
+            <a:tailEnd type="none" w="med" len="med"/>
+          </a:ln>
+        </p:spPr>
+        <p:style>
+          <a:lnRef idx="0">
+            <a:scrgbClr r="0" g="0" b="0"/>
+          </a:lnRef>
+          <a:fillRef idx="0">
+            <a:scrgbClr r="0" g="0" b="0"/>
+          </a:fillRef>
+          <a:effectRef idx="0">
+            <a:scrgbClr r="0" g="0" b="0"/>
+          </a:effectRef>
+          <a:fontRef idx="minor">
+            <a:schemeClr val="dk1"/>
+          </a:fontRef>
+        </p:style>
+        <p:txBody>
+          <a:bodyPr rtlCol="0" anchor="ctr"/>
+          <a:lstStyle/>
+          <a:p>
+            <a:pPr algn="ctr"/>
+            <a:r>
+              <a:rPr lang="en-GB" dirty="0"/>
+              <a:t>NFVOs</a:t>
+            </a:r>
+          </a:p>
+        </p:txBody>
+      </p:sp>
+      <p:sp>
+        <p:nvSpPr>
+          <p:cNvPr id="25" name="Rectangle 24">
+            <a:extLst>
+              <a:ext uri="{FF2B5EF4-FFF2-40B4-BE49-F238E27FC236}">
+                <a16:creationId xmlns:a16="http://schemas.microsoft.com/office/drawing/2014/main" id="{40455850-CB88-9947-AD43-63F13913C246}"/>
+              </a:ext>
+            </a:extLst>
+          </p:cNvPr>
+          <p:cNvSpPr/>
+          <p:nvPr/>
+        </p:nvSpPr>
+        <p:spPr>
+          <a:xfrm>
+            <a:off x="10095368" y="1697081"/>
+            <a:ext cx="2176054" cy="644435"/>
+          </a:xfrm>
+          <a:prstGeom prst="rect">
+            <a:avLst/>
+          </a:prstGeom>
+          <a:noFill/>
+          <a:ln w="9525" cap="flat" cmpd="sng" algn="ctr">
+            <a:solidFill>
+              <a:schemeClr val="dk1"/>
+            </a:solidFill>
+            <a:prstDash val="solid"/>
+            <a:round/>
+            <a:headEnd type="none" w="med" len="med"/>
+            <a:tailEnd type="none" w="med" len="med"/>
+          </a:ln>
+        </p:spPr>
+        <p:style>
+          <a:lnRef idx="0">
+            <a:scrgbClr r="0" g="0" b="0"/>
+          </a:lnRef>
+          <a:fillRef idx="0">
+            <a:scrgbClr r="0" g="0" b="0"/>
+          </a:fillRef>
+          <a:effectRef idx="0">
+            <a:scrgbClr r="0" g="0" b="0"/>
+          </a:effectRef>
+          <a:fontRef idx="minor">
+            <a:schemeClr val="dk1"/>
+          </a:fontRef>
+        </p:style>
+        <p:txBody>
+          <a:bodyPr rtlCol="0" anchor="ctr"/>
+          <a:lstStyle/>
+          <a:p>
+            <a:pPr algn="ctr"/>
+            <a:r>
+              <a:rPr lang="en-GB" dirty="0"/>
+              <a:t>VNFMs</a:t>
+            </a:r>
+          </a:p>
+        </p:txBody>
+      </p:sp>
+      <p:sp>
+        <p:nvSpPr>
+          <p:cNvPr id="26" name="Rectangle 25">
+            <a:extLst>
+              <a:ext uri="{FF2B5EF4-FFF2-40B4-BE49-F238E27FC236}">
+                <a16:creationId xmlns:a16="http://schemas.microsoft.com/office/drawing/2014/main" id="{55D7B951-E010-D448-A346-47D4397B3BAD}"/>
+              </a:ext>
+            </a:extLst>
+          </p:cNvPr>
+          <p:cNvSpPr/>
+          <p:nvPr/>
+        </p:nvSpPr>
+        <p:spPr>
+          <a:xfrm>
+            <a:off x="9842820" y="1124494"/>
+            <a:ext cx="6611438" cy="1519647"/>
+          </a:xfrm>
+          <a:prstGeom prst="rect">
+            <a:avLst/>
+          </a:prstGeom>
+          <a:noFill/>
+          <a:ln w="9525" cap="flat" cmpd="sng" algn="ctr">
+            <a:solidFill>
+              <a:schemeClr val="dk1"/>
+            </a:solidFill>
+            <a:prstDash val="solid"/>
+            <a:round/>
+            <a:headEnd type="none" w="med" len="med"/>
+            <a:tailEnd type="none" w="med" len="med"/>
+          </a:ln>
+        </p:spPr>
+        <p:style>
+          <a:lnRef idx="0">
+            <a:scrgbClr r="0" g="0" b="0"/>
+          </a:lnRef>
+          <a:fillRef idx="0">
+            <a:scrgbClr r="0" g="0" b="0"/>
+          </a:fillRef>
+          <a:effectRef idx="0">
+            <a:scrgbClr r="0" g="0" b="0"/>
+          </a:effectRef>
+          <a:fontRef idx="minor">
+            <a:schemeClr val="dk1"/>
+          </a:fontRef>
+        </p:style>
+        <p:txBody>
+          <a:bodyPr rtlCol="0" anchor="t"/>
+          <a:lstStyle/>
+          <a:p>
+            <a:pPr algn="r"/>
+            <a:r>
+              <a:rPr lang="en-GB" dirty="0"/>
+              <a:t>Application Management</a:t>
+            </a:r>
+          </a:p>
+        </p:txBody>
+      </p:sp>
+      <p:sp>
+        <p:nvSpPr>
+          <p:cNvPr id="27" name="Rectangle 26">
+            <a:extLst>
+              <a:ext uri="{FF2B5EF4-FFF2-40B4-BE49-F238E27FC236}">
+                <a16:creationId xmlns:a16="http://schemas.microsoft.com/office/drawing/2014/main" id="{2446017A-C315-C646-AED0-9D89F0384501}"/>
+              </a:ext>
+            </a:extLst>
+          </p:cNvPr>
+          <p:cNvSpPr/>
+          <p:nvPr/>
+        </p:nvSpPr>
+        <p:spPr>
+          <a:xfrm>
+            <a:off x="2239191" y="4044041"/>
+            <a:ext cx="5402579" cy="1519647"/>
+          </a:xfrm>
+          <a:prstGeom prst="rect">
+            <a:avLst/>
+          </a:prstGeom>
+          <a:noFill/>
+          <a:ln w="9525" cap="flat" cmpd="sng" algn="ctr">
+            <a:solidFill>
+              <a:srgbClr val="00B050"/>
+            </a:solidFill>
+            <a:prstDash val="solid"/>
+            <a:round/>
+            <a:headEnd type="none" w="med" len="med"/>
+            <a:tailEnd type="none" w="med" len="med"/>
+          </a:ln>
+        </p:spPr>
+        <p:style>
+          <a:lnRef idx="0">
+            <a:scrgbClr r="0" g="0" b="0"/>
+          </a:lnRef>
+          <a:fillRef idx="0">
+            <a:scrgbClr r="0" g="0" b="0"/>
+          </a:fillRef>
+          <a:effectRef idx="0">
+            <a:scrgbClr r="0" g="0" b="0"/>
+          </a:effectRef>
+          <a:fontRef idx="minor">
+            <a:schemeClr val="dk1"/>
+          </a:fontRef>
+        </p:style>
+        <p:txBody>
+          <a:bodyPr rtlCol="0" anchor="t"/>
+          <a:lstStyle/>
+          <a:p>
+            <a:pPr algn="r"/>
+            <a:r>
+              <a:rPr lang="en-GB" dirty="0"/>
+              <a:t>Kubernetes</a:t>
+            </a:r>
+          </a:p>
+        </p:txBody>
+      </p:sp>
+      <p:sp>
+        <p:nvSpPr>
+          <p:cNvPr id="28" name="Rectangle 27">
+            <a:extLst>
+              <a:ext uri="{FF2B5EF4-FFF2-40B4-BE49-F238E27FC236}">
+                <a16:creationId xmlns:a16="http://schemas.microsoft.com/office/drawing/2014/main" id="{7E64B321-3198-1E4C-A055-391B2A450FD5}"/>
+              </a:ext>
+            </a:extLst>
+          </p:cNvPr>
+          <p:cNvSpPr/>
+          <p:nvPr/>
+        </p:nvSpPr>
+        <p:spPr>
+          <a:xfrm>
+            <a:off x="5060493" y="4642068"/>
+            <a:ext cx="2176054" cy="644435"/>
+          </a:xfrm>
+          <a:prstGeom prst="rect">
+            <a:avLst/>
+          </a:prstGeom>
+          <a:noFill/>
+          <a:ln w="9525" cap="flat" cmpd="sng" algn="ctr">
+            <a:solidFill>
+              <a:srgbClr val="00B050"/>
+            </a:solidFill>
+            <a:prstDash val="solid"/>
+            <a:round/>
+            <a:headEnd type="none" w="med" len="med"/>
+            <a:tailEnd type="none" w="med" len="med"/>
+          </a:ln>
+        </p:spPr>
+        <p:style>
+          <a:lnRef idx="0">
+            <a:scrgbClr r="0" g="0" b="0"/>
+          </a:lnRef>
+          <a:fillRef idx="0">
+            <a:scrgbClr r="0" g="0" b="0"/>
+          </a:fillRef>
+          <a:effectRef idx="0">
+            <a:scrgbClr r="0" g="0" b="0"/>
+          </a:effectRef>
+          <a:fontRef idx="minor">
+            <a:schemeClr val="dk1"/>
+          </a:fontRef>
+        </p:style>
+        <p:txBody>
+          <a:bodyPr rtlCol="0" anchor="ctr"/>
+          <a:lstStyle/>
+          <a:p>
+            <a:pPr algn="ctr"/>
+            <a:r>
+              <a:rPr lang="en-GB" dirty="0"/>
+              <a:t>Kubernetes Masters</a:t>
+            </a:r>
+          </a:p>
+        </p:txBody>
+      </p:sp>
+      <p:sp>
+        <p:nvSpPr>
+          <p:cNvPr id="29" name="Rectangle 28">
+            <a:extLst>
+              <a:ext uri="{FF2B5EF4-FFF2-40B4-BE49-F238E27FC236}">
+                <a16:creationId xmlns:a16="http://schemas.microsoft.com/office/drawing/2014/main" id="{A0660488-B765-DD4F-8686-6D0666705EFF}"/>
+              </a:ext>
+            </a:extLst>
+          </p:cNvPr>
+          <p:cNvSpPr/>
+          <p:nvPr/>
+        </p:nvSpPr>
+        <p:spPr>
+          <a:xfrm>
+            <a:off x="2644138" y="4642068"/>
+            <a:ext cx="2176054" cy="644435"/>
+          </a:xfrm>
+          <a:prstGeom prst="rect">
+            <a:avLst/>
+          </a:prstGeom>
+          <a:noFill/>
+          <a:ln w="9525" cap="flat" cmpd="sng" algn="ctr">
+            <a:solidFill>
+              <a:srgbClr val="00B050"/>
+            </a:solidFill>
+            <a:prstDash val="solid"/>
+            <a:round/>
+            <a:headEnd type="none" w="med" len="med"/>
+            <a:tailEnd type="none" w="med" len="med"/>
+          </a:ln>
+        </p:spPr>
+        <p:style>
+          <a:lnRef idx="0">
+            <a:scrgbClr r="0" g="0" b="0"/>
+          </a:lnRef>
+          <a:fillRef idx="0">
+            <a:scrgbClr r="0" g="0" b="0"/>
+          </a:fillRef>
+          <a:effectRef idx="0">
+            <a:scrgbClr r="0" g="0" b="0"/>
+          </a:effectRef>
+          <a:fontRef idx="minor">
+            <a:schemeClr val="dk1"/>
+          </a:fontRef>
+        </p:style>
+        <p:txBody>
+          <a:bodyPr rtlCol="0" anchor="ctr"/>
+          <a:lstStyle/>
+          <a:p>
+            <a:pPr algn="ctr"/>
+            <a:r>
+              <a:rPr lang="en-GB" dirty="0"/>
+              <a:t>Kubernetes Workers</a:t>
+            </a:r>
+          </a:p>
+        </p:txBody>
+      </p:sp>
+      <p:sp>
+        <p:nvSpPr>
+          <p:cNvPr id="30" name="Rectangle 29">
+            <a:extLst>
+              <a:ext uri="{FF2B5EF4-FFF2-40B4-BE49-F238E27FC236}">
+                <a16:creationId xmlns:a16="http://schemas.microsoft.com/office/drawing/2014/main" id="{506DB68D-B16A-0047-8550-9073C21B6830}"/>
+              </a:ext>
+            </a:extLst>
+          </p:cNvPr>
+          <p:cNvSpPr/>
+          <p:nvPr/>
+        </p:nvSpPr>
+        <p:spPr>
+          <a:xfrm>
+            <a:off x="2025830" y="3619500"/>
+            <a:ext cx="5829300" cy="2264229"/>
+          </a:xfrm>
+          <a:prstGeom prst="rect">
+            <a:avLst/>
+          </a:prstGeom>
+          <a:noFill/>
+          <a:ln w="9525" cap="flat" cmpd="sng" algn="ctr">
+            <a:solidFill>
+              <a:srgbClr val="00B050"/>
+            </a:solidFill>
+            <a:prstDash val="solid"/>
+            <a:round/>
+            <a:headEnd type="none" w="med" len="med"/>
+            <a:tailEnd type="none" w="med" len="med"/>
+          </a:ln>
+        </p:spPr>
+        <p:style>
+          <a:lnRef idx="0">
+            <a:scrgbClr r="0" g="0" b="0"/>
+          </a:lnRef>
+          <a:fillRef idx="0">
+            <a:scrgbClr r="0" g="0" b="0"/>
+          </a:fillRef>
+          <a:effectRef idx="0">
+            <a:scrgbClr r="0" g="0" b="0"/>
+          </a:effectRef>
+          <a:fontRef idx="minor">
+            <a:schemeClr val="dk1"/>
+          </a:fontRef>
+        </p:style>
+        <p:txBody>
+          <a:bodyPr rtlCol="0" anchor="t"/>
+          <a:lstStyle/>
+          <a:p>
+            <a:r>
+              <a:rPr lang="en-GB" dirty="0"/>
+              <a:t>RA2 Scope</a:t>
+            </a:r>
+          </a:p>
+        </p:txBody>
+      </p:sp>
+      <p:sp>
+        <p:nvSpPr>
+          <p:cNvPr id="31" name="Rectangle 30">
+            <a:extLst>
+              <a:ext uri="{FF2B5EF4-FFF2-40B4-BE49-F238E27FC236}">
+                <a16:creationId xmlns:a16="http://schemas.microsoft.com/office/drawing/2014/main" id="{598A1287-B59A-4647-B069-360636824215}"/>
+              </a:ext>
+            </a:extLst>
+          </p:cNvPr>
+          <p:cNvSpPr/>
+          <p:nvPr/>
+        </p:nvSpPr>
+        <p:spPr>
+          <a:xfrm>
+            <a:off x="9013871" y="6583680"/>
+            <a:ext cx="5402579" cy="1519647"/>
+          </a:xfrm>
+          <a:prstGeom prst="rect">
+            <a:avLst/>
+          </a:prstGeom>
+          <a:noFill/>
+          <a:ln w="9525" cap="flat" cmpd="sng" algn="ctr">
+            <a:solidFill>
+              <a:srgbClr val="FF0000"/>
+            </a:solidFill>
+            <a:prstDash val="solid"/>
+            <a:round/>
+            <a:headEnd type="none" w="med" len="med"/>
+            <a:tailEnd type="none" w="med" len="med"/>
+          </a:ln>
+        </p:spPr>
+        <p:style>
+          <a:lnRef idx="0">
+            <a:scrgbClr r="0" g="0" b="0"/>
+          </a:lnRef>
+          <a:fillRef idx="0">
+            <a:scrgbClr r="0" g="0" b="0"/>
+          </a:fillRef>
+          <a:effectRef idx="0">
+            <a:scrgbClr r="0" g="0" b="0"/>
+          </a:effectRef>
+          <a:fontRef idx="minor">
+            <a:schemeClr val="dk1"/>
+          </a:fontRef>
+        </p:style>
+        <p:txBody>
+          <a:bodyPr rtlCol="0" anchor="t"/>
+          <a:lstStyle/>
+          <a:p>
+            <a:pPr algn="r"/>
+            <a:r>
+              <a:rPr lang="en-GB" dirty="0"/>
+              <a:t>Other Clouds (no CNTT RA)</a:t>
+            </a:r>
+          </a:p>
+        </p:txBody>
+      </p:sp>
+      <p:sp>
+        <p:nvSpPr>
+          <p:cNvPr id="32" name="Rectangle 31">
+            <a:extLst>
+              <a:ext uri="{FF2B5EF4-FFF2-40B4-BE49-F238E27FC236}">
+                <a16:creationId xmlns:a16="http://schemas.microsoft.com/office/drawing/2014/main" id="{2086DE0F-1991-CC46-95F7-8D8846619446}"/>
+              </a:ext>
+            </a:extLst>
+          </p:cNvPr>
+          <p:cNvSpPr/>
+          <p:nvPr/>
+        </p:nvSpPr>
+        <p:spPr>
+          <a:xfrm>
+            <a:off x="9327381" y="7104018"/>
+            <a:ext cx="2176054" cy="644435"/>
+          </a:xfrm>
+          <a:prstGeom prst="rect">
+            <a:avLst/>
+          </a:prstGeom>
+          <a:noFill/>
+          <a:ln w="9525" cap="flat" cmpd="sng" algn="ctr">
+            <a:solidFill>
+              <a:srgbClr val="FF0000"/>
+            </a:solidFill>
+            <a:prstDash val="solid"/>
+            <a:round/>
+            <a:headEnd type="none" w="med" len="med"/>
+            <a:tailEnd type="none" w="med" len="med"/>
+          </a:ln>
+        </p:spPr>
+        <p:style>
+          <a:lnRef idx="0">
+            <a:scrgbClr r="0" g="0" b="0"/>
+          </a:lnRef>
+          <a:fillRef idx="0">
+            <a:scrgbClr r="0" g="0" b="0"/>
+          </a:fillRef>
+          <a:effectRef idx="0">
+            <a:scrgbClr r="0" g="0" b="0"/>
+          </a:effectRef>
+          <a:fontRef idx="minor">
+            <a:schemeClr val="dk1"/>
+          </a:fontRef>
+        </p:style>
+        <p:txBody>
+          <a:bodyPr rtlCol="0" anchor="ctr"/>
+          <a:lstStyle/>
+          <a:p>
+            <a:pPr algn="ctr"/>
+            <a:r>
+              <a:rPr lang="en-GB" dirty="0"/>
+              <a:t>NFVI Software</a:t>
+            </a:r>
+          </a:p>
+        </p:txBody>
+      </p:sp>
+      <p:sp>
+        <p:nvSpPr>
+          <p:cNvPr id="33" name="Rectangle 32">
+            <a:extLst>
+              <a:ext uri="{FF2B5EF4-FFF2-40B4-BE49-F238E27FC236}">
+                <a16:creationId xmlns:a16="http://schemas.microsoft.com/office/drawing/2014/main" id="{31B418B3-3124-F14D-9216-4E17E4B637F2}"/>
+              </a:ext>
+            </a:extLst>
+          </p:cNvPr>
+          <p:cNvSpPr/>
+          <p:nvPr/>
+        </p:nvSpPr>
+        <p:spPr>
+          <a:xfrm>
+            <a:off x="11928522" y="7104018"/>
+            <a:ext cx="2176054" cy="644435"/>
+          </a:xfrm>
+          <a:prstGeom prst="rect">
+            <a:avLst/>
+          </a:prstGeom>
+          <a:noFill/>
+          <a:ln w="9525" cap="flat" cmpd="sng" algn="ctr">
+            <a:solidFill>
+              <a:srgbClr val="FF0000"/>
+            </a:solidFill>
+            <a:prstDash val="solid"/>
+            <a:round/>
+            <a:headEnd type="none" w="med" len="med"/>
+            <a:tailEnd type="none" w="med" len="med"/>
+          </a:ln>
+        </p:spPr>
+        <p:style>
+          <a:lnRef idx="0">
+            <a:scrgbClr r="0" g="0" b="0"/>
+          </a:lnRef>
+          <a:fillRef idx="0">
+            <a:scrgbClr r="0" g="0" b="0"/>
+          </a:fillRef>
+          <a:effectRef idx="0">
+            <a:scrgbClr r="0" g="0" b="0"/>
+          </a:effectRef>
+          <a:fontRef idx="minor">
+            <a:schemeClr val="dk1"/>
+          </a:fontRef>
+        </p:style>
+        <p:txBody>
+          <a:bodyPr rtlCol="0" anchor="ctr"/>
+          <a:lstStyle/>
+          <a:p>
+            <a:pPr algn="ctr"/>
+            <a:r>
+              <a:rPr lang="en-GB" dirty="0"/>
+              <a:t>VIM</a:t>
+            </a:r>
+          </a:p>
+        </p:txBody>
+      </p:sp>
+      <p:cxnSp>
+        <p:nvCxnSpPr>
+          <p:cNvPr id="39" name="Straight Connector 38">
+            <a:extLst>
+              <a:ext uri="{FF2B5EF4-FFF2-40B4-BE49-F238E27FC236}">
+                <a16:creationId xmlns:a16="http://schemas.microsoft.com/office/drawing/2014/main" id="{A1EDCA76-6FC7-524E-80CD-79EF25917D60}"/>
+              </a:ext>
+            </a:extLst>
+          </p:cNvPr>
+          <p:cNvCxnSpPr>
+            <a:cxnSpLocks/>
+            <a:stCxn id="26" idx="1"/>
+            <a:endCxn id="98" idx="3"/>
+          </p:cNvCxnSpPr>
+          <p:nvPr/>
+        </p:nvCxnSpPr>
+        <p:spPr>
+          <a:xfrm flipH="1" flipV="1">
+            <a:off x="8431236" y="1884317"/>
+            <a:ext cx="1411584" cy="1"/>
+          </a:xfrm>
+          <a:prstGeom prst="line">
+            <a:avLst/>
+          </a:prstGeom>
+          <a:ln>
+            <a:solidFill>
+              <a:schemeClr val="tx1"/>
+            </a:solidFill>
+          </a:ln>
+        </p:spPr>
+        <p:style>
+          <a:lnRef idx="1">
+            <a:schemeClr val="accent1"/>
+          </a:lnRef>
+          <a:fillRef idx="0">
+            <a:schemeClr val="accent1"/>
+          </a:fillRef>
+          <a:effectRef idx="0">
+            <a:schemeClr val="accent1"/>
+          </a:effectRef>
+          <a:fontRef idx="minor">
+            <a:schemeClr val="tx1"/>
+          </a:fontRef>
+        </p:style>
+      </p:cxnSp>
+      <p:cxnSp>
+        <p:nvCxnSpPr>
+          <p:cNvPr id="40" name="Straight Connector 39">
+            <a:extLst>
+              <a:ext uri="{FF2B5EF4-FFF2-40B4-BE49-F238E27FC236}">
+                <a16:creationId xmlns:a16="http://schemas.microsoft.com/office/drawing/2014/main" id="{588B1752-971A-2F49-B326-A449CEB21507}"/>
+              </a:ext>
+            </a:extLst>
+          </p:cNvPr>
+          <p:cNvCxnSpPr>
+            <a:cxnSpLocks/>
+            <a:stCxn id="24" idx="1"/>
+            <a:endCxn id="25" idx="3"/>
+          </p:cNvCxnSpPr>
+          <p:nvPr/>
+        </p:nvCxnSpPr>
+        <p:spPr>
+          <a:xfrm flipH="1">
+            <a:off x="12271422" y="2019299"/>
+            <a:ext cx="1765663" cy="0"/>
+          </a:xfrm>
+          <a:prstGeom prst="line">
+            <a:avLst/>
+          </a:prstGeom>
+          <a:ln>
+            <a:solidFill>
+              <a:schemeClr val="tx1"/>
+            </a:solidFill>
+          </a:ln>
+        </p:spPr>
+        <p:style>
+          <a:lnRef idx="1">
+            <a:schemeClr val="accent1"/>
+          </a:lnRef>
+          <a:fillRef idx="0">
+            <a:schemeClr val="accent1"/>
+          </a:fillRef>
+          <a:effectRef idx="0">
+            <a:schemeClr val="accent1"/>
+          </a:effectRef>
+          <a:fontRef idx="minor">
+            <a:schemeClr val="tx1"/>
+          </a:fontRef>
+        </p:style>
+      </p:cxnSp>
+      <p:cxnSp>
+        <p:nvCxnSpPr>
+          <p:cNvPr id="58" name="Straight Connector 57">
+            <a:extLst>
+              <a:ext uri="{FF2B5EF4-FFF2-40B4-BE49-F238E27FC236}">
+                <a16:creationId xmlns:a16="http://schemas.microsoft.com/office/drawing/2014/main" id="{EA468946-C109-8444-8E27-1FA259935254}"/>
+              </a:ext>
+            </a:extLst>
+          </p:cNvPr>
+          <p:cNvCxnSpPr>
+            <a:cxnSpLocks/>
+            <a:stCxn id="24" idx="2"/>
+            <a:endCxn id="33" idx="0"/>
+          </p:cNvCxnSpPr>
+          <p:nvPr/>
+        </p:nvCxnSpPr>
+        <p:spPr>
+          <a:xfrm flipH="1">
+            <a:off x="13016549" y="2341516"/>
+            <a:ext cx="2108563" cy="4762502"/>
+          </a:xfrm>
+          <a:prstGeom prst="line">
+            <a:avLst/>
+          </a:prstGeom>
+          <a:ln>
+            <a:solidFill>
+              <a:srgbClr val="FF0000"/>
+            </a:solidFill>
+          </a:ln>
+        </p:spPr>
+        <p:style>
+          <a:lnRef idx="1">
+            <a:schemeClr val="accent1"/>
+          </a:lnRef>
+          <a:fillRef idx="0">
+            <a:schemeClr val="accent1"/>
+          </a:fillRef>
+          <a:effectRef idx="0">
+            <a:schemeClr val="accent1"/>
+          </a:effectRef>
+          <a:fontRef idx="minor">
+            <a:schemeClr val="tx1"/>
+          </a:fontRef>
+        </p:style>
+      </p:cxnSp>
+      <p:cxnSp>
+        <p:nvCxnSpPr>
+          <p:cNvPr id="61" name="Straight Connector 60">
+            <a:extLst>
+              <a:ext uri="{FF2B5EF4-FFF2-40B4-BE49-F238E27FC236}">
+                <a16:creationId xmlns:a16="http://schemas.microsoft.com/office/drawing/2014/main" id="{EA790BDF-BD65-EB4A-A18D-06737637EA48}"/>
+              </a:ext>
+            </a:extLst>
+          </p:cNvPr>
+          <p:cNvCxnSpPr>
+            <a:cxnSpLocks/>
+            <a:stCxn id="25" idx="2"/>
+            <a:endCxn id="33" idx="0"/>
+          </p:cNvCxnSpPr>
+          <p:nvPr/>
+        </p:nvCxnSpPr>
+        <p:spPr>
+          <a:xfrm>
+            <a:off x="11183395" y="2341516"/>
+            <a:ext cx="1833154" cy="4762502"/>
+          </a:xfrm>
+          <a:prstGeom prst="line">
+            <a:avLst/>
+          </a:prstGeom>
+          <a:ln>
+            <a:solidFill>
+              <a:srgbClr val="FF0000"/>
+            </a:solidFill>
+          </a:ln>
+        </p:spPr>
+        <p:style>
+          <a:lnRef idx="1">
+            <a:schemeClr val="accent1"/>
+          </a:lnRef>
+          <a:fillRef idx="0">
+            <a:schemeClr val="accent1"/>
+          </a:fillRef>
+          <a:effectRef idx="0">
+            <a:schemeClr val="accent1"/>
+          </a:effectRef>
+          <a:fontRef idx="minor">
+            <a:schemeClr val="tx1"/>
+          </a:fontRef>
+        </p:style>
+      </p:cxnSp>
+      <p:cxnSp>
+        <p:nvCxnSpPr>
+          <p:cNvPr id="64" name="Straight Connector 63">
+            <a:extLst>
+              <a:ext uri="{FF2B5EF4-FFF2-40B4-BE49-F238E27FC236}">
+                <a16:creationId xmlns:a16="http://schemas.microsoft.com/office/drawing/2014/main" id="{743C03D9-F898-D346-B731-1D14CC170235}"/>
+              </a:ext>
+            </a:extLst>
+          </p:cNvPr>
+          <p:cNvCxnSpPr>
+            <a:cxnSpLocks/>
+            <a:stCxn id="25" idx="2"/>
+            <a:endCxn id="22" idx="0"/>
+          </p:cNvCxnSpPr>
+          <p:nvPr/>
+        </p:nvCxnSpPr>
+        <p:spPr>
+          <a:xfrm flipH="1">
+            <a:off x="6241869" y="2341516"/>
+            <a:ext cx="4941526" cy="4762502"/>
+          </a:xfrm>
+          <a:prstGeom prst="line">
+            <a:avLst/>
+          </a:prstGeom>
+          <a:ln>
+            <a:solidFill>
+              <a:srgbClr val="00B050"/>
+            </a:solidFill>
+          </a:ln>
+        </p:spPr>
+        <p:style>
+          <a:lnRef idx="1">
+            <a:schemeClr val="accent1"/>
+          </a:lnRef>
+          <a:fillRef idx="0">
+            <a:schemeClr val="accent1"/>
+          </a:fillRef>
+          <a:effectRef idx="0">
+            <a:schemeClr val="accent1"/>
+          </a:effectRef>
+          <a:fontRef idx="minor">
+            <a:schemeClr val="tx1"/>
+          </a:fontRef>
+        </p:style>
+      </p:cxnSp>
+      <p:cxnSp>
+        <p:nvCxnSpPr>
+          <p:cNvPr id="67" name="Straight Connector 66">
+            <a:extLst>
+              <a:ext uri="{FF2B5EF4-FFF2-40B4-BE49-F238E27FC236}">
+                <a16:creationId xmlns:a16="http://schemas.microsoft.com/office/drawing/2014/main" id="{33D1B887-1496-374C-9A97-43EDD11B3C99}"/>
+              </a:ext>
+            </a:extLst>
+          </p:cNvPr>
+          <p:cNvCxnSpPr>
+            <a:cxnSpLocks/>
+            <a:stCxn id="24" idx="2"/>
+            <a:endCxn id="22" idx="0"/>
+          </p:cNvCxnSpPr>
+          <p:nvPr/>
+        </p:nvCxnSpPr>
+        <p:spPr>
+          <a:xfrm flipH="1">
+            <a:off x="6241869" y="2341516"/>
+            <a:ext cx="8883243" cy="4762502"/>
+          </a:xfrm>
+          <a:prstGeom prst="line">
+            <a:avLst/>
+          </a:prstGeom>
+          <a:ln>
+            <a:solidFill>
+              <a:srgbClr val="00B050"/>
+            </a:solidFill>
+          </a:ln>
+        </p:spPr>
+        <p:style>
+          <a:lnRef idx="1">
+            <a:schemeClr val="accent1"/>
+          </a:lnRef>
+          <a:fillRef idx="0">
+            <a:schemeClr val="accent1"/>
+          </a:fillRef>
+          <a:effectRef idx="0">
+            <a:schemeClr val="accent1"/>
+          </a:effectRef>
+          <a:fontRef idx="minor">
+            <a:schemeClr val="tx1"/>
+          </a:fontRef>
+        </p:style>
+      </p:cxnSp>
+      <p:cxnSp>
+        <p:nvCxnSpPr>
+          <p:cNvPr id="73" name="Straight Connector 72">
+            <a:extLst>
+              <a:ext uri="{FF2B5EF4-FFF2-40B4-BE49-F238E27FC236}">
+                <a16:creationId xmlns:a16="http://schemas.microsoft.com/office/drawing/2014/main" id="{B0BB24B0-CDAC-1C49-8D3D-F4666D9EE864}"/>
+              </a:ext>
+            </a:extLst>
+          </p:cNvPr>
+          <p:cNvCxnSpPr>
+            <a:cxnSpLocks/>
+            <a:stCxn id="29" idx="2"/>
+            <a:endCxn id="21" idx="0"/>
+          </p:cNvCxnSpPr>
+          <p:nvPr/>
+        </p:nvCxnSpPr>
+        <p:spPr>
+          <a:xfrm flipH="1">
+            <a:off x="3640728" y="5286503"/>
+            <a:ext cx="91437" cy="1817515"/>
+          </a:xfrm>
+          <a:prstGeom prst="line">
+            <a:avLst/>
+          </a:prstGeom>
+          <a:ln>
+            <a:solidFill>
+              <a:srgbClr val="00B050"/>
+            </a:solidFill>
+            <a:headEnd type="oval" w="med" len="med"/>
+            <a:tailEnd type="oval" w="med" len="med"/>
+          </a:ln>
+        </p:spPr>
+        <p:style>
+          <a:lnRef idx="1">
+            <a:schemeClr val="accent1"/>
+          </a:lnRef>
+          <a:fillRef idx="0">
+            <a:schemeClr val="accent1"/>
+          </a:fillRef>
+          <a:effectRef idx="0">
+            <a:schemeClr val="accent1"/>
+          </a:effectRef>
+          <a:fontRef idx="minor">
+            <a:schemeClr val="tx1"/>
+          </a:fontRef>
+        </p:style>
+      </p:cxnSp>
+      <p:cxnSp>
+        <p:nvCxnSpPr>
+          <p:cNvPr id="77" name="Straight Connector 76">
+            <a:extLst>
+              <a:ext uri="{FF2B5EF4-FFF2-40B4-BE49-F238E27FC236}">
+                <a16:creationId xmlns:a16="http://schemas.microsoft.com/office/drawing/2014/main" id="{8CE22191-3A99-A342-8E18-85D4FD110385}"/>
+              </a:ext>
+            </a:extLst>
+          </p:cNvPr>
+          <p:cNvCxnSpPr>
+            <a:cxnSpLocks/>
+            <a:stCxn id="28" idx="2"/>
+            <a:endCxn id="21" idx="0"/>
+          </p:cNvCxnSpPr>
+          <p:nvPr/>
+        </p:nvCxnSpPr>
+        <p:spPr>
+          <a:xfrm flipH="1">
+            <a:off x="3640728" y="5286503"/>
+            <a:ext cx="2507792" cy="1817515"/>
+          </a:xfrm>
+          <a:prstGeom prst="line">
+            <a:avLst/>
+          </a:prstGeom>
+          <a:ln>
+            <a:solidFill>
+              <a:srgbClr val="00B050"/>
+            </a:solidFill>
+            <a:headEnd type="oval" w="med" len="med"/>
+            <a:tailEnd type="oval" w="med" len="med"/>
+          </a:ln>
+        </p:spPr>
+        <p:style>
+          <a:lnRef idx="1">
+            <a:schemeClr val="accent1"/>
+          </a:lnRef>
+          <a:fillRef idx="0">
+            <a:schemeClr val="accent1"/>
+          </a:fillRef>
+          <a:effectRef idx="0">
+            <a:schemeClr val="accent1"/>
+          </a:effectRef>
+          <a:fontRef idx="minor">
+            <a:schemeClr val="tx1"/>
+          </a:fontRef>
+        </p:style>
+      </p:cxnSp>
+      <p:cxnSp>
+        <p:nvCxnSpPr>
+          <p:cNvPr id="80" name="Straight Connector 79">
+            <a:extLst>
+              <a:ext uri="{FF2B5EF4-FFF2-40B4-BE49-F238E27FC236}">
+                <a16:creationId xmlns:a16="http://schemas.microsoft.com/office/drawing/2014/main" id="{D7B52A49-4473-EC47-89F0-FD86505E00F3}"/>
+              </a:ext>
+            </a:extLst>
+          </p:cNvPr>
+          <p:cNvCxnSpPr>
+            <a:cxnSpLocks/>
+            <a:stCxn id="23" idx="2"/>
+            <a:endCxn id="29" idx="0"/>
+          </p:cNvCxnSpPr>
+          <p:nvPr/>
+        </p:nvCxnSpPr>
+        <p:spPr>
+          <a:xfrm flipH="1">
+            <a:off x="3732165" y="2344778"/>
+            <a:ext cx="3358496" cy="2297290"/>
+          </a:xfrm>
+          <a:prstGeom prst="line">
+            <a:avLst/>
+          </a:prstGeom>
+          <a:ln>
+            <a:solidFill>
+              <a:srgbClr val="00B050"/>
+            </a:solidFill>
+            <a:headEnd type="oval" w="med" len="med"/>
+            <a:tailEnd type="oval" w="med" len="med"/>
+          </a:ln>
+        </p:spPr>
+        <p:style>
+          <a:lnRef idx="1">
+            <a:schemeClr val="accent1"/>
+          </a:lnRef>
+          <a:fillRef idx="0">
+            <a:schemeClr val="accent1"/>
+          </a:fillRef>
+          <a:effectRef idx="0">
+            <a:schemeClr val="accent1"/>
+          </a:effectRef>
+          <a:fontRef idx="minor">
+            <a:schemeClr val="tx1"/>
+          </a:fontRef>
+        </p:style>
+      </p:cxnSp>
+      <p:cxnSp>
+        <p:nvCxnSpPr>
+          <p:cNvPr id="83" name="Straight Connector 82">
+            <a:extLst>
+              <a:ext uri="{FF2B5EF4-FFF2-40B4-BE49-F238E27FC236}">
+                <a16:creationId xmlns:a16="http://schemas.microsoft.com/office/drawing/2014/main" id="{48ED1F88-98B9-104A-B461-26FAAB150143}"/>
+              </a:ext>
+            </a:extLst>
+          </p:cNvPr>
+          <p:cNvCxnSpPr>
+            <a:cxnSpLocks/>
+            <a:stCxn id="23" idx="2"/>
+            <a:endCxn id="32" idx="0"/>
+          </p:cNvCxnSpPr>
+          <p:nvPr/>
+        </p:nvCxnSpPr>
+        <p:spPr>
+          <a:xfrm>
+            <a:off x="7090661" y="2344778"/>
+            <a:ext cx="3324747" cy="4759240"/>
+          </a:xfrm>
+          <a:prstGeom prst="line">
+            <a:avLst/>
+          </a:prstGeom>
+          <a:ln>
+            <a:solidFill>
+              <a:srgbClr val="FF0000"/>
+            </a:solidFill>
+            <a:headEnd type="oval" w="med" len="med"/>
+            <a:tailEnd type="oval" w="med" len="med"/>
+          </a:ln>
+        </p:spPr>
+        <p:style>
+          <a:lnRef idx="1">
+            <a:schemeClr val="accent1"/>
+          </a:lnRef>
+          <a:fillRef idx="0">
+            <a:schemeClr val="accent1"/>
+          </a:fillRef>
+          <a:effectRef idx="0">
+            <a:schemeClr val="accent1"/>
+          </a:effectRef>
+          <a:fontRef idx="minor">
+            <a:schemeClr val="tx1"/>
+          </a:fontRef>
+        </p:style>
+      </p:cxnSp>
+      <p:sp>
+        <p:nvSpPr>
+          <p:cNvPr id="84" name="Rectangle 83">
+            <a:extLst>
+              <a:ext uri="{FF2B5EF4-FFF2-40B4-BE49-F238E27FC236}">
+                <a16:creationId xmlns:a16="http://schemas.microsoft.com/office/drawing/2014/main" id="{E7A0F0CC-3F83-694D-8ED8-FCE15667CACD}"/>
+              </a:ext>
+            </a:extLst>
+          </p:cNvPr>
+          <p:cNvSpPr/>
+          <p:nvPr/>
+        </p:nvSpPr>
+        <p:spPr>
+          <a:xfrm>
+            <a:off x="2060917" y="1726471"/>
+            <a:ext cx="2176054" cy="644435"/>
+          </a:xfrm>
+          <a:prstGeom prst="rect">
+            <a:avLst/>
+          </a:prstGeom>
+          <a:noFill/>
+          <a:ln w="9525" cap="flat" cmpd="sng" algn="ctr">
+            <a:solidFill>
+              <a:schemeClr val="dk1"/>
+            </a:solidFill>
+            <a:prstDash val="solid"/>
+            <a:round/>
+            <a:headEnd type="none" w="med" len="med"/>
+            <a:tailEnd type="none" w="med" len="med"/>
+          </a:ln>
+        </p:spPr>
+        <p:style>
+          <a:lnRef idx="0">
+            <a:scrgbClr r="0" g="0" b="0"/>
+          </a:lnRef>
+          <a:fillRef idx="0">
+            <a:scrgbClr r="0" g="0" b="0"/>
+          </a:fillRef>
+          <a:effectRef idx="0">
+            <a:scrgbClr r="0" g="0" b="0"/>
+          </a:effectRef>
+          <a:fontRef idx="minor">
+            <a:schemeClr val="dk1"/>
+          </a:fontRef>
+        </p:style>
+        <p:txBody>
+          <a:bodyPr rtlCol="0" anchor="ctr"/>
+          <a:lstStyle/>
+          <a:p>
+            <a:pPr algn="ctr"/>
+            <a:r>
+              <a:rPr lang="en-GB" dirty="0"/>
+              <a:t>CNFs</a:t>
+            </a:r>
+          </a:p>
+        </p:txBody>
+      </p:sp>
+      <p:sp>
+        <p:nvSpPr>
+          <p:cNvPr id="98" name="Rectangle 97">
+            <a:extLst>
+              <a:ext uri="{FF2B5EF4-FFF2-40B4-BE49-F238E27FC236}">
+                <a16:creationId xmlns:a16="http://schemas.microsoft.com/office/drawing/2014/main" id="{85459BF3-E1A7-6A46-8D8E-08A0E0C8EF6D}"/>
+              </a:ext>
+            </a:extLst>
+          </p:cNvPr>
+          <p:cNvSpPr/>
+          <p:nvPr/>
+        </p:nvSpPr>
+        <p:spPr>
+          <a:xfrm>
+            <a:off x="1819798" y="1124493"/>
+            <a:ext cx="6611438" cy="1519647"/>
+          </a:xfrm>
+          <a:prstGeom prst="rect">
+            <a:avLst/>
+          </a:prstGeom>
+          <a:noFill/>
+          <a:ln w="9525" cap="flat" cmpd="sng" algn="ctr">
+            <a:solidFill>
+              <a:schemeClr val="dk1"/>
+            </a:solidFill>
+            <a:prstDash val="solid"/>
+            <a:round/>
+            <a:headEnd type="none" w="med" len="med"/>
+            <a:tailEnd type="none" w="med" len="med"/>
+          </a:ln>
+        </p:spPr>
+        <p:style>
+          <a:lnRef idx="0">
+            <a:scrgbClr r="0" g="0" b="0"/>
+          </a:lnRef>
+          <a:fillRef idx="0">
+            <a:scrgbClr r="0" g="0" b="0"/>
+          </a:fillRef>
+          <a:effectRef idx="0">
+            <a:scrgbClr r="0" g="0" b="0"/>
+          </a:effectRef>
+          <a:fontRef idx="minor">
+            <a:schemeClr val="dk1"/>
+          </a:fontRef>
+        </p:style>
+        <p:txBody>
+          <a:bodyPr rtlCol="0" anchor="t"/>
+          <a:lstStyle/>
+          <a:p>
+            <a:pPr algn="r"/>
+            <a:r>
+              <a:rPr lang="en-GB" dirty="0"/>
+              <a:t>Applications</a:t>
+            </a:r>
+          </a:p>
+        </p:txBody>
+      </p:sp>
+      <p:cxnSp>
+        <p:nvCxnSpPr>
+          <p:cNvPr id="106" name="Straight Connector 105">
+            <a:extLst>
+              <a:ext uri="{FF2B5EF4-FFF2-40B4-BE49-F238E27FC236}">
+                <a16:creationId xmlns:a16="http://schemas.microsoft.com/office/drawing/2014/main" id="{2E5630D7-E552-DE42-95E7-1A14985B7E9B}"/>
+              </a:ext>
+            </a:extLst>
+          </p:cNvPr>
+          <p:cNvCxnSpPr>
+            <a:cxnSpLocks/>
+            <a:stCxn id="84" idx="2"/>
+            <a:endCxn id="29" idx="0"/>
+          </p:cNvCxnSpPr>
+          <p:nvPr/>
+        </p:nvCxnSpPr>
+        <p:spPr>
+          <a:xfrm>
+            <a:off x="3148944" y="2370906"/>
+            <a:ext cx="583221" cy="2271162"/>
+          </a:xfrm>
+          <a:prstGeom prst="line">
+            <a:avLst/>
+          </a:prstGeom>
+          <a:ln>
+            <a:solidFill>
+              <a:srgbClr val="00B050"/>
+            </a:solidFill>
+            <a:headEnd type="oval" w="med" len="med"/>
+            <a:tailEnd type="oval" w="med" len="med"/>
+          </a:ln>
+        </p:spPr>
+        <p:style>
+          <a:lnRef idx="1">
+            <a:schemeClr val="accent1"/>
+          </a:lnRef>
+          <a:fillRef idx="0">
+            <a:schemeClr val="accent1"/>
+          </a:fillRef>
+          <a:effectRef idx="0">
+            <a:schemeClr val="accent1"/>
+          </a:effectRef>
+          <a:fontRef idx="minor">
+            <a:schemeClr val="tx1"/>
+          </a:fontRef>
+        </p:style>
+      </p:cxnSp>
+      <p:cxnSp>
+        <p:nvCxnSpPr>
+          <p:cNvPr id="109" name="Straight Connector 108">
+            <a:extLst>
+              <a:ext uri="{FF2B5EF4-FFF2-40B4-BE49-F238E27FC236}">
+                <a16:creationId xmlns:a16="http://schemas.microsoft.com/office/drawing/2014/main" id="{573429A0-05E6-6A43-8258-6FC8A9E5B9D7}"/>
+              </a:ext>
+            </a:extLst>
+          </p:cNvPr>
+          <p:cNvCxnSpPr>
+            <a:cxnSpLocks/>
+            <a:stCxn id="25" idx="2"/>
+            <a:endCxn id="28" idx="0"/>
+          </p:cNvCxnSpPr>
+          <p:nvPr/>
+        </p:nvCxnSpPr>
+        <p:spPr>
+          <a:xfrm flipH="1">
+            <a:off x="6148520" y="2341516"/>
+            <a:ext cx="5034875" cy="2300552"/>
+          </a:xfrm>
+          <a:prstGeom prst="line">
+            <a:avLst/>
+          </a:prstGeom>
+          <a:ln>
+            <a:solidFill>
+              <a:srgbClr val="00B050"/>
+            </a:solidFill>
+            <a:headEnd type="oval" w="med" len="med"/>
+            <a:tailEnd type="oval" w="med" len="med"/>
+          </a:ln>
+        </p:spPr>
+        <p:style>
+          <a:lnRef idx="1">
+            <a:schemeClr val="accent1"/>
+          </a:lnRef>
+          <a:fillRef idx="0">
+            <a:schemeClr val="accent1"/>
+          </a:fillRef>
+          <a:effectRef idx="0">
+            <a:schemeClr val="accent1"/>
+          </a:effectRef>
+          <a:fontRef idx="minor">
+            <a:schemeClr val="tx1"/>
+          </a:fontRef>
+        </p:style>
+      </p:cxnSp>
+      <p:cxnSp>
+        <p:nvCxnSpPr>
+          <p:cNvPr id="112" name="Straight Connector 111">
+            <a:extLst>
+              <a:ext uri="{FF2B5EF4-FFF2-40B4-BE49-F238E27FC236}">
+                <a16:creationId xmlns:a16="http://schemas.microsoft.com/office/drawing/2014/main" id="{F67011E1-C206-6C48-ADCA-697E61DA7366}"/>
+              </a:ext>
+            </a:extLst>
+          </p:cNvPr>
+          <p:cNvCxnSpPr>
+            <a:cxnSpLocks/>
+            <a:stCxn id="22" idx="0"/>
+            <a:endCxn id="28" idx="2"/>
+          </p:cNvCxnSpPr>
+          <p:nvPr/>
+        </p:nvCxnSpPr>
+        <p:spPr>
+          <a:xfrm flipH="1" flipV="1">
+            <a:off x="6148520" y="5286503"/>
+            <a:ext cx="93349" cy="1817515"/>
+          </a:xfrm>
+          <a:prstGeom prst="line">
+            <a:avLst/>
+          </a:prstGeom>
+          <a:ln>
+            <a:solidFill>
+              <a:srgbClr val="00B050"/>
+            </a:solidFill>
+            <a:headEnd type="oval" w="med" len="med"/>
+            <a:tailEnd type="oval" w="med" len="med"/>
+          </a:ln>
+        </p:spPr>
+        <p:style>
+          <a:lnRef idx="1">
+            <a:schemeClr val="accent1"/>
+          </a:lnRef>
+          <a:fillRef idx="0">
+            <a:schemeClr val="accent1"/>
+          </a:fillRef>
+          <a:effectRef idx="0">
+            <a:schemeClr val="accent1"/>
+          </a:effectRef>
+          <a:fontRef idx="minor">
+            <a:schemeClr val="tx1"/>
+          </a:fontRef>
+        </p:style>
+      </p:cxnSp>
+      <p:cxnSp>
+        <p:nvCxnSpPr>
+          <p:cNvPr id="115" name="Straight Connector 114">
+            <a:extLst>
+              <a:ext uri="{FF2B5EF4-FFF2-40B4-BE49-F238E27FC236}">
+                <a16:creationId xmlns:a16="http://schemas.microsoft.com/office/drawing/2014/main" id="{01864F65-E26B-A745-9A86-A7DD7742347B}"/>
+              </a:ext>
+            </a:extLst>
+          </p:cNvPr>
+          <p:cNvCxnSpPr>
+            <a:cxnSpLocks/>
+            <a:stCxn id="33" idx="0"/>
+            <a:endCxn id="28" idx="2"/>
+          </p:cNvCxnSpPr>
+          <p:nvPr/>
+        </p:nvCxnSpPr>
+        <p:spPr>
+          <a:xfrm flipH="1" flipV="1">
+            <a:off x="6148520" y="5286503"/>
+            <a:ext cx="6868029" cy="1817515"/>
+          </a:xfrm>
+          <a:prstGeom prst="line">
+            <a:avLst/>
+          </a:prstGeom>
+          <a:ln>
+            <a:solidFill>
+              <a:srgbClr val="FF0000"/>
+            </a:solidFill>
+            <a:headEnd type="oval" w="med" len="med"/>
+            <a:tailEnd type="oval" w="med" len="med"/>
+          </a:ln>
+        </p:spPr>
+        <p:style>
+          <a:lnRef idx="1">
+            <a:schemeClr val="accent1"/>
+          </a:lnRef>
+          <a:fillRef idx="0">
+            <a:schemeClr val="accent1"/>
+          </a:fillRef>
+          <a:effectRef idx="0">
+            <a:schemeClr val="accent1"/>
+          </a:effectRef>
+          <a:fontRef idx="minor">
+            <a:schemeClr val="tx1"/>
+          </a:fontRef>
+        </p:style>
+      </p:cxnSp>
+      <p:cxnSp>
+        <p:nvCxnSpPr>
+          <p:cNvPr id="121" name="Straight Connector 120">
+            <a:extLst>
+              <a:ext uri="{FF2B5EF4-FFF2-40B4-BE49-F238E27FC236}">
+                <a16:creationId xmlns:a16="http://schemas.microsoft.com/office/drawing/2014/main" id="{1343ED1A-87F6-FD43-A2B4-31A6EB43D8B4}"/>
+              </a:ext>
+            </a:extLst>
+          </p:cNvPr>
+          <p:cNvCxnSpPr>
+            <a:cxnSpLocks/>
+            <a:endCxn id="32" idx="2"/>
+          </p:cNvCxnSpPr>
+          <p:nvPr/>
+        </p:nvCxnSpPr>
+        <p:spPr>
+          <a:xfrm flipV="1">
+            <a:off x="10415408" y="7748453"/>
+            <a:ext cx="0" cy="520336"/>
+          </a:xfrm>
+          <a:prstGeom prst="line">
+            <a:avLst/>
+          </a:prstGeom>
+          <a:ln>
+            <a:solidFill>
+              <a:srgbClr val="FF0000"/>
+            </a:solidFill>
+            <a:headEnd type="oval" w="med" len="med"/>
+            <a:tailEnd type="oval" w="med" len="med"/>
+          </a:ln>
+        </p:spPr>
+        <p:style>
+          <a:lnRef idx="1">
+            <a:schemeClr val="accent1"/>
+          </a:lnRef>
+          <a:fillRef idx="0">
+            <a:schemeClr val="accent1"/>
+          </a:fillRef>
+          <a:effectRef idx="0">
+            <a:schemeClr val="accent1"/>
+          </a:effectRef>
+          <a:fontRef idx="minor">
+            <a:schemeClr val="tx1"/>
+          </a:fontRef>
+        </p:style>
+      </p:cxnSp>
+      <p:sp>
+        <p:nvSpPr>
+          <p:cNvPr id="124" name="Rectangle 123">
+            <a:extLst>
+              <a:ext uri="{FF2B5EF4-FFF2-40B4-BE49-F238E27FC236}">
+                <a16:creationId xmlns:a16="http://schemas.microsoft.com/office/drawing/2014/main" id="{40FBBE5C-3075-724A-84F3-9957B1338109}"/>
+              </a:ext>
+            </a:extLst>
+          </p:cNvPr>
+          <p:cNvSpPr/>
+          <p:nvPr/>
+        </p:nvSpPr>
+        <p:spPr>
+          <a:xfrm>
+            <a:off x="9013871" y="8268788"/>
+            <a:ext cx="5402579" cy="644435"/>
+          </a:xfrm>
+          <a:prstGeom prst="rect">
+            <a:avLst/>
+          </a:prstGeom>
+          <a:noFill/>
+          <a:ln w="9525" cap="flat" cmpd="sng" algn="ctr">
+            <a:solidFill>
+              <a:srgbClr val="FF0000"/>
+            </a:solidFill>
+            <a:prstDash val="solid"/>
+            <a:round/>
+            <a:headEnd type="none" w="med" len="med"/>
+            <a:tailEnd type="none" w="med" len="med"/>
+          </a:ln>
+        </p:spPr>
+        <p:style>
+          <a:lnRef idx="0">
+            <a:scrgbClr r="0" g="0" b="0"/>
+          </a:lnRef>
+          <a:fillRef idx="0">
+            <a:scrgbClr r="0" g="0" b="0"/>
+          </a:fillRef>
+          <a:effectRef idx="0">
+            <a:scrgbClr r="0" g="0" b="0"/>
+          </a:effectRef>
+          <a:fontRef idx="minor">
+            <a:schemeClr val="dk1"/>
+          </a:fontRef>
+        </p:style>
+        <p:txBody>
+          <a:bodyPr rtlCol="0" anchor="ctr"/>
+          <a:lstStyle/>
+          <a:p>
+            <a:pPr algn="ctr"/>
+            <a:r>
+              <a:rPr lang="en-GB" dirty="0"/>
+              <a:t>NFVI Hardware</a:t>
+            </a:r>
+          </a:p>
+        </p:txBody>
+      </p:sp>
+      <p:sp>
+        <p:nvSpPr>
+          <p:cNvPr id="125" name="TextBox 124">
+            <a:extLst>
+              <a:ext uri="{FF2B5EF4-FFF2-40B4-BE49-F238E27FC236}">
+                <a16:creationId xmlns:a16="http://schemas.microsoft.com/office/drawing/2014/main" id="{72E6DB24-ED82-3C43-AF96-E43D72060AC5}"/>
+              </a:ext>
+            </a:extLst>
+          </p:cNvPr>
+          <p:cNvSpPr txBox="1"/>
+          <p:nvPr/>
+        </p:nvSpPr>
+        <p:spPr>
+          <a:xfrm>
+            <a:off x="1943370" y="2751904"/>
+            <a:ext cx="1593944" cy="632461"/>
+          </a:xfrm>
+          <a:prstGeom prst="rect">
+            <a:avLst/>
+          </a:prstGeom>
+          <a:solidFill>
+            <a:schemeClr val="bg1">
+              <a:alpha val="60000"/>
+            </a:schemeClr>
+          </a:solidFill>
+        </p:spPr>
+        <p:txBody>
+          <a:bodyPr wrap="square" rtlCol="0">
+            <a:normAutofit fontScale="77500" lnSpcReduction="20000"/>
+          </a:bodyPr>
+          <a:lstStyle/>
+          <a:p>
+            <a:r>
+              <a:rPr lang="en-GB" dirty="0"/>
+              <a:t>For CNFs consisting of </a:t>
+            </a:r>
+            <a:r>
+              <a:rPr lang="en-GB" b="1" dirty="0"/>
+              <a:t>containers and /or VMs</a:t>
+            </a:r>
+          </a:p>
+        </p:txBody>
+      </p:sp>
+      <p:sp>
+        <p:nvSpPr>
+          <p:cNvPr id="126" name="TextBox 125">
+            <a:extLst>
+              <a:ext uri="{FF2B5EF4-FFF2-40B4-BE49-F238E27FC236}">
+                <a16:creationId xmlns:a16="http://schemas.microsoft.com/office/drawing/2014/main" id="{5B2B20BB-F697-0F43-8E8D-B5856D57AFE5}"/>
+              </a:ext>
+            </a:extLst>
+          </p:cNvPr>
+          <p:cNvSpPr txBox="1"/>
+          <p:nvPr/>
+        </p:nvSpPr>
+        <p:spPr>
+          <a:xfrm>
+            <a:off x="5498876" y="2774768"/>
+            <a:ext cx="1401536" cy="632461"/>
+          </a:xfrm>
+          <a:prstGeom prst="rect">
+            <a:avLst/>
+          </a:prstGeom>
+          <a:solidFill>
+            <a:schemeClr val="bg1">
+              <a:alpha val="60000"/>
+            </a:schemeClr>
+          </a:solidFill>
+        </p:spPr>
+        <p:txBody>
+          <a:bodyPr wrap="square" rtlCol="0">
+            <a:normAutofit fontScale="77500" lnSpcReduction="20000"/>
+          </a:bodyPr>
+          <a:lstStyle/>
+          <a:p>
+            <a:r>
+              <a:rPr lang="en-GB" dirty="0"/>
+              <a:t>For VNFs only consisting of VMs</a:t>
+            </a:r>
+          </a:p>
+        </p:txBody>
+      </p:sp>
+      <p:sp>
+        <p:nvSpPr>
+          <p:cNvPr id="127" name="TextBox 126">
+            <a:extLst>
+              <a:ext uri="{FF2B5EF4-FFF2-40B4-BE49-F238E27FC236}">
+                <a16:creationId xmlns:a16="http://schemas.microsoft.com/office/drawing/2014/main" id="{C13CFF46-7997-DD4B-B7C2-43C602C0CC82}"/>
+              </a:ext>
+            </a:extLst>
+          </p:cNvPr>
+          <p:cNvSpPr txBox="1"/>
+          <p:nvPr/>
+        </p:nvSpPr>
+        <p:spPr>
+          <a:xfrm>
+            <a:off x="8533800" y="2720826"/>
+            <a:ext cx="1789672" cy="698947"/>
+          </a:xfrm>
+          <a:prstGeom prst="rect">
+            <a:avLst/>
+          </a:prstGeom>
+          <a:solidFill>
+            <a:schemeClr val="bg1">
+              <a:alpha val="60000"/>
+            </a:schemeClr>
+          </a:solidFill>
+        </p:spPr>
+        <p:txBody>
+          <a:bodyPr wrap="square" rtlCol="0">
+            <a:normAutofit fontScale="85000" lnSpcReduction="20000"/>
+          </a:bodyPr>
+          <a:lstStyle/>
+          <a:p>
+            <a:r>
+              <a:rPr lang="en-GB" dirty="0"/>
+              <a:t>CNF and /or VNF Management via Kubernetes</a:t>
+            </a:r>
+          </a:p>
+        </p:txBody>
+      </p:sp>
+      <p:sp>
+        <p:nvSpPr>
+          <p:cNvPr id="128" name="TextBox 127">
+            <a:extLst>
+              <a:ext uri="{FF2B5EF4-FFF2-40B4-BE49-F238E27FC236}">
+                <a16:creationId xmlns:a16="http://schemas.microsoft.com/office/drawing/2014/main" id="{A95760BA-BEB8-F145-945B-B460558F2E5C}"/>
+              </a:ext>
+            </a:extLst>
+          </p:cNvPr>
+          <p:cNvSpPr txBox="1"/>
+          <p:nvPr/>
+        </p:nvSpPr>
+        <p:spPr>
+          <a:xfrm>
+            <a:off x="5675635" y="5862500"/>
+            <a:ext cx="1351188" cy="461011"/>
+          </a:xfrm>
+          <a:prstGeom prst="rect">
+            <a:avLst/>
+          </a:prstGeom>
+          <a:solidFill>
+            <a:schemeClr val="bg1">
+              <a:alpha val="60000"/>
+            </a:schemeClr>
+          </a:solidFill>
+        </p:spPr>
+        <p:txBody>
+          <a:bodyPr wrap="square" rtlCol="0">
+            <a:normAutofit fontScale="77500" lnSpcReduction="20000"/>
+          </a:bodyPr>
+          <a:lstStyle/>
+          <a:p>
+            <a:r>
+              <a:rPr lang="en-GB" dirty="0"/>
+              <a:t>For k8s </a:t>
+            </a:r>
+            <a:r>
+              <a:rPr lang="en-GB" dirty="0" err="1"/>
+              <a:t>mgmt</a:t>
+            </a:r>
+            <a:r>
+              <a:rPr lang="en-GB" dirty="0"/>
+              <a:t> of VMs</a:t>
+            </a:r>
+          </a:p>
+        </p:txBody>
+      </p:sp>
+      <p:sp>
+        <p:nvSpPr>
+          <p:cNvPr id="129" name="TextBox 128">
+            <a:extLst>
+              <a:ext uri="{FF2B5EF4-FFF2-40B4-BE49-F238E27FC236}">
+                <a16:creationId xmlns:a16="http://schemas.microsoft.com/office/drawing/2014/main" id="{AA01B382-76F0-7547-8E86-A2CEE2163222}"/>
+              </a:ext>
+            </a:extLst>
+          </p:cNvPr>
+          <p:cNvSpPr txBox="1"/>
+          <p:nvPr/>
+        </p:nvSpPr>
+        <p:spPr>
+          <a:xfrm>
+            <a:off x="8843525" y="3785390"/>
+            <a:ext cx="1717769" cy="491061"/>
+          </a:xfrm>
+          <a:prstGeom prst="rect">
+            <a:avLst/>
+          </a:prstGeom>
+          <a:solidFill>
+            <a:schemeClr val="bg1">
+              <a:alpha val="60000"/>
+            </a:schemeClr>
+          </a:solidFill>
+        </p:spPr>
+        <p:txBody>
+          <a:bodyPr wrap="square" rtlCol="0">
+            <a:normAutofit fontScale="85000" lnSpcReduction="20000"/>
+          </a:bodyPr>
+          <a:lstStyle/>
+          <a:p>
+            <a:r>
+              <a:rPr lang="en-GB" dirty="0"/>
+              <a:t>VNF Management via VIM (direct)</a:t>
+            </a:r>
+          </a:p>
+        </p:txBody>
+      </p:sp>
+      <p:sp>
+        <p:nvSpPr>
+          <p:cNvPr id="130" name="TextBox 129">
+            <a:extLst>
+              <a:ext uri="{FF2B5EF4-FFF2-40B4-BE49-F238E27FC236}">
+                <a16:creationId xmlns:a16="http://schemas.microsoft.com/office/drawing/2014/main" id="{2E7645BC-4CEE-6C48-87D0-9F8459ED0FC8}"/>
+              </a:ext>
+            </a:extLst>
+          </p:cNvPr>
+          <p:cNvSpPr txBox="1"/>
+          <p:nvPr/>
+        </p:nvSpPr>
+        <p:spPr>
+          <a:xfrm>
+            <a:off x="2846375" y="5943162"/>
+            <a:ext cx="2711457" cy="264961"/>
+          </a:xfrm>
+          <a:prstGeom prst="rect">
+            <a:avLst/>
+          </a:prstGeom>
+          <a:solidFill>
+            <a:schemeClr val="bg1">
+              <a:alpha val="60000"/>
+            </a:schemeClr>
+          </a:solidFill>
+        </p:spPr>
+        <p:txBody>
+          <a:bodyPr wrap="square" rtlCol="0">
+            <a:normAutofit fontScale="70000" lnSpcReduction="20000"/>
+          </a:bodyPr>
+          <a:lstStyle/>
+          <a:p>
+            <a:r>
+              <a:rPr lang="en-GB" dirty="0"/>
+              <a:t>Consumption of virtual resources</a:t>
+            </a:r>
+          </a:p>
+        </p:txBody>
+      </p:sp>
+      <p:sp>
+        <p:nvSpPr>
+          <p:cNvPr id="131" name="TextBox 130">
+            <a:extLst>
+              <a:ext uri="{FF2B5EF4-FFF2-40B4-BE49-F238E27FC236}">
+                <a16:creationId xmlns:a16="http://schemas.microsoft.com/office/drawing/2014/main" id="{498C8F2F-22C2-334B-8EE1-5F8DE5E624D3}"/>
+              </a:ext>
+            </a:extLst>
+          </p:cNvPr>
+          <p:cNvSpPr txBox="1"/>
+          <p:nvPr/>
+        </p:nvSpPr>
+        <p:spPr>
+          <a:xfrm>
+            <a:off x="12547420" y="3004013"/>
+            <a:ext cx="1717769" cy="491061"/>
+          </a:xfrm>
+          <a:prstGeom prst="rect">
+            <a:avLst/>
+          </a:prstGeom>
+          <a:solidFill>
+            <a:schemeClr val="bg1">
+              <a:alpha val="60000"/>
+            </a:schemeClr>
+          </a:solidFill>
+        </p:spPr>
+        <p:txBody>
+          <a:bodyPr wrap="square" rtlCol="0">
+            <a:normAutofit fontScale="85000" lnSpcReduction="20000"/>
+          </a:bodyPr>
+          <a:lstStyle/>
+          <a:p>
+            <a:r>
+              <a:rPr lang="en-GB" dirty="0"/>
+              <a:t>VNF Management via VIM (indirect)</a:t>
+            </a:r>
+          </a:p>
+        </p:txBody>
+      </p:sp>
+    </p:spTree>
+    <p:extLst>
+      <p:ext uri="{BB962C8B-B14F-4D97-AF65-F5344CB8AC3E}">
+        <p14:creationId xmlns:p14="http://schemas.microsoft.com/office/powerpoint/2010/main" val="4266101743"/>
+      </p:ext>
+    </p:extLst>
+  </p:cSld>
+  <p:clrMapOvr>
+    <a:masterClrMapping/>
+  </p:clrMapOvr>
+</p:sld>
+</file>
+
 <file path=ppt/theme/theme1.xml><?xml version="1.0" encoding="utf-8"?>
 <a:theme xmlns:a="http://schemas.openxmlformats.org/drawingml/2006/main" name="Office Theme">
   <a:themeElements>

--- a/doc/ref_arch/figures/ref-arch-figures.pptx
+++ b/doc/ref_arch/figures/ref-arch-figures.pptx
@@ -7,6 +7,8 @@
   <p:sldIdLst>
     <p:sldId id="1081" r:id="rId2"/>
     <p:sldId id="1082" r:id="rId3"/>
+    <p:sldId id="1083" r:id="rId4"/>
+    <p:sldId id="1084" r:id="rId5"/>
   </p:sldIdLst>
   <p:sldSz cx="18291175" cy="10288588"/>
   <p:notesSz cx="6858000" cy="9144000"/>
@@ -244,7 +246,7 @@
           <a:p>
             <a:fld id="{F9D3E6FF-AC24-BE43-AFD3-27417514DD0F}" type="datetimeFigureOut">
               <a:rPr lang="en-GB" smtClean="0"/>
-              <a:t>08/11/2019</a:t>
+              <a:t>09/11/2019</a:t>
             </a:fld>
             <a:endParaRPr lang="en-GB"/>
           </a:p>
@@ -414,7 +416,7 @@
           <a:p>
             <a:fld id="{F9D3E6FF-AC24-BE43-AFD3-27417514DD0F}" type="datetimeFigureOut">
               <a:rPr lang="en-GB" smtClean="0"/>
-              <a:t>08/11/2019</a:t>
+              <a:t>09/11/2019</a:t>
             </a:fld>
             <a:endParaRPr lang="en-GB"/>
           </a:p>
@@ -594,7 +596,7 @@
           <a:p>
             <a:fld id="{F9D3E6FF-AC24-BE43-AFD3-27417514DD0F}" type="datetimeFigureOut">
               <a:rPr lang="en-GB" smtClean="0"/>
-              <a:t>08/11/2019</a:t>
+              <a:t>09/11/2019</a:t>
             </a:fld>
             <a:endParaRPr lang="en-GB"/>
           </a:p>
@@ -764,7 +766,7 @@
           <a:p>
             <a:fld id="{F9D3E6FF-AC24-BE43-AFD3-27417514DD0F}" type="datetimeFigureOut">
               <a:rPr lang="en-GB" smtClean="0"/>
-              <a:t>08/11/2019</a:t>
+              <a:t>09/11/2019</a:t>
             </a:fld>
             <a:endParaRPr lang="en-GB"/>
           </a:p>
@@ -1010,7 +1012,7 @@
           <a:p>
             <a:fld id="{F9D3E6FF-AC24-BE43-AFD3-27417514DD0F}" type="datetimeFigureOut">
               <a:rPr lang="en-GB" smtClean="0"/>
-              <a:t>08/11/2019</a:t>
+              <a:t>09/11/2019</a:t>
             </a:fld>
             <a:endParaRPr lang="en-GB"/>
           </a:p>
@@ -1242,7 +1244,7 @@
           <a:p>
             <a:fld id="{F9D3E6FF-AC24-BE43-AFD3-27417514DD0F}" type="datetimeFigureOut">
               <a:rPr lang="en-GB" smtClean="0"/>
-              <a:t>08/11/2019</a:t>
+              <a:t>09/11/2019</a:t>
             </a:fld>
             <a:endParaRPr lang="en-GB"/>
           </a:p>
@@ -1609,7 +1611,7 @@
           <a:p>
             <a:fld id="{F9D3E6FF-AC24-BE43-AFD3-27417514DD0F}" type="datetimeFigureOut">
               <a:rPr lang="en-GB" smtClean="0"/>
-              <a:t>08/11/2019</a:t>
+              <a:t>09/11/2019</a:t>
             </a:fld>
             <a:endParaRPr lang="en-GB"/>
           </a:p>
@@ -1727,7 +1729,7 @@
           <a:p>
             <a:fld id="{F9D3E6FF-AC24-BE43-AFD3-27417514DD0F}" type="datetimeFigureOut">
               <a:rPr lang="en-GB" smtClean="0"/>
-              <a:t>08/11/2019</a:t>
+              <a:t>09/11/2019</a:t>
             </a:fld>
             <a:endParaRPr lang="en-GB"/>
           </a:p>
@@ -1822,7 +1824,7 @@
           <a:p>
             <a:fld id="{F9D3E6FF-AC24-BE43-AFD3-27417514DD0F}" type="datetimeFigureOut">
               <a:rPr lang="en-GB" smtClean="0"/>
-              <a:t>08/11/2019</a:t>
+              <a:t>09/11/2019</a:t>
             </a:fld>
             <a:endParaRPr lang="en-GB"/>
           </a:p>
@@ -2099,7 +2101,7 @@
           <a:p>
             <a:fld id="{F9D3E6FF-AC24-BE43-AFD3-27417514DD0F}" type="datetimeFigureOut">
               <a:rPr lang="en-GB" smtClean="0"/>
-              <a:t>08/11/2019</a:t>
+              <a:t>09/11/2019</a:t>
             </a:fld>
             <a:endParaRPr lang="en-GB"/>
           </a:p>
@@ -2356,7 +2358,7 @@
           <a:p>
             <a:fld id="{F9D3E6FF-AC24-BE43-AFD3-27417514DD0F}" type="datetimeFigureOut">
               <a:rPr lang="en-GB" smtClean="0"/>
-              <a:t>08/11/2019</a:t>
+              <a:t>09/11/2019</a:t>
             </a:fld>
             <a:endParaRPr lang="en-GB"/>
           </a:p>
@@ -2569,7 +2571,7 @@
           <a:p>
             <a:fld id="{F9D3E6FF-AC24-BE43-AFD3-27417514DD0F}" type="datetimeFigureOut">
               <a:rPr lang="en-GB" smtClean="0"/>
-              <a:t>08/11/2019</a:t>
+              <a:t>09/11/2019</a:t>
             </a:fld>
             <a:endParaRPr lang="en-GB"/>
           </a:p>
@@ -7347,6 +7349,4479 @@
 </p:sld>
 </file>
 
+<file path=ppt/slides/slide3.xml><?xml version="1.0" encoding="utf-8"?>
+<p:sld xmlns:a="http://schemas.openxmlformats.org/drawingml/2006/main" xmlns:r="http://schemas.openxmlformats.org/officeDocument/2006/relationships" xmlns:p="http://schemas.openxmlformats.org/presentationml/2006/main">
+  <p:cSld>
+    <p:bg>
+      <p:bgPr>
+        <a:solidFill>
+          <a:schemeClr val="bg1"/>
+        </a:solidFill>
+        <a:effectLst/>
+      </p:bgPr>
+    </p:bg>
+    <p:spTree>
+      <p:nvGrpSpPr>
+        <p:cNvPr id="1" name=""/>
+        <p:cNvGrpSpPr/>
+        <p:nvPr/>
+      </p:nvGrpSpPr>
+      <p:grpSpPr>
+        <a:xfrm>
+          <a:off x="0" y="0"/>
+          <a:ext cx="0" cy="0"/>
+          <a:chOff x="0" y="0"/>
+          <a:chExt cx="0" cy="0"/>
+        </a:xfrm>
+      </p:grpSpPr>
+      <p:sp>
+        <p:nvSpPr>
+          <p:cNvPr id="132" name="Rectangle 131">
+            <a:extLst>
+              <a:ext uri="{FF2B5EF4-FFF2-40B4-BE49-F238E27FC236}">
+                <a16:creationId xmlns:a16="http://schemas.microsoft.com/office/drawing/2014/main" id="{67D8EE25-55FE-F540-A763-4D9EDF7ADBD4}"/>
+              </a:ext>
+            </a:extLst>
+          </p:cNvPr>
+          <p:cNvSpPr/>
+          <p:nvPr/>
+        </p:nvSpPr>
+        <p:spPr>
+          <a:xfrm>
+            <a:off x="1714500" y="1019763"/>
+            <a:ext cx="14859000" cy="8144331"/>
+          </a:xfrm>
+          <a:prstGeom prst="rect">
+            <a:avLst/>
+          </a:prstGeom>
+          <a:solidFill>
+            <a:schemeClr val="bg1"/>
+          </a:solidFill>
+          <a:ln w="9525" cap="flat" cmpd="sng" algn="ctr">
+            <a:noFill/>
+            <a:prstDash val="solid"/>
+            <a:round/>
+            <a:headEnd type="none" w="med" len="med"/>
+            <a:tailEnd type="none" w="med" len="med"/>
+          </a:ln>
+        </p:spPr>
+        <p:style>
+          <a:lnRef idx="0">
+            <a:scrgbClr r="0" g="0" b="0"/>
+          </a:lnRef>
+          <a:fillRef idx="0">
+            <a:scrgbClr r="0" g="0" b="0"/>
+          </a:fillRef>
+          <a:effectRef idx="0">
+            <a:scrgbClr r="0" g="0" b="0"/>
+          </a:effectRef>
+          <a:fontRef idx="minor">
+            <a:schemeClr val="dk1"/>
+          </a:fontRef>
+        </p:style>
+        <p:txBody>
+          <a:bodyPr rtlCol="0" anchor="t"/>
+          <a:lstStyle/>
+          <a:p>
+            <a:pPr algn="r"/>
+            <a:endParaRPr lang="en-GB" dirty="0"/>
+          </a:p>
+        </p:txBody>
+      </p:sp>
+      <p:sp>
+        <p:nvSpPr>
+          <p:cNvPr id="9" name="Rectangle 8">
+            <a:extLst>
+              <a:ext uri="{FF2B5EF4-FFF2-40B4-BE49-F238E27FC236}">
+                <a16:creationId xmlns:a16="http://schemas.microsoft.com/office/drawing/2014/main" id="{578C5579-C45F-D94F-B094-77C228227083}"/>
+              </a:ext>
+            </a:extLst>
+          </p:cNvPr>
+          <p:cNvSpPr/>
+          <p:nvPr/>
+        </p:nvSpPr>
+        <p:spPr>
+          <a:xfrm>
+            <a:off x="2025830" y="6238603"/>
+            <a:ext cx="5829300" cy="2840083"/>
+          </a:xfrm>
+          <a:prstGeom prst="rect">
+            <a:avLst/>
+          </a:prstGeom>
+          <a:noFill/>
+          <a:ln w="9525" cap="flat" cmpd="sng" algn="ctr">
+            <a:solidFill>
+              <a:schemeClr val="tx1"/>
+            </a:solidFill>
+            <a:prstDash val="solid"/>
+            <a:round/>
+            <a:headEnd type="none" w="med" len="med"/>
+            <a:tailEnd type="none" w="med" len="med"/>
+          </a:ln>
+        </p:spPr>
+        <p:style>
+          <a:lnRef idx="0">
+            <a:scrgbClr r="0" g="0" b="0"/>
+          </a:lnRef>
+          <a:fillRef idx="0">
+            <a:scrgbClr r="0" g="0" b="0"/>
+          </a:fillRef>
+          <a:effectRef idx="0">
+            <a:scrgbClr r="0" g="0" b="0"/>
+          </a:effectRef>
+          <a:fontRef idx="minor">
+            <a:schemeClr val="dk1"/>
+          </a:fontRef>
+        </p:style>
+        <p:txBody>
+          <a:bodyPr rtlCol="0" anchor="t"/>
+          <a:lstStyle/>
+          <a:p>
+            <a:r>
+              <a:rPr lang="en-GB" dirty="0"/>
+              <a:t>RA1 Scope</a:t>
+            </a:r>
+          </a:p>
+        </p:txBody>
+      </p:sp>
+      <p:sp>
+        <p:nvSpPr>
+          <p:cNvPr id="19" name="Rectangle 18">
+            <a:extLst>
+              <a:ext uri="{FF2B5EF4-FFF2-40B4-BE49-F238E27FC236}">
+                <a16:creationId xmlns:a16="http://schemas.microsoft.com/office/drawing/2014/main" id="{E451607F-F309-A84C-BADC-A132A3159EA6}"/>
+              </a:ext>
+            </a:extLst>
+          </p:cNvPr>
+          <p:cNvSpPr/>
+          <p:nvPr/>
+        </p:nvSpPr>
+        <p:spPr>
+          <a:xfrm>
+            <a:off x="2239191" y="6583680"/>
+            <a:ext cx="5402579" cy="1519647"/>
+          </a:xfrm>
+          <a:prstGeom prst="rect">
+            <a:avLst/>
+          </a:prstGeom>
+          <a:noFill/>
+          <a:ln w="9525" cap="flat" cmpd="sng" algn="ctr">
+            <a:solidFill>
+              <a:schemeClr val="tx1"/>
+            </a:solidFill>
+            <a:prstDash val="solid"/>
+            <a:round/>
+            <a:headEnd type="none" w="med" len="med"/>
+            <a:tailEnd type="none" w="med" len="med"/>
+          </a:ln>
+        </p:spPr>
+        <p:style>
+          <a:lnRef idx="0">
+            <a:scrgbClr r="0" g="0" b="0"/>
+          </a:lnRef>
+          <a:fillRef idx="0">
+            <a:scrgbClr r="0" g="0" b="0"/>
+          </a:fillRef>
+          <a:effectRef idx="0">
+            <a:scrgbClr r="0" g="0" b="0"/>
+          </a:effectRef>
+          <a:fontRef idx="minor">
+            <a:schemeClr val="dk1"/>
+          </a:fontRef>
+        </p:style>
+        <p:txBody>
+          <a:bodyPr rtlCol="0" anchor="t"/>
+          <a:lstStyle/>
+          <a:p>
+            <a:pPr algn="r"/>
+            <a:r>
+              <a:rPr lang="en-GB" dirty="0"/>
+              <a:t>OpenStack</a:t>
+            </a:r>
+          </a:p>
+        </p:txBody>
+      </p:sp>
+      <p:sp>
+        <p:nvSpPr>
+          <p:cNvPr id="20" name="Rectangle 19">
+            <a:extLst>
+              <a:ext uri="{FF2B5EF4-FFF2-40B4-BE49-F238E27FC236}">
+                <a16:creationId xmlns:a16="http://schemas.microsoft.com/office/drawing/2014/main" id="{94613F17-512D-7C4C-A503-27EBEC208F52}"/>
+              </a:ext>
+            </a:extLst>
+          </p:cNvPr>
+          <p:cNvSpPr/>
+          <p:nvPr/>
+        </p:nvSpPr>
+        <p:spPr>
+          <a:xfrm>
+            <a:off x="2239191" y="8268789"/>
+            <a:ext cx="5402579" cy="644435"/>
+          </a:xfrm>
+          <a:prstGeom prst="rect">
+            <a:avLst/>
+          </a:prstGeom>
+          <a:noFill/>
+          <a:ln w="9525" cap="flat" cmpd="sng" algn="ctr">
+            <a:solidFill>
+              <a:schemeClr val="tx1"/>
+            </a:solidFill>
+            <a:prstDash val="solid"/>
+            <a:round/>
+            <a:headEnd type="none" w="med" len="med"/>
+            <a:tailEnd type="none" w="med" len="med"/>
+          </a:ln>
+        </p:spPr>
+        <p:style>
+          <a:lnRef idx="0">
+            <a:scrgbClr r="0" g="0" b="0"/>
+          </a:lnRef>
+          <a:fillRef idx="0">
+            <a:scrgbClr r="0" g="0" b="0"/>
+          </a:fillRef>
+          <a:effectRef idx="0">
+            <a:scrgbClr r="0" g="0" b="0"/>
+          </a:effectRef>
+          <a:fontRef idx="minor">
+            <a:schemeClr val="dk1"/>
+          </a:fontRef>
+        </p:style>
+        <p:txBody>
+          <a:bodyPr rtlCol="0" anchor="ctr"/>
+          <a:lstStyle/>
+          <a:p>
+            <a:pPr algn="ctr"/>
+            <a:r>
+              <a:rPr lang="en-GB" dirty="0"/>
+              <a:t>NFVI Hardware</a:t>
+            </a:r>
+          </a:p>
+        </p:txBody>
+      </p:sp>
+      <p:sp>
+        <p:nvSpPr>
+          <p:cNvPr id="21" name="Rectangle 20">
+            <a:extLst>
+              <a:ext uri="{FF2B5EF4-FFF2-40B4-BE49-F238E27FC236}">
+                <a16:creationId xmlns:a16="http://schemas.microsoft.com/office/drawing/2014/main" id="{A708D470-3F37-124B-9FC7-FB2A8CAD5ECD}"/>
+              </a:ext>
+            </a:extLst>
+          </p:cNvPr>
+          <p:cNvSpPr/>
+          <p:nvPr/>
+        </p:nvSpPr>
+        <p:spPr>
+          <a:xfrm>
+            <a:off x="2552701" y="7104018"/>
+            <a:ext cx="2176054" cy="644435"/>
+          </a:xfrm>
+          <a:prstGeom prst="rect">
+            <a:avLst/>
+          </a:prstGeom>
+          <a:noFill/>
+          <a:ln w="9525" cap="flat" cmpd="sng" algn="ctr">
+            <a:solidFill>
+              <a:schemeClr val="tx1"/>
+            </a:solidFill>
+            <a:prstDash val="solid"/>
+            <a:round/>
+            <a:headEnd type="none" w="med" len="med"/>
+            <a:tailEnd type="none" w="med" len="med"/>
+          </a:ln>
+        </p:spPr>
+        <p:style>
+          <a:lnRef idx="0">
+            <a:scrgbClr r="0" g="0" b="0"/>
+          </a:lnRef>
+          <a:fillRef idx="0">
+            <a:scrgbClr r="0" g="0" b="0"/>
+          </a:fillRef>
+          <a:effectRef idx="0">
+            <a:scrgbClr r="0" g="0" b="0"/>
+          </a:effectRef>
+          <a:fontRef idx="minor">
+            <a:schemeClr val="dk1"/>
+          </a:fontRef>
+        </p:style>
+        <p:txBody>
+          <a:bodyPr rtlCol="0" anchor="ctr"/>
+          <a:lstStyle/>
+          <a:p>
+            <a:pPr algn="ctr"/>
+            <a:r>
+              <a:rPr lang="en-GB" dirty="0"/>
+              <a:t>NFVI Software</a:t>
+            </a:r>
+          </a:p>
+        </p:txBody>
+      </p:sp>
+      <p:sp>
+        <p:nvSpPr>
+          <p:cNvPr id="22" name="Rectangle 21">
+            <a:extLst>
+              <a:ext uri="{FF2B5EF4-FFF2-40B4-BE49-F238E27FC236}">
+                <a16:creationId xmlns:a16="http://schemas.microsoft.com/office/drawing/2014/main" id="{43483029-B9C1-E944-A1FA-8F024B414FA1}"/>
+              </a:ext>
+            </a:extLst>
+          </p:cNvPr>
+          <p:cNvSpPr/>
+          <p:nvPr/>
+        </p:nvSpPr>
+        <p:spPr>
+          <a:xfrm>
+            <a:off x="5153842" y="7104018"/>
+            <a:ext cx="2176054" cy="644435"/>
+          </a:xfrm>
+          <a:prstGeom prst="rect">
+            <a:avLst/>
+          </a:prstGeom>
+          <a:noFill/>
+          <a:ln w="9525" cap="flat" cmpd="sng" algn="ctr">
+            <a:solidFill>
+              <a:schemeClr val="tx1"/>
+            </a:solidFill>
+            <a:prstDash val="solid"/>
+            <a:round/>
+            <a:headEnd type="none" w="med" len="med"/>
+            <a:tailEnd type="none" w="med" len="med"/>
+          </a:ln>
+        </p:spPr>
+        <p:style>
+          <a:lnRef idx="0">
+            <a:scrgbClr r="0" g="0" b="0"/>
+          </a:lnRef>
+          <a:fillRef idx="0">
+            <a:scrgbClr r="0" g="0" b="0"/>
+          </a:fillRef>
+          <a:effectRef idx="0">
+            <a:scrgbClr r="0" g="0" b="0"/>
+          </a:effectRef>
+          <a:fontRef idx="minor">
+            <a:schemeClr val="dk1"/>
+          </a:fontRef>
+        </p:style>
+        <p:txBody>
+          <a:bodyPr rtlCol="0" anchor="ctr"/>
+          <a:lstStyle/>
+          <a:p>
+            <a:pPr algn="ctr"/>
+            <a:r>
+              <a:rPr lang="en-GB" dirty="0"/>
+              <a:t>VIM</a:t>
+            </a:r>
+          </a:p>
+        </p:txBody>
+      </p:sp>
+      <p:cxnSp>
+        <p:nvCxnSpPr>
+          <p:cNvPr id="13" name="Elbow Connector 12">
+            <a:extLst>
+              <a:ext uri="{FF2B5EF4-FFF2-40B4-BE49-F238E27FC236}">
+                <a16:creationId xmlns:a16="http://schemas.microsoft.com/office/drawing/2014/main" id="{28DF97BD-7674-114A-9061-4813232F2AD4}"/>
+              </a:ext>
+            </a:extLst>
+          </p:cNvPr>
+          <p:cNvCxnSpPr>
+            <a:stCxn id="21" idx="2"/>
+          </p:cNvCxnSpPr>
+          <p:nvPr/>
+        </p:nvCxnSpPr>
+        <p:spPr>
+          <a:xfrm rot="16200000" flipH="1">
+            <a:off x="3382464" y="8006716"/>
+            <a:ext cx="520336" cy="3809"/>
+          </a:xfrm>
+          <a:prstGeom prst="bentConnector3">
+            <a:avLst/>
+          </a:prstGeom>
+          <a:ln>
+            <a:solidFill>
+              <a:schemeClr val="tx1"/>
+            </a:solidFill>
+            <a:headEnd type="oval" w="med" len="med"/>
+            <a:tailEnd type="oval" w="med" len="med"/>
+          </a:ln>
+        </p:spPr>
+        <p:style>
+          <a:lnRef idx="1">
+            <a:schemeClr val="accent1"/>
+          </a:lnRef>
+          <a:fillRef idx="0">
+            <a:schemeClr val="accent1"/>
+          </a:fillRef>
+          <a:effectRef idx="0">
+            <a:schemeClr val="accent1"/>
+          </a:effectRef>
+          <a:fontRef idx="minor">
+            <a:schemeClr val="tx1"/>
+          </a:fontRef>
+        </p:style>
+      </p:cxnSp>
+      <p:sp>
+        <p:nvSpPr>
+          <p:cNvPr id="23" name="Rectangle 22">
+            <a:extLst>
+              <a:ext uri="{FF2B5EF4-FFF2-40B4-BE49-F238E27FC236}">
+                <a16:creationId xmlns:a16="http://schemas.microsoft.com/office/drawing/2014/main" id="{B7B7CAB7-7F35-254A-B869-A0F75888AFA7}"/>
+              </a:ext>
+            </a:extLst>
+          </p:cNvPr>
+          <p:cNvSpPr/>
+          <p:nvPr/>
+        </p:nvSpPr>
+        <p:spPr>
+          <a:xfrm>
+            <a:off x="6002634" y="1700343"/>
+            <a:ext cx="2176054" cy="644435"/>
+          </a:xfrm>
+          <a:prstGeom prst="rect">
+            <a:avLst/>
+          </a:prstGeom>
+          <a:noFill/>
+          <a:ln w="9525" cap="flat" cmpd="sng" algn="ctr">
+            <a:solidFill>
+              <a:schemeClr val="dk1"/>
+            </a:solidFill>
+            <a:prstDash val="solid"/>
+            <a:round/>
+            <a:headEnd type="none" w="med" len="med"/>
+            <a:tailEnd type="none" w="med" len="med"/>
+          </a:ln>
+        </p:spPr>
+        <p:style>
+          <a:lnRef idx="0">
+            <a:scrgbClr r="0" g="0" b="0"/>
+          </a:lnRef>
+          <a:fillRef idx="0">
+            <a:scrgbClr r="0" g="0" b="0"/>
+          </a:fillRef>
+          <a:effectRef idx="0">
+            <a:scrgbClr r="0" g="0" b="0"/>
+          </a:effectRef>
+          <a:fontRef idx="minor">
+            <a:schemeClr val="dk1"/>
+          </a:fontRef>
+        </p:style>
+        <p:txBody>
+          <a:bodyPr rtlCol="0" anchor="ctr"/>
+          <a:lstStyle/>
+          <a:p>
+            <a:pPr algn="ctr"/>
+            <a:r>
+              <a:rPr lang="en-GB" dirty="0"/>
+              <a:t>VNFs</a:t>
+            </a:r>
+          </a:p>
+        </p:txBody>
+      </p:sp>
+      <p:sp>
+        <p:nvSpPr>
+          <p:cNvPr id="24" name="Rectangle 23">
+            <a:extLst>
+              <a:ext uri="{FF2B5EF4-FFF2-40B4-BE49-F238E27FC236}">
+                <a16:creationId xmlns:a16="http://schemas.microsoft.com/office/drawing/2014/main" id="{6F8C84AE-FB74-AB47-9141-4EC78259D0BA}"/>
+              </a:ext>
+            </a:extLst>
+          </p:cNvPr>
+          <p:cNvSpPr/>
+          <p:nvPr/>
+        </p:nvSpPr>
+        <p:spPr>
+          <a:xfrm>
+            <a:off x="14037085" y="1697081"/>
+            <a:ext cx="2176054" cy="644435"/>
+          </a:xfrm>
+          <a:prstGeom prst="rect">
+            <a:avLst/>
+          </a:prstGeom>
+          <a:noFill/>
+          <a:ln w="9525" cap="flat" cmpd="sng" algn="ctr">
+            <a:solidFill>
+              <a:schemeClr val="dk1"/>
+            </a:solidFill>
+            <a:prstDash val="solid"/>
+            <a:round/>
+            <a:headEnd type="none" w="med" len="med"/>
+            <a:tailEnd type="none" w="med" len="med"/>
+          </a:ln>
+        </p:spPr>
+        <p:style>
+          <a:lnRef idx="0">
+            <a:scrgbClr r="0" g="0" b="0"/>
+          </a:lnRef>
+          <a:fillRef idx="0">
+            <a:scrgbClr r="0" g="0" b="0"/>
+          </a:fillRef>
+          <a:effectRef idx="0">
+            <a:scrgbClr r="0" g="0" b="0"/>
+          </a:effectRef>
+          <a:fontRef idx="minor">
+            <a:schemeClr val="dk1"/>
+          </a:fontRef>
+        </p:style>
+        <p:txBody>
+          <a:bodyPr rtlCol="0" anchor="ctr"/>
+          <a:lstStyle/>
+          <a:p>
+            <a:pPr algn="ctr"/>
+            <a:r>
+              <a:rPr lang="en-GB" dirty="0"/>
+              <a:t>NFVOs</a:t>
+            </a:r>
+          </a:p>
+        </p:txBody>
+      </p:sp>
+      <p:sp>
+        <p:nvSpPr>
+          <p:cNvPr id="25" name="Rectangle 24">
+            <a:extLst>
+              <a:ext uri="{FF2B5EF4-FFF2-40B4-BE49-F238E27FC236}">
+                <a16:creationId xmlns:a16="http://schemas.microsoft.com/office/drawing/2014/main" id="{40455850-CB88-9947-AD43-63F13913C246}"/>
+              </a:ext>
+            </a:extLst>
+          </p:cNvPr>
+          <p:cNvSpPr/>
+          <p:nvPr/>
+        </p:nvSpPr>
+        <p:spPr>
+          <a:xfrm>
+            <a:off x="10095368" y="1697081"/>
+            <a:ext cx="2176054" cy="644435"/>
+          </a:xfrm>
+          <a:prstGeom prst="rect">
+            <a:avLst/>
+          </a:prstGeom>
+          <a:noFill/>
+          <a:ln w="9525" cap="flat" cmpd="sng" algn="ctr">
+            <a:solidFill>
+              <a:schemeClr val="dk1"/>
+            </a:solidFill>
+            <a:prstDash val="solid"/>
+            <a:round/>
+            <a:headEnd type="none" w="med" len="med"/>
+            <a:tailEnd type="none" w="med" len="med"/>
+          </a:ln>
+        </p:spPr>
+        <p:style>
+          <a:lnRef idx="0">
+            <a:scrgbClr r="0" g="0" b="0"/>
+          </a:lnRef>
+          <a:fillRef idx="0">
+            <a:scrgbClr r="0" g="0" b="0"/>
+          </a:fillRef>
+          <a:effectRef idx="0">
+            <a:scrgbClr r="0" g="0" b="0"/>
+          </a:effectRef>
+          <a:fontRef idx="minor">
+            <a:schemeClr val="dk1"/>
+          </a:fontRef>
+        </p:style>
+        <p:txBody>
+          <a:bodyPr rtlCol="0" anchor="ctr"/>
+          <a:lstStyle/>
+          <a:p>
+            <a:pPr algn="ctr"/>
+            <a:r>
+              <a:rPr lang="en-GB" dirty="0"/>
+              <a:t>VNFMs</a:t>
+            </a:r>
+          </a:p>
+        </p:txBody>
+      </p:sp>
+      <p:sp>
+        <p:nvSpPr>
+          <p:cNvPr id="26" name="Rectangle 25">
+            <a:extLst>
+              <a:ext uri="{FF2B5EF4-FFF2-40B4-BE49-F238E27FC236}">
+                <a16:creationId xmlns:a16="http://schemas.microsoft.com/office/drawing/2014/main" id="{55D7B951-E010-D448-A346-47D4397B3BAD}"/>
+              </a:ext>
+            </a:extLst>
+          </p:cNvPr>
+          <p:cNvSpPr/>
+          <p:nvPr/>
+        </p:nvSpPr>
+        <p:spPr>
+          <a:xfrm>
+            <a:off x="9842820" y="1124494"/>
+            <a:ext cx="6611438" cy="1519647"/>
+          </a:xfrm>
+          <a:prstGeom prst="rect">
+            <a:avLst/>
+          </a:prstGeom>
+          <a:noFill/>
+          <a:ln w="9525" cap="flat" cmpd="sng" algn="ctr">
+            <a:solidFill>
+              <a:schemeClr val="dk1"/>
+            </a:solidFill>
+            <a:prstDash val="solid"/>
+            <a:round/>
+            <a:headEnd type="none" w="med" len="med"/>
+            <a:tailEnd type="none" w="med" len="med"/>
+          </a:ln>
+        </p:spPr>
+        <p:style>
+          <a:lnRef idx="0">
+            <a:scrgbClr r="0" g="0" b="0"/>
+          </a:lnRef>
+          <a:fillRef idx="0">
+            <a:scrgbClr r="0" g="0" b="0"/>
+          </a:fillRef>
+          <a:effectRef idx="0">
+            <a:scrgbClr r="0" g="0" b="0"/>
+          </a:effectRef>
+          <a:fontRef idx="minor">
+            <a:schemeClr val="dk1"/>
+          </a:fontRef>
+        </p:style>
+        <p:txBody>
+          <a:bodyPr rtlCol="0" anchor="t"/>
+          <a:lstStyle/>
+          <a:p>
+            <a:pPr algn="r"/>
+            <a:r>
+              <a:rPr lang="en-GB" dirty="0"/>
+              <a:t>Application Management</a:t>
+            </a:r>
+          </a:p>
+        </p:txBody>
+      </p:sp>
+      <p:sp>
+        <p:nvSpPr>
+          <p:cNvPr id="27" name="Rectangle 26">
+            <a:extLst>
+              <a:ext uri="{FF2B5EF4-FFF2-40B4-BE49-F238E27FC236}">
+                <a16:creationId xmlns:a16="http://schemas.microsoft.com/office/drawing/2014/main" id="{2446017A-C315-C646-AED0-9D89F0384501}"/>
+              </a:ext>
+            </a:extLst>
+          </p:cNvPr>
+          <p:cNvSpPr/>
+          <p:nvPr/>
+        </p:nvSpPr>
+        <p:spPr>
+          <a:xfrm>
+            <a:off x="2239191" y="4044041"/>
+            <a:ext cx="5402579" cy="1519647"/>
+          </a:xfrm>
+          <a:prstGeom prst="rect">
+            <a:avLst/>
+          </a:prstGeom>
+          <a:noFill/>
+          <a:ln w="9525" cap="flat" cmpd="sng" algn="ctr">
+            <a:solidFill>
+              <a:srgbClr val="00B050"/>
+            </a:solidFill>
+            <a:prstDash val="solid"/>
+            <a:round/>
+            <a:headEnd type="none" w="med" len="med"/>
+            <a:tailEnd type="none" w="med" len="med"/>
+          </a:ln>
+        </p:spPr>
+        <p:style>
+          <a:lnRef idx="0">
+            <a:scrgbClr r="0" g="0" b="0"/>
+          </a:lnRef>
+          <a:fillRef idx="0">
+            <a:scrgbClr r="0" g="0" b="0"/>
+          </a:fillRef>
+          <a:effectRef idx="0">
+            <a:scrgbClr r="0" g="0" b="0"/>
+          </a:effectRef>
+          <a:fontRef idx="minor">
+            <a:schemeClr val="dk1"/>
+          </a:fontRef>
+        </p:style>
+        <p:txBody>
+          <a:bodyPr rtlCol="0" anchor="t"/>
+          <a:lstStyle/>
+          <a:p>
+            <a:pPr algn="r"/>
+            <a:r>
+              <a:rPr lang="en-GB" dirty="0"/>
+              <a:t>Kubernetes</a:t>
+            </a:r>
+          </a:p>
+        </p:txBody>
+      </p:sp>
+      <p:sp>
+        <p:nvSpPr>
+          <p:cNvPr id="28" name="Rectangle 27">
+            <a:extLst>
+              <a:ext uri="{FF2B5EF4-FFF2-40B4-BE49-F238E27FC236}">
+                <a16:creationId xmlns:a16="http://schemas.microsoft.com/office/drawing/2014/main" id="{7E64B321-3198-1E4C-A055-391B2A450FD5}"/>
+              </a:ext>
+            </a:extLst>
+          </p:cNvPr>
+          <p:cNvSpPr/>
+          <p:nvPr/>
+        </p:nvSpPr>
+        <p:spPr>
+          <a:xfrm>
+            <a:off x="5060493" y="4642068"/>
+            <a:ext cx="2176054" cy="644435"/>
+          </a:xfrm>
+          <a:prstGeom prst="rect">
+            <a:avLst/>
+          </a:prstGeom>
+          <a:noFill/>
+          <a:ln w="9525" cap="flat" cmpd="sng" algn="ctr">
+            <a:solidFill>
+              <a:srgbClr val="00B050"/>
+            </a:solidFill>
+            <a:prstDash val="solid"/>
+            <a:round/>
+            <a:headEnd type="none" w="med" len="med"/>
+            <a:tailEnd type="none" w="med" len="med"/>
+          </a:ln>
+        </p:spPr>
+        <p:style>
+          <a:lnRef idx="0">
+            <a:scrgbClr r="0" g="0" b="0"/>
+          </a:lnRef>
+          <a:fillRef idx="0">
+            <a:scrgbClr r="0" g="0" b="0"/>
+          </a:fillRef>
+          <a:effectRef idx="0">
+            <a:scrgbClr r="0" g="0" b="0"/>
+          </a:effectRef>
+          <a:fontRef idx="minor">
+            <a:schemeClr val="dk1"/>
+          </a:fontRef>
+        </p:style>
+        <p:txBody>
+          <a:bodyPr rtlCol="0" anchor="ctr"/>
+          <a:lstStyle/>
+          <a:p>
+            <a:pPr algn="ctr"/>
+            <a:r>
+              <a:rPr lang="en-GB" dirty="0"/>
+              <a:t>Kubernetes Masters</a:t>
+            </a:r>
+          </a:p>
+        </p:txBody>
+      </p:sp>
+      <p:sp>
+        <p:nvSpPr>
+          <p:cNvPr id="29" name="Rectangle 28">
+            <a:extLst>
+              <a:ext uri="{FF2B5EF4-FFF2-40B4-BE49-F238E27FC236}">
+                <a16:creationId xmlns:a16="http://schemas.microsoft.com/office/drawing/2014/main" id="{A0660488-B765-DD4F-8686-6D0666705EFF}"/>
+              </a:ext>
+            </a:extLst>
+          </p:cNvPr>
+          <p:cNvSpPr/>
+          <p:nvPr/>
+        </p:nvSpPr>
+        <p:spPr>
+          <a:xfrm>
+            <a:off x="2644138" y="4642068"/>
+            <a:ext cx="2176054" cy="644435"/>
+          </a:xfrm>
+          <a:prstGeom prst="rect">
+            <a:avLst/>
+          </a:prstGeom>
+          <a:noFill/>
+          <a:ln w="9525" cap="flat" cmpd="sng" algn="ctr">
+            <a:solidFill>
+              <a:srgbClr val="00B050"/>
+            </a:solidFill>
+            <a:prstDash val="solid"/>
+            <a:round/>
+            <a:headEnd type="none" w="med" len="med"/>
+            <a:tailEnd type="none" w="med" len="med"/>
+          </a:ln>
+        </p:spPr>
+        <p:style>
+          <a:lnRef idx="0">
+            <a:scrgbClr r="0" g="0" b="0"/>
+          </a:lnRef>
+          <a:fillRef idx="0">
+            <a:scrgbClr r="0" g="0" b="0"/>
+          </a:fillRef>
+          <a:effectRef idx="0">
+            <a:scrgbClr r="0" g="0" b="0"/>
+          </a:effectRef>
+          <a:fontRef idx="minor">
+            <a:schemeClr val="dk1"/>
+          </a:fontRef>
+        </p:style>
+        <p:txBody>
+          <a:bodyPr rtlCol="0" anchor="ctr"/>
+          <a:lstStyle/>
+          <a:p>
+            <a:pPr algn="ctr"/>
+            <a:r>
+              <a:rPr lang="en-GB" dirty="0"/>
+              <a:t>Kubernetes Workers</a:t>
+            </a:r>
+          </a:p>
+        </p:txBody>
+      </p:sp>
+      <p:sp>
+        <p:nvSpPr>
+          <p:cNvPr id="30" name="Rectangle 29">
+            <a:extLst>
+              <a:ext uri="{FF2B5EF4-FFF2-40B4-BE49-F238E27FC236}">
+                <a16:creationId xmlns:a16="http://schemas.microsoft.com/office/drawing/2014/main" id="{506DB68D-B16A-0047-8550-9073C21B6830}"/>
+              </a:ext>
+            </a:extLst>
+          </p:cNvPr>
+          <p:cNvSpPr/>
+          <p:nvPr/>
+        </p:nvSpPr>
+        <p:spPr>
+          <a:xfrm>
+            <a:off x="2025830" y="3619500"/>
+            <a:ext cx="5829300" cy="2264229"/>
+          </a:xfrm>
+          <a:prstGeom prst="rect">
+            <a:avLst/>
+          </a:prstGeom>
+          <a:noFill/>
+          <a:ln w="9525" cap="flat" cmpd="sng" algn="ctr">
+            <a:solidFill>
+              <a:srgbClr val="00B050"/>
+            </a:solidFill>
+            <a:prstDash val="solid"/>
+            <a:round/>
+            <a:headEnd type="none" w="med" len="med"/>
+            <a:tailEnd type="none" w="med" len="med"/>
+          </a:ln>
+        </p:spPr>
+        <p:style>
+          <a:lnRef idx="0">
+            <a:scrgbClr r="0" g="0" b="0"/>
+          </a:lnRef>
+          <a:fillRef idx="0">
+            <a:scrgbClr r="0" g="0" b="0"/>
+          </a:fillRef>
+          <a:effectRef idx="0">
+            <a:scrgbClr r="0" g="0" b="0"/>
+          </a:effectRef>
+          <a:fontRef idx="minor">
+            <a:schemeClr val="dk1"/>
+          </a:fontRef>
+        </p:style>
+        <p:txBody>
+          <a:bodyPr rtlCol="0" anchor="t"/>
+          <a:lstStyle/>
+          <a:p>
+            <a:r>
+              <a:rPr lang="en-GB" dirty="0"/>
+              <a:t>RA2 Scope</a:t>
+            </a:r>
+          </a:p>
+        </p:txBody>
+      </p:sp>
+      <p:sp>
+        <p:nvSpPr>
+          <p:cNvPr id="31" name="Rectangle 30">
+            <a:extLst>
+              <a:ext uri="{FF2B5EF4-FFF2-40B4-BE49-F238E27FC236}">
+                <a16:creationId xmlns:a16="http://schemas.microsoft.com/office/drawing/2014/main" id="{598A1287-B59A-4647-B069-360636824215}"/>
+              </a:ext>
+            </a:extLst>
+          </p:cNvPr>
+          <p:cNvSpPr/>
+          <p:nvPr/>
+        </p:nvSpPr>
+        <p:spPr>
+          <a:xfrm>
+            <a:off x="9013871" y="6583680"/>
+            <a:ext cx="5402579" cy="1519647"/>
+          </a:xfrm>
+          <a:prstGeom prst="rect">
+            <a:avLst/>
+          </a:prstGeom>
+          <a:noFill/>
+          <a:ln w="9525" cap="flat" cmpd="sng" algn="ctr">
+            <a:solidFill>
+              <a:schemeClr val="tx1"/>
+            </a:solidFill>
+            <a:prstDash val="solid"/>
+            <a:round/>
+            <a:headEnd type="none" w="med" len="med"/>
+            <a:tailEnd type="none" w="med" len="med"/>
+          </a:ln>
+        </p:spPr>
+        <p:style>
+          <a:lnRef idx="0">
+            <a:scrgbClr r="0" g="0" b="0"/>
+          </a:lnRef>
+          <a:fillRef idx="0">
+            <a:scrgbClr r="0" g="0" b="0"/>
+          </a:fillRef>
+          <a:effectRef idx="0">
+            <a:scrgbClr r="0" g="0" b="0"/>
+          </a:effectRef>
+          <a:fontRef idx="minor">
+            <a:schemeClr val="dk1"/>
+          </a:fontRef>
+        </p:style>
+        <p:txBody>
+          <a:bodyPr rtlCol="0" anchor="t"/>
+          <a:lstStyle/>
+          <a:p>
+            <a:pPr algn="r"/>
+            <a:r>
+              <a:rPr lang="en-GB" dirty="0"/>
+              <a:t>Other Clouds (no CNTT RA)</a:t>
+            </a:r>
+          </a:p>
+        </p:txBody>
+      </p:sp>
+      <p:sp>
+        <p:nvSpPr>
+          <p:cNvPr id="32" name="Rectangle 31">
+            <a:extLst>
+              <a:ext uri="{FF2B5EF4-FFF2-40B4-BE49-F238E27FC236}">
+                <a16:creationId xmlns:a16="http://schemas.microsoft.com/office/drawing/2014/main" id="{2086DE0F-1991-CC46-95F7-8D8846619446}"/>
+              </a:ext>
+            </a:extLst>
+          </p:cNvPr>
+          <p:cNvSpPr/>
+          <p:nvPr/>
+        </p:nvSpPr>
+        <p:spPr>
+          <a:xfrm>
+            <a:off x="9327381" y="7104018"/>
+            <a:ext cx="2176054" cy="644435"/>
+          </a:xfrm>
+          <a:prstGeom prst="rect">
+            <a:avLst/>
+          </a:prstGeom>
+          <a:noFill/>
+          <a:ln w="9525" cap="flat" cmpd="sng" algn="ctr">
+            <a:solidFill>
+              <a:schemeClr val="tx1"/>
+            </a:solidFill>
+            <a:prstDash val="solid"/>
+            <a:round/>
+            <a:headEnd type="none" w="med" len="med"/>
+            <a:tailEnd type="none" w="med" len="med"/>
+          </a:ln>
+        </p:spPr>
+        <p:style>
+          <a:lnRef idx="0">
+            <a:scrgbClr r="0" g="0" b="0"/>
+          </a:lnRef>
+          <a:fillRef idx="0">
+            <a:scrgbClr r="0" g="0" b="0"/>
+          </a:fillRef>
+          <a:effectRef idx="0">
+            <a:scrgbClr r="0" g="0" b="0"/>
+          </a:effectRef>
+          <a:fontRef idx="minor">
+            <a:schemeClr val="dk1"/>
+          </a:fontRef>
+        </p:style>
+        <p:txBody>
+          <a:bodyPr rtlCol="0" anchor="ctr"/>
+          <a:lstStyle/>
+          <a:p>
+            <a:pPr algn="ctr"/>
+            <a:r>
+              <a:rPr lang="en-GB" dirty="0"/>
+              <a:t>NFVI Software</a:t>
+            </a:r>
+          </a:p>
+        </p:txBody>
+      </p:sp>
+      <p:sp>
+        <p:nvSpPr>
+          <p:cNvPr id="33" name="Rectangle 32">
+            <a:extLst>
+              <a:ext uri="{FF2B5EF4-FFF2-40B4-BE49-F238E27FC236}">
+                <a16:creationId xmlns:a16="http://schemas.microsoft.com/office/drawing/2014/main" id="{31B418B3-3124-F14D-9216-4E17E4B637F2}"/>
+              </a:ext>
+            </a:extLst>
+          </p:cNvPr>
+          <p:cNvSpPr/>
+          <p:nvPr/>
+        </p:nvSpPr>
+        <p:spPr>
+          <a:xfrm>
+            <a:off x="11928522" y="7104018"/>
+            <a:ext cx="2176054" cy="644435"/>
+          </a:xfrm>
+          <a:prstGeom prst="rect">
+            <a:avLst/>
+          </a:prstGeom>
+          <a:noFill/>
+          <a:ln w="9525" cap="flat" cmpd="sng" algn="ctr">
+            <a:solidFill>
+              <a:schemeClr val="tx1"/>
+            </a:solidFill>
+            <a:prstDash val="solid"/>
+            <a:round/>
+            <a:headEnd type="none" w="med" len="med"/>
+            <a:tailEnd type="none" w="med" len="med"/>
+          </a:ln>
+        </p:spPr>
+        <p:style>
+          <a:lnRef idx="0">
+            <a:scrgbClr r="0" g="0" b="0"/>
+          </a:lnRef>
+          <a:fillRef idx="0">
+            <a:scrgbClr r="0" g="0" b="0"/>
+          </a:fillRef>
+          <a:effectRef idx="0">
+            <a:scrgbClr r="0" g="0" b="0"/>
+          </a:effectRef>
+          <a:fontRef idx="minor">
+            <a:schemeClr val="dk1"/>
+          </a:fontRef>
+        </p:style>
+        <p:txBody>
+          <a:bodyPr rtlCol="0" anchor="ctr"/>
+          <a:lstStyle/>
+          <a:p>
+            <a:pPr algn="ctr"/>
+            <a:r>
+              <a:rPr lang="en-GB" dirty="0"/>
+              <a:t>VIM</a:t>
+            </a:r>
+          </a:p>
+        </p:txBody>
+      </p:sp>
+      <p:cxnSp>
+        <p:nvCxnSpPr>
+          <p:cNvPr id="39" name="Straight Connector 38">
+            <a:extLst>
+              <a:ext uri="{FF2B5EF4-FFF2-40B4-BE49-F238E27FC236}">
+                <a16:creationId xmlns:a16="http://schemas.microsoft.com/office/drawing/2014/main" id="{A1EDCA76-6FC7-524E-80CD-79EF25917D60}"/>
+              </a:ext>
+            </a:extLst>
+          </p:cNvPr>
+          <p:cNvCxnSpPr>
+            <a:cxnSpLocks/>
+            <a:stCxn id="26" idx="1"/>
+            <a:endCxn id="98" idx="3"/>
+          </p:cNvCxnSpPr>
+          <p:nvPr/>
+        </p:nvCxnSpPr>
+        <p:spPr>
+          <a:xfrm flipH="1" flipV="1">
+            <a:off x="8431236" y="1884317"/>
+            <a:ext cx="1411584" cy="1"/>
+          </a:xfrm>
+          <a:prstGeom prst="line">
+            <a:avLst/>
+          </a:prstGeom>
+          <a:ln>
+            <a:solidFill>
+              <a:schemeClr val="tx1"/>
+            </a:solidFill>
+          </a:ln>
+        </p:spPr>
+        <p:style>
+          <a:lnRef idx="1">
+            <a:schemeClr val="accent1"/>
+          </a:lnRef>
+          <a:fillRef idx="0">
+            <a:schemeClr val="accent1"/>
+          </a:fillRef>
+          <a:effectRef idx="0">
+            <a:schemeClr val="accent1"/>
+          </a:effectRef>
+          <a:fontRef idx="minor">
+            <a:schemeClr val="tx1"/>
+          </a:fontRef>
+        </p:style>
+      </p:cxnSp>
+      <p:cxnSp>
+        <p:nvCxnSpPr>
+          <p:cNvPr id="40" name="Straight Connector 39">
+            <a:extLst>
+              <a:ext uri="{FF2B5EF4-FFF2-40B4-BE49-F238E27FC236}">
+                <a16:creationId xmlns:a16="http://schemas.microsoft.com/office/drawing/2014/main" id="{588B1752-971A-2F49-B326-A449CEB21507}"/>
+              </a:ext>
+            </a:extLst>
+          </p:cNvPr>
+          <p:cNvCxnSpPr>
+            <a:cxnSpLocks/>
+            <a:stCxn id="24" idx="1"/>
+            <a:endCxn id="25" idx="3"/>
+          </p:cNvCxnSpPr>
+          <p:nvPr/>
+        </p:nvCxnSpPr>
+        <p:spPr>
+          <a:xfrm flipH="1">
+            <a:off x="12271422" y="2019299"/>
+            <a:ext cx="1765663" cy="0"/>
+          </a:xfrm>
+          <a:prstGeom prst="line">
+            <a:avLst/>
+          </a:prstGeom>
+          <a:ln>
+            <a:solidFill>
+              <a:schemeClr val="tx1"/>
+            </a:solidFill>
+          </a:ln>
+        </p:spPr>
+        <p:style>
+          <a:lnRef idx="1">
+            <a:schemeClr val="accent1"/>
+          </a:lnRef>
+          <a:fillRef idx="0">
+            <a:schemeClr val="accent1"/>
+          </a:fillRef>
+          <a:effectRef idx="0">
+            <a:schemeClr val="accent1"/>
+          </a:effectRef>
+          <a:fontRef idx="minor">
+            <a:schemeClr val="tx1"/>
+          </a:fontRef>
+        </p:style>
+      </p:cxnSp>
+      <p:cxnSp>
+        <p:nvCxnSpPr>
+          <p:cNvPr id="58" name="Straight Connector 57">
+            <a:extLst>
+              <a:ext uri="{FF2B5EF4-FFF2-40B4-BE49-F238E27FC236}">
+                <a16:creationId xmlns:a16="http://schemas.microsoft.com/office/drawing/2014/main" id="{EA468946-C109-8444-8E27-1FA259935254}"/>
+              </a:ext>
+            </a:extLst>
+          </p:cNvPr>
+          <p:cNvCxnSpPr>
+            <a:cxnSpLocks/>
+            <a:stCxn id="24" idx="2"/>
+            <a:endCxn id="33" idx="0"/>
+          </p:cNvCxnSpPr>
+          <p:nvPr/>
+        </p:nvCxnSpPr>
+        <p:spPr>
+          <a:xfrm flipH="1">
+            <a:off x="13016549" y="2341516"/>
+            <a:ext cx="2108563" cy="4762502"/>
+          </a:xfrm>
+          <a:prstGeom prst="line">
+            <a:avLst/>
+          </a:prstGeom>
+          <a:ln>
+            <a:solidFill>
+              <a:schemeClr val="tx1"/>
+            </a:solidFill>
+          </a:ln>
+        </p:spPr>
+        <p:style>
+          <a:lnRef idx="1">
+            <a:schemeClr val="accent1"/>
+          </a:lnRef>
+          <a:fillRef idx="0">
+            <a:schemeClr val="accent1"/>
+          </a:fillRef>
+          <a:effectRef idx="0">
+            <a:schemeClr val="accent1"/>
+          </a:effectRef>
+          <a:fontRef idx="minor">
+            <a:schemeClr val="tx1"/>
+          </a:fontRef>
+        </p:style>
+      </p:cxnSp>
+      <p:cxnSp>
+        <p:nvCxnSpPr>
+          <p:cNvPr id="61" name="Straight Connector 60">
+            <a:extLst>
+              <a:ext uri="{FF2B5EF4-FFF2-40B4-BE49-F238E27FC236}">
+                <a16:creationId xmlns:a16="http://schemas.microsoft.com/office/drawing/2014/main" id="{EA790BDF-BD65-EB4A-A18D-06737637EA48}"/>
+              </a:ext>
+            </a:extLst>
+          </p:cNvPr>
+          <p:cNvCxnSpPr>
+            <a:cxnSpLocks/>
+            <a:stCxn id="25" idx="2"/>
+            <a:endCxn id="33" idx="0"/>
+          </p:cNvCxnSpPr>
+          <p:nvPr/>
+        </p:nvCxnSpPr>
+        <p:spPr>
+          <a:xfrm>
+            <a:off x="11183395" y="2341516"/>
+            <a:ext cx="1833154" cy="4762502"/>
+          </a:xfrm>
+          <a:prstGeom prst="line">
+            <a:avLst/>
+          </a:prstGeom>
+          <a:ln>
+            <a:solidFill>
+              <a:schemeClr val="tx1"/>
+            </a:solidFill>
+          </a:ln>
+        </p:spPr>
+        <p:style>
+          <a:lnRef idx="1">
+            <a:schemeClr val="accent1"/>
+          </a:lnRef>
+          <a:fillRef idx="0">
+            <a:schemeClr val="accent1"/>
+          </a:fillRef>
+          <a:effectRef idx="0">
+            <a:schemeClr val="accent1"/>
+          </a:effectRef>
+          <a:fontRef idx="minor">
+            <a:schemeClr val="tx1"/>
+          </a:fontRef>
+        </p:style>
+      </p:cxnSp>
+      <p:cxnSp>
+        <p:nvCxnSpPr>
+          <p:cNvPr id="64" name="Straight Connector 63">
+            <a:extLst>
+              <a:ext uri="{FF2B5EF4-FFF2-40B4-BE49-F238E27FC236}">
+                <a16:creationId xmlns:a16="http://schemas.microsoft.com/office/drawing/2014/main" id="{743C03D9-F898-D346-B731-1D14CC170235}"/>
+              </a:ext>
+            </a:extLst>
+          </p:cNvPr>
+          <p:cNvCxnSpPr>
+            <a:cxnSpLocks/>
+            <a:stCxn id="25" idx="2"/>
+            <a:endCxn id="22" idx="0"/>
+          </p:cNvCxnSpPr>
+          <p:nvPr/>
+        </p:nvCxnSpPr>
+        <p:spPr>
+          <a:xfrm flipH="1">
+            <a:off x="6241869" y="2341516"/>
+            <a:ext cx="4941526" cy="4762502"/>
+          </a:xfrm>
+          <a:prstGeom prst="line">
+            <a:avLst/>
+          </a:prstGeom>
+          <a:ln>
+            <a:solidFill>
+              <a:schemeClr val="tx1"/>
+            </a:solidFill>
+          </a:ln>
+        </p:spPr>
+        <p:style>
+          <a:lnRef idx="1">
+            <a:schemeClr val="accent1"/>
+          </a:lnRef>
+          <a:fillRef idx="0">
+            <a:schemeClr val="accent1"/>
+          </a:fillRef>
+          <a:effectRef idx="0">
+            <a:schemeClr val="accent1"/>
+          </a:effectRef>
+          <a:fontRef idx="minor">
+            <a:schemeClr val="tx1"/>
+          </a:fontRef>
+        </p:style>
+      </p:cxnSp>
+      <p:cxnSp>
+        <p:nvCxnSpPr>
+          <p:cNvPr id="67" name="Straight Connector 66">
+            <a:extLst>
+              <a:ext uri="{FF2B5EF4-FFF2-40B4-BE49-F238E27FC236}">
+                <a16:creationId xmlns:a16="http://schemas.microsoft.com/office/drawing/2014/main" id="{33D1B887-1496-374C-9A97-43EDD11B3C99}"/>
+              </a:ext>
+            </a:extLst>
+          </p:cNvPr>
+          <p:cNvCxnSpPr>
+            <a:cxnSpLocks/>
+            <a:stCxn id="24" idx="2"/>
+            <a:endCxn id="22" idx="0"/>
+          </p:cNvCxnSpPr>
+          <p:nvPr/>
+        </p:nvCxnSpPr>
+        <p:spPr>
+          <a:xfrm flipH="1">
+            <a:off x="6241869" y="2341516"/>
+            <a:ext cx="8883243" cy="4762502"/>
+          </a:xfrm>
+          <a:prstGeom prst="line">
+            <a:avLst/>
+          </a:prstGeom>
+          <a:ln>
+            <a:solidFill>
+              <a:schemeClr val="tx1"/>
+            </a:solidFill>
+          </a:ln>
+        </p:spPr>
+        <p:style>
+          <a:lnRef idx="1">
+            <a:schemeClr val="accent1"/>
+          </a:lnRef>
+          <a:fillRef idx="0">
+            <a:schemeClr val="accent1"/>
+          </a:fillRef>
+          <a:effectRef idx="0">
+            <a:schemeClr val="accent1"/>
+          </a:effectRef>
+          <a:fontRef idx="minor">
+            <a:schemeClr val="tx1"/>
+          </a:fontRef>
+        </p:style>
+      </p:cxnSp>
+      <p:cxnSp>
+        <p:nvCxnSpPr>
+          <p:cNvPr id="73" name="Straight Connector 72">
+            <a:extLst>
+              <a:ext uri="{FF2B5EF4-FFF2-40B4-BE49-F238E27FC236}">
+                <a16:creationId xmlns:a16="http://schemas.microsoft.com/office/drawing/2014/main" id="{B0BB24B0-CDAC-1C49-8D3D-F4666D9EE864}"/>
+              </a:ext>
+            </a:extLst>
+          </p:cNvPr>
+          <p:cNvCxnSpPr>
+            <a:cxnSpLocks/>
+            <a:stCxn id="29" idx="2"/>
+            <a:endCxn id="21" idx="0"/>
+          </p:cNvCxnSpPr>
+          <p:nvPr/>
+        </p:nvCxnSpPr>
+        <p:spPr>
+          <a:xfrm flipH="1">
+            <a:off x="3640728" y="5286503"/>
+            <a:ext cx="91437" cy="1817515"/>
+          </a:xfrm>
+          <a:prstGeom prst="line">
+            <a:avLst/>
+          </a:prstGeom>
+          <a:ln>
+            <a:solidFill>
+              <a:srgbClr val="00B050"/>
+            </a:solidFill>
+            <a:headEnd type="oval" w="med" len="med"/>
+            <a:tailEnd type="oval" w="med" len="med"/>
+          </a:ln>
+        </p:spPr>
+        <p:style>
+          <a:lnRef idx="1">
+            <a:schemeClr val="accent1"/>
+          </a:lnRef>
+          <a:fillRef idx="0">
+            <a:schemeClr val="accent1"/>
+          </a:fillRef>
+          <a:effectRef idx="0">
+            <a:schemeClr val="accent1"/>
+          </a:effectRef>
+          <a:fontRef idx="minor">
+            <a:schemeClr val="tx1"/>
+          </a:fontRef>
+        </p:style>
+      </p:cxnSp>
+      <p:cxnSp>
+        <p:nvCxnSpPr>
+          <p:cNvPr id="77" name="Straight Connector 76">
+            <a:extLst>
+              <a:ext uri="{FF2B5EF4-FFF2-40B4-BE49-F238E27FC236}">
+                <a16:creationId xmlns:a16="http://schemas.microsoft.com/office/drawing/2014/main" id="{8CE22191-3A99-A342-8E18-85D4FD110385}"/>
+              </a:ext>
+            </a:extLst>
+          </p:cNvPr>
+          <p:cNvCxnSpPr>
+            <a:cxnSpLocks/>
+            <a:stCxn id="28" idx="2"/>
+            <a:endCxn id="21" idx="0"/>
+          </p:cNvCxnSpPr>
+          <p:nvPr/>
+        </p:nvCxnSpPr>
+        <p:spPr>
+          <a:xfrm flipH="1">
+            <a:off x="3640728" y="5286503"/>
+            <a:ext cx="2507792" cy="1817515"/>
+          </a:xfrm>
+          <a:prstGeom prst="line">
+            <a:avLst/>
+          </a:prstGeom>
+          <a:ln>
+            <a:solidFill>
+              <a:srgbClr val="00B050"/>
+            </a:solidFill>
+            <a:headEnd type="oval" w="med" len="med"/>
+            <a:tailEnd type="oval" w="med" len="med"/>
+          </a:ln>
+        </p:spPr>
+        <p:style>
+          <a:lnRef idx="1">
+            <a:schemeClr val="accent1"/>
+          </a:lnRef>
+          <a:fillRef idx="0">
+            <a:schemeClr val="accent1"/>
+          </a:fillRef>
+          <a:effectRef idx="0">
+            <a:schemeClr val="accent1"/>
+          </a:effectRef>
+          <a:fontRef idx="minor">
+            <a:schemeClr val="tx1"/>
+          </a:fontRef>
+        </p:style>
+      </p:cxnSp>
+      <p:cxnSp>
+        <p:nvCxnSpPr>
+          <p:cNvPr id="80" name="Straight Connector 79">
+            <a:extLst>
+              <a:ext uri="{FF2B5EF4-FFF2-40B4-BE49-F238E27FC236}">
+                <a16:creationId xmlns:a16="http://schemas.microsoft.com/office/drawing/2014/main" id="{D7B52A49-4473-EC47-89F0-FD86505E00F3}"/>
+              </a:ext>
+            </a:extLst>
+          </p:cNvPr>
+          <p:cNvCxnSpPr>
+            <a:cxnSpLocks/>
+            <a:stCxn id="23" idx="2"/>
+            <a:endCxn id="29" idx="0"/>
+          </p:cNvCxnSpPr>
+          <p:nvPr/>
+        </p:nvCxnSpPr>
+        <p:spPr>
+          <a:xfrm flipH="1">
+            <a:off x="3732165" y="2344778"/>
+            <a:ext cx="3358496" cy="2297290"/>
+          </a:xfrm>
+          <a:prstGeom prst="line">
+            <a:avLst/>
+          </a:prstGeom>
+          <a:ln>
+            <a:solidFill>
+              <a:srgbClr val="00B050"/>
+            </a:solidFill>
+            <a:headEnd type="oval" w="med" len="med"/>
+            <a:tailEnd type="oval" w="med" len="med"/>
+          </a:ln>
+        </p:spPr>
+        <p:style>
+          <a:lnRef idx="1">
+            <a:schemeClr val="accent1"/>
+          </a:lnRef>
+          <a:fillRef idx="0">
+            <a:schemeClr val="accent1"/>
+          </a:fillRef>
+          <a:effectRef idx="0">
+            <a:schemeClr val="accent1"/>
+          </a:effectRef>
+          <a:fontRef idx="minor">
+            <a:schemeClr val="tx1"/>
+          </a:fontRef>
+        </p:style>
+      </p:cxnSp>
+      <p:cxnSp>
+        <p:nvCxnSpPr>
+          <p:cNvPr id="83" name="Straight Connector 82">
+            <a:extLst>
+              <a:ext uri="{FF2B5EF4-FFF2-40B4-BE49-F238E27FC236}">
+                <a16:creationId xmlns:a16="http://schemas.microsoft.com/office/drawing/2014/main" id="{48ED1F88-98B9-104A-B461-26FAAB150143}"/>
+              </a:ext>
+            </a:extLst>
+          </p:cNvPr>
+          <p:cNvCxnSpPr>
+            <a:cxnSpLocks/>
+            <a:stCxn id="23" idx="2"/>
+            <a:endCxn id="32" idx="0"/>
+          </p:cNvCxnSpPr>
+          <p:nvPr/>
+        </p:nvCxnSpPr>
+        <p:spPr>
+          <a:xfrm>
+            <a:off x="7090661" y="2344778"/>
+            <a:ext cx="3324747" cy="4759240"/>
+          </a:xfrm>
+          <a:prstGeom prst="line">
+            <a:avLst/>
+          </a:prstGeom>
+          <a:ln>
+            <a:solidFill>
+              <a:schemeClr val="tx1"/>
+            </a:solidFill>
+            <a:headEnd type="oval" w="med" len="med"/>
+            <a:tailEnd type="oval" w="med" len="med"/>
+          </a:ln>
+        </p:spPr>
+        <p:style>
+          <a:lnRef idx="1">
+            <a:schemeClr val="accent1"/>
+          </a:lnRef>
+          <a:fillRef idx="0">
+            <a:schemeClr val="accent1"/>
+          </a:fillRef>
+          <a:effectRef idx="0">
+            <a:schemeClr val="accent1"/>
+          </a:effectRef>
+          <a:fontRef idx="minor">
+            <a:schemeClr val="tx1"/>
+          </a:fontRef>
+        </p:style>
+      </p:cxnSp>
+      <p:sp>
+        <p:nvSpPr>
+          <p:cNvPr id="84" name="Rectangle 83">
+            <a:extLst>
+              <a:ext uri="{FF2B5EF4-FFF2-40B4-BE49-F238E27FC236}">
+                <a16:creationId xmlns:a16="http://schemas.microsoft.com/office/drawing/2014/main" id="{E7A0F0CC-3F83-694D-8ED8-FCE15667CACD}"/>
+              </a:ext>
+            </a:extLst>
+          </p:cNvPr>
+          <p:cNvSpPr/>
+          <p:nvPr/>
+        </p:nvSpPr>
+        <p:spPr>
+          <a:xfrm>
+            <a:off x="2060917" y="1726471"/>
+            <a:ext cx="2176054" cy="644435"/>
+          </a:xfrm>
+          <a:prstGeom prst="rect">
+            <a:avLst/>
+          </a:prstGeom>
+          <a:noFill/>
+          <a:ln w="9525" cap="flat" cmpd="sng" algn="ctr">
+            <a:solidFill>
+              <a:schemeClr val="dk1"/>
+            </a:solidFill>
+            <a:prstDash val="solid"/>
+            <a:round/>
+            <a:headEnd type="none" w="med" len="med"/>
+            <a:tailEnd type="none" w="med" len="med"/>
+          </a:ln>
+        </p:spPr>
+        <p:style>
+          <a:lnRef idx="0">
+            <a:scrgbClr r="0" g="0" b="0"/>
+          </a:lnRef>
+          <a:fillRef idx="0">
+            <a:scrgbClr r="0" g="0" b="0"/>
+          </a:fillRef>
+          <a:effectRef idx="0">
+            <a:scrgbClr r="0" g="0" b="0"/>
+          </a:effectRef>
+          <a:fontRef idx="minor">
+            <a:schemeClr val="dk1"/>
+          </a:fontRef>
+        </p:style>
+        <p:txBody>
+          <a:bodyPr rtlCol="0" anchor="ctr"/>
+          <a:lstStyle/>
+          <a:p>
+            <a:pPr algn="ctr"/>
+            <a:r>
+              <a:rPr lang="en-GB" dirty="0"/>
+              <a:t>CNFs</a:t>
+            </a:r>
+          </a:p>
+        </p:txBody>
+      </p:sp>
+      <p:sp>
+        <p:nvSpPr>
+          <p:cNvPr id="98" name="Rectangle 97">
+            <a:extLst>
+              <a:ext uri="{FF2B5EF4-FFF2-40B4-BE49-F238E27FC236}">
+                <a16:creationId xmlns:a16="http://schemas.microsoft.com/office/drawing/2014/main" id="{85459BF3-E1A7-6A46-8D8E-08A0E0C8EF6D}"/>
+              </a:ext>
+            </a:extLst>
+          </p:cNvPr>
+          <p:cNvSpPr/>
+          <p:nvPr/>
+        </p:nvSpPr>
+        <p:spPr>
+          <a:xfrm>
+            <a:off x="1819798" y="1124493"/>
+            <a:ext cx="6611438" cy="1519647"/>
+          </a:xfrm>
+          <a:prstGeom prst="rect">
+            <a:avLst/>
+          </a:prstGeom>
+          <a:noFill/>
+          <a:ln w="9525" cap="flat" cmpd="sng" algn="ctr">
+            <a:solidFill>
+              <a:schemeClr val="dk1"/>
+            </a:solidFill>
+            <a:prstDash val="solid"/>
+            <a:round/>
+            <a:headEnd type="none" w="med" len="med"/>
+            <a:tailEnd type="none" w="med" len="med"/>
+          </a:ln>
+        </p:spPr>
+        <p:style>
+          <a:lnRef idx="0">
+            <a:scrgbClr r="0" g="0" b="0"/>
+          </a:lnRef>
+          <a:fillRef idx="0">
+            <a:scrgbClr r="0" g="0" b="0"/>
+          </a:fillRef>
+          <a:effectRef idx="0">
+            <a:scrgbClr r="0" g="0" b="0"/>
+          </a:effectRef>
+          <a:fontRef idx="minor">
+            <a:schemeClr val="dk1"/>
+          </a:fontRef>
+        </p:style>
+        <p:txBody>
+          <a:bodyPr rtlCol="0" anchor="t"/>
+          <a:lstStyle/>
+          <a:p>
+            <a:pPr algn="r"/>
+            <a:r>
+              <a:rPr lang="en-GB" dirty="0"/>
+              <a:t>Applications</a:t>
+            </a:r>
+          </a:p>
+        </p:txBody>
+      </p:sp>
+      <p:cxnSp>
+        <p:nvCxnSpPr>
+          <p:cNvPr id="106" name="Straight Connector 105">
+            <a:extLst>
+              <a:ext uri="{FF2B5EF4-FFF2-40B4-BE49-F238E27FC236}">
+                <a16:creationId xmlns:a16="http://schemas.microsoft.com/office/drawing/2014/main" id="{2E5630D7-E552-DE42-95E7-1A14985B7E9B}"/>
+              </a:ext>
+            </a:extLst>
+          </p:cNvPr>
+          <p:cNvCxnSpPr>
+            <a:cxnSpLocks/>
+            <a:stCxn id="84" idx="2"/>
+            <a:endCxn id="29" idx="0"/>
+          </p:cNvCxnSpPr>
+          <p:nvPr/>
+        </p:nvCxnSpPr>
+        <p:spPr>
+          <a:xfrm>
+            <a:off x="3148944" y="2370906"/>
+            <a:ext cx="583221" cy="2271162"/>
+          </a:xfrm>
+          <a:prstGeom prst="line">
+            <a:avLst/>
+          </a:prstGeom>
+          <a:ln>
+            <a:solidFill>
+              <a:srgbClr val="00B050"/>
+            </a:solidFill>
+            <a:headEnd type="oval" w="med" len="med"/>
+            <a:tailEnd type="oval" w="med" len="med"/>
+          </a:ln>
+        </p:spPr>
+        <p:style>
+          <a:lnRef idx="1">
+            <a:schemeClr val="accent1"/>
+          </a:lnRef>
+          <a:fillRef idx="0">
+            <a:schemeClr val="accent1"/>
+          </a:fillRef>
+          <a:effectRef idx="0">
+            <a:schemeClr val="accent1"/>
+          </a:effectRef>
+          <a:fontRef idx="minor">
+            <a:schemeClr val="tx1"/>
+          </a:fontRef>
+        </p:style>
+      </p:cxnSp>
+      <p:cxnSp>
+        <p:nvCxnSpPr>
+          <p:cNvPr id="109" name="Straight Connector 108">
+            <a:extLst>
+              <a:ext uri="{FF2B5EF4-FFF2-40B4-BE49-F238E27FC236}">
+                <a16:creationId xmlns:a16="http://schemas.microsoft.com/office/drawing/2014/main" id="{573429A0-05E6-6A43-8258-6FC8A9E5B9D7}"/>
+              </a:ext>
+            </a:extLst>
+          </p:cNvPr>
+          <p:cNvCxnSpPr>
+            <a:cxnSpLocks/>
+            <a:stCxn id="25" idx="2"/>
+            <a:endCxn id="28" idx="0"/>
+          </p:cNvCxnSpPr>
+          <p:nvPr/>
+        </p:nvCxnSpPr>
+        <p:spPr>
+          <a:xfrm flipH="1">
+            <a:off x="6148520" y="2341516"/>
+            <a:ext cx="5034875" cy="2300552"/>
+          </a:xfrm>
+          <a:prstGeom prst="line">
+            <a:avLst/>
+          </a:prstGeom>
+          <a:ln>
+            <a:solidFill>
+              <a:srgbClr val="00B050"/>
+            </a:solidFill>
+            <a:headEnd type="oval" w="med" len="med"/>
+            <a:tailEnd type="oval" w="med" len="med"/>
+          </a:ln>
+        </p:spPr>
+        <p:style>
+          <a:lnRef idx="1">
+            <a:schemeClr val="accent1"/>
+          </a:lnRef>
+          <a:fillRef idx="0">
+            <a:schemeClr val="accent1"/>
+          </a:fillRef>
+          <a:effectRef idx="0">
+            <a:schemeClr val="accent1"/>
+          </a:effectRef>
+          <a:fontRef idx="minor">
+            <a:schemeClr val="tx1"/>
+          </a:fontRef>
+        </p:style>
+      </p:cxnSp>
+      <p:cxnSp>
+        <p:nvCxnSpPr>
+          <p:cNvPr id="112" name="Straight Connector 111">
+            <a:extLst>
+              <a:ext uri="{FF2B5EF4-FFF2-40B4-BE49-F238E27FC236}">
+                <a16:creationId xmlns:a16="http://schemas.microsoft.com/office/drawing/2014/main" id="{F67011E1-C206-6C48-ADCA-697E61DA7366}"/>
+              </a:ext>
+            </a:extLst>
+          </p:cNvPr>
+          <p:cNvCxnSpPr>
+            <a:cxnSpLocks/>
+            <a:stCxn id="22" idx="0"/>
+            <a:endCxn id="28" idx="2"/>
+          </p:cNvCxnSpPr>
+          <p:nvPr/>
+        </p:nvCxnSpPr>
+        <p:spPr>
+          <a:xfrm flipH="1" flipV="1">
+            <a:off x="6148520" y="5286503"/>
+            <a:ext cx="93349" cy="1817515"/>
+          </a:xfrm>
+          <a:prstGeom prst="line">
+            <a:avLst/>
+          </a:prstGeom>
+          <a:ln>
+            <a:solidFill>
+              <a:srgbClr val="00B050"/>
+            </a:solidFill>
+            <a:headEnd type="oval" w="med" len="med"/>
+            <a:tailEnd type="oval" w="med" len="med"/>
+          </a:ln>
+        </p:spPr>
+        <p:style>
+          <a:lnRef idx="1">
+            <a:schemeClr val="accent1"/>
+          </a:lnRef>
+          <a:fillRef idx="0">
+            <a:schemeClr val="accent1"/>
+          </a:fillRef>
+          <a:effectRef idx="0">
+            <a:schemeClr val="accent1"/>
+          </a:effectRef>
+          <a:fontRef idx="minor">
+            <a:schemeClr val="tx1"/>
+          </a:fontRef>
+        </p:style>
+      </p:cxnSp>
+      <p:cxnSp>
+        <p:nvCxnSpPr>
+          <p:cNvPr id="115" name="Straight Connector 114">
+            <a:extLst>
+              <a:ext uri="{FF2B5EF4-FFF2-40B4-BE49-F238E27FC236}">
+                <a16:creationId xmlns:a16="http://schemas.microsoft.com/office/drawing/2014/main" id="{01864F65-E26B-A745-9A86-A7DD7742347B}"/>
+              </a:ext>
+            </a:extLst>
+          </p:cNvPr>
+          <p:cNvCxnSpPr>
+            <a:cxnSpLocks/>
+            <a:stCxn id="33" idx="0"/>
+            <a:endCxn id="28" idx="2"/>
+          </p:cNvCxnSpPr>
+          <p:nvPr/>
+        </p:nvCxnSpPr>
+        <p:spPr>
+          <a:xfrm flipH="1" flipV="1">
+            <a:off x="6148520" y="5286503"/>
+            <a:ext cx="6868029" cy="1817515"/>
+          </a:xfrm>
+          <a:prstGeom prst="line">
+            <a:avLst/>
+          </a:prstGeom>
+          <a:ln>
+            <a:solidFill>
+              <a:srgbClr val="00B050"/>
+            </a:solidFill>
+            <a:headEnd type="oval" w="med" len="med"/>
+            <a:tailEnd type="oval" w="med" len="med"/>
+          </a:ln>
+        </p:spPr>
+        <p:style>
+          <a:lnRef idx="1">
+            <a:schemeClr val="accent1"/>
+          </a:lnRef>
+          <a:fillRef idx="0">
+            <a:schemeClr val="accent1"/>
+          </a:fillRef>
+          <a:effectRef idx="0">
+            <a:schemeClr val="accent1"/>
+          </a:effectRef>
+          <a:fontRef idx="minor">
+            <a:schemeClr val="tx1"/>
+          </a:fontRef>
+        </p:style>
+      </p:cxnSp>
+      <p:cxnSp>
+        <p:nvCxnSpPr>
+          <p:cNvPr id="121" name="Straight Connector 120">
+            <a:extLst>
+              <a:ext uri="{FF2B5EF4-FFF2-40B4-BE49-F238E27FC236}">
+                <a16:creationId xmlns:a16="http://schemas.microsoft.com/office/drawing/2014/main" id="{1343ED1A-87F6-FD43-A2B4-31A6EB43D8B4}"/>
+              </a:ext>
+            </a:extLst>
+          </p:cNvPr>
+          <p:cNvCxnSpPr>
+            <a:cxnSpLocks/>
+            <a:endCxn id="32" idx="2"/>
+          </p:cNvCxnSpPr>
+          <p:nvPr/>
+        </p:nvCxnSpPr>
+        <p:spPr>
+          <a:xfrm flipV="1">
+            <a:off x="10415408" y="7748453"/>
+            <a:ext cx="0" cy="520336"/>
+          </a:xfrm>
+          <a:prstGeom prst="line">
+            <a:avLst/>
+          </a:prstGeom>
+          <a:ln>
+            <a:solidFill>
+              <a:schemeClr val="tx1"/>
+            </a:solidFill>
+            <a:headEnd type="oval" w="med" len="med"/>
+            <a:tailEnd type="oval" w="med" len="med"/>
+          </a:ln>
+        </p:spPr>
+        <p:style>
+          <a:lnRef idx="1">
+            <a:schemeClr val="accent1"/>
+          </a:lnRef>
+          <a:fillRef idx="0">
+            <a:schemeClr val="accent1"/>
+          </a:fillRef>
+          <a:effectRef idx="0">
+            <a:schemeClr val="accent1"/>
+          </a:effectRef>
+          <a:fontRef idx="minor">
+            <a:schemeClr val="tx1"/>
+          </a:fontRef>
+        </p:style>
+      </p:cxnSp>
+      <p:sp>
+        <p:nvSpPr>
+          <p:cNvPr id="124" name="Rectangle 123">
+            <a:extLst>
+              <a:ext uri="{FF2B5EF4-FFF2-40B4-BE49-F238E27FC236}">
+                <a16:creationId xmlns:a16="http://schemas.microsoft.com/office/drawing/2014/main" id="{40FBBE5C-3075-724A-84F3-9957B1338109}"/>
+              </a:ext>
+            </a:extLst>
+          </p:cNvPr>
+          <p:cNvSpPr/>
+          <p:nvPr/>
+        </p:nvSpPr>
+        <p:spPr>
+          <a:xfrm>
+            <a:off x="9013871" y="8268788"/>
+            <a:ext cx="5402579" cy="644435"/>
+          </a:xfrm>
+          <a:prstGeom prst="rect">
+            <a:avLst/>
+          </a:prstGeom>
+          <a:noFill/>
+          <a:ln w="9525" cap="flat" cmpd="sng" algn="ctr">
+            <a:solidFill>
+              <a:schemeClr val="tx1"/>
+            </a:solidFill>
+            <a:prstDash val="solid"/>
+            <a:round/>
+            <a:headEnd type="none" w="med" len="med"/>
+            <a:tailEnd type="none" w="med" len="med"/>
+          </a:ln>
+        </p:spPr>
+        <p:style>
+          <a:lnRef idx="0">
+            <a:scrgbClr r="0" g="0" b="0"/>
+          </a:lnRef>
+          <a:fillRef idx="0">
+            <a:scrgbClr r="0" g="0" b="0"/>
+          </a:fillRef>
+          <a:effectRef idx="0">
+            <a:scrgbClr r="0" g="0" b="0"/>
+          </a:effectRef>
+          <a:fontRef idx="minor">
+            <a:schemeClr val="dk1"/>
+          </a:fontRef>
+        </p:style>
+        <p:txBody>
+          <a:bodyPr rtlCol="0" anchor="ctr"/>
+          <a:lstStyle/>
+          <a:p>
+            <a:pPr algn="ctr"/>
+            <a:r>
+              <a:rPr lang="en-GB" dirty="0"/>
+              <a:t>NFVI Hardware</a:t>
+            </a:r>
+          </a:p>
+        </p:txBody>
+      </p:sp>
+      <p:sp>
+        <p:nvSpPr>
+          <p:cNvPr id="125" name="TextBox 124">
+            <a:extLst>
+              <a:ext uri="{FF2B5EF4-FFF2-40B4-BE49-F238E27FC236}">
+                <a16:creationId xmlns:a16="http://schemas.microsoft.com/office/drawing/2014/main" id="{72E6DB24-ED82-3C43-AF96-E43D72060AC5}"/>
+              </a:ext>
+            </a:extLst>
+          </p:cNvPr>
+          <p:cNvSpPr txBox="1"/>
+          <p:nvPr/>
+        </p:nvSpPr>
+        <p:spPr>
+          <a:xfrm>
+            <a:off x="1943370" y="2751904"/>
+            <a:ext cx="1593944" cy="632461"/>
+          </a:xfrm>
+          <a:prstGeom prst="rect">
+            <a:avLst/>
+          </a:prstGeom>
+          <a:solidFill>
+            <a:schemeClr val="bg1">
+              <a:alpha val="60000"/>
+            </a:schemeClr>
+          </a:solidFill>
+        </p:spPr>
+        <p:txBody>
+          <a:bodyPr wrap="square" rtlCol="0">
+            <a:normAutofit fontScale="77500" lnSpcReduction="20000"/>
+          </a:bodyPr>
+          <a:lstStyle/>
+          <a:p>
+            <a:r>
+              <a:rPr lang="en-GB" dirty="0"/>
+              <a:t>For CNFs consisting of </a:t>
+            </a:r>
+            <a:r>
+              <a:rPr lang="en-GB" b="1" dirty="0"/>
+              <a:t>containers and /or VMs</a:t>
+            </a:r>
+          </a:p>
+        </p:txBody>
+      </p:sp>
+      <p:sp>
+        <p:nvSpPr>
+          <p:cNvPr id="126" name="TextBox 125">
+            <a:extLst>
+              <a:ext uri="{FF2B5EF4-FFF2-40B4-BE49-F238E27FC236}">
+                <a16:creationId xmlns:a16="http://schemas.microsoft.com/office/drawing/2014/main" id="{5B2B20BB-F697-0F43-8E8D-B5856D57AFE5}"/>
+              </a:ext>
+            </a:extLst>
+          </p:cNvPr>
+          <p:cNvSpPr txBox="1"/>
+          <p:nvPr/>
+        </p:nvSpPr>
+        <p:spPr>
+          <a:xfrm>
+            <a:off x="5498876" y="2774768"/>
+            <a:ext cx="1401536" cy="632461"/>
+          </a:xfrm>
+          <a:prstGeom prst="rect">
+            <a:avLst/>
+          </a:prstGeom>
+          <a:solidFill>
+            <a:schemeClr val="bg1">
+              <a:alpha val="60000"/>
+            </a:schemeClr>
+          </a:solidFill>
+        </p:spPr>
+        <p:txBody>
+          <a:bodyPr wrap="square" rtlCol="0">
+            <a:normAutofit fontScale="77500" lnSpcReduction="20000"/>
+          </a:bodyPr>
+          <a:lstStyle/>
+          <a:p>
+            <a:r>
+              <a:rPr lang="en-GB" dirty="0"/>
+              <a:t>For VNFs only consisting of VMs</a:t>
+            </a:r>
+          </a:p>
+        </p:txBody>
+      </p:sp>
+      <p:sp>
+        <p:nvSpPr>
+          <p:cNvPr id="127" name="TextBox 126">
+            <a:extLst>
+              <a:ext uri="{FF2B5EF4-FFF2-40B4-BE49-F238E27FC236}">
+                <a16:creationId xmlns:a16="http://schemas.microsoft.com/office/drawing/2014/main" id="{C13CFF46-7997-DD4B-B7C2-43C602C0CC82}"/>
+              </a:ext>
+            </a:extLst>
+          </p:cNvPr>
+          <p:cNvSpPr txBox="1"/>
+          <p:nvPr/>
+        </p:nvSpPr>
+        <p:spPr>
+          <a:xfrm>
+            <a:off x="8533800" y="2720826"/>
+            <a:ext cx="1789672" cy="698947"/>
+          </a:xfrm>
+          <a:prstGeom prst="rect">
+            <a:avLst/>
+          </a:prstGeom>
+          <a:solidFill>
+            <a:schemeClr val="bg1">
+              <a:alpha val="60000"/>
+            </a:schemeClr>
+          </a:solidFill>
+        </p:spPr>
+        <p:txBody>
+          <a:bodyPr wrap="square" rtlCol="0">
+            <a:normAutofit fontScale="85000" lnSpcReduction="20000"/>
+          </a:bodyPr>
+          <a:lstStyle/>
+          <a:p>
+            <a:r>
+              <a:rPr lang="en-GB" dirty="0"/>
+              <a:t>CNF and /or VNF Management via Kubernetes</a:t>
+            </a:r>
+          </a:p>
+        </p:txBody>
+      </p:sp>
+      <p:sp>
+        <p:nvSpPr>
+          <p:cNvPr id="128" name="TextBox 127">
+            <a:extLst>
+              <a:ext uri="{FF2B5EF4-FFF2-40B4-BE49-F238E27FC236}">
+                <a16:creationId xmlns:a16="http://schemas.microsoft.com/office/drawing/2014/main" id="{A95760BA-BEB8-F145-945B-B460558F2E5C}"/>
+              </a:ext>
+            </a:extLst>
+          </p:cNvPr>
+          <p:cNvSpPr txBox="1"/>
+          <p:nvPr/>
+        </p:nvSpPr>
+        <p:spPr>
+          <a:xfrm>
+            <a:off x="5547999" y="6198983"/>
+            <a:ext cx="1351188" cy="461011"/>
+          </a:xfrm>
+          <a:prstGeom prst="rect">
+            <a:avLst/>
+          </a:prstGeom>
+          <a:solidFill>
+            <a:schemeClr val="bg1">
+              <a:alpha val="60000"/>
+            </a:schemeClr>
+          </a:solidFill>
+        </p:spPr>
+        <p:txBody>
+          <a:bodyPr wrap="square" rtlCol="0">
+            <a:normAutofit fontScale="77500" lnSpcReduction="20000"/>
+          </a:bodyPr>
+          <a:lstStyle/>
+          <a:p>
+            <a:r>
+              <a:rPr lang="en-GB" dirty="0"/>
+              <a:t>For k8s </a:t>
+            </a:r>
+            <a:r>
+              <a:rPr lang="en-GB" dirty="0" err="1"/>
+              <a:t>mgmt</a:t>
+            </a:r>
+            <a:r>
+              <a:rPr lang="en-GB" dirty="0"/>
+              <a:t> of VMs</a:t>
+            </a:r>
+          </a:p>
+        </p:txBody>
+      </p:sp>
+      <p:sp>
+        <p:nvSpPr>
+          <p:cNvPr id="129" name="TextBox 128">
+            <a:extLst>
+              <a:ext uri="{FF2B5EF4-FFF2-40B4-BE49-F238E27FC236}">
+                <a16:creationId xmlns:a16="http://schemas.microsoft.com/office/drawing/2014/main" id="{AA01B382-76F0-7547-8E86-A2CEE2163222}"/>
+              </a:ext>
+            </a:extLst>
+          </p:cNvPr>
+          <p:cNvSpPr txBox="1"/>
+          <p:nvPr/>
+        </p:nvSpPr>
+        <p:spPr>
+          <a:xfrm>
+            <a:off x="10318707" y="2861854"/>
+            <a:ext cx="1717769" cy="491061"/>
+          </a:xfrm>
+          <a:prstGeom prst="rect">
+            <a:avLst/>
+          </a:prstGeom>
+          <a:solidFill>
+            <a:schemeClr val="bg1">
+              <a:alpha val="60000"/>
+            </a:schemeClr>
+          </a:solidFill>
+        </p:spPr>
+        <p:txBody>
+          <a:bodyPr wrap="square" rtlCol="0">
+            <a:normAutofit fontScale="85000" lnSpcReduction="20000"/>
+          </a:bodyPr>
+          <a:lstStyle/>
+          <a:p>
+            <a:r>
+              <a:rPr lang="en-GB" dirty="0"/>
+              <a:t>VNF Management via VIM (direct)</a:t>
+            </a:r>
+          </a:p>
+        </p:txBody>
+      </p:sp>
+      <p:sp>
+        <p:nvSpPr>
+          <p:cNvPr id="130" name="TextBox 129">
+            <a:extLst>
+              <a:ext uri="{FF2B5EF4-FFF2-40B4-BE49-F238E27FC236}">
+                <a16:creationId xmlns:a16="http://schemas.microsoft.com/office/drawing/2014/main" id="{2E7645BC-4CEE-6C48-87D0-9F8459ED0FC8}"/>
+              </a:ext>
+            </a:extLst>
+          </p:cNvPr>
+          <p:cNvSpPr txBox="1"/>
+          <p:nvPr/>
+        </p:nvSpPr>
+        <p:spPr>
+          <a:xfrm>
+            <a:off x="3320688" y="5606226"/>
+            <a:ext cx="2711457" cy="264961"/>
+          </a:xfrm>
+          <a:prstGeom prst="rect">
+            <a:avLst/>
+          </a:prstGeom>
+          <a:solidFill>
+            <a:schemeClr val="bg1">
+              <a:alpha val="60000"/>
+            </a:schemeClr>
+          </a:solidFill>
+        </p:spPr>
+        <p:txBody>
+          <a:bodyPr wrap="square" rtlCol="0">
+            <a:normAutofit fontScale="70000" lnSpcReduction="20000"/>
+          </a:bodyPr>
+          <a:lstStyle/>
+          <a:p>
+            <a:r>
+              <a:rPr lang="en-GB" dirty="0"/>
+              <a:t>Consumption of virtual resources</a:t>
+            </a:r>
+          </a:p>
+        </p:txBody>
+      </p:sp>
+      <p:sp>
+        <p:nvSpPr>
+          <p:cNvPr id="131" name="TextBox 130">
+            <a:extLst>
+              <a:ext uri="{FF2B5EF4-FFF2-40B4-BE49-F238E27FC236}">
+                <a16:creationId xmlns:a16="http://schemas.microsoft.com/office/drawing/2014/main" id="{498C8F2F-22C2-334B-8EE1-5F8DE5E624D3}"/>
+              </a:ext>
+            </a:extLst>
+          </p:cNvPr>
+          <p:cNvSpPr txBox="1"/>
+          <p:nvPr/>
+        </p:nvSpPr>
+        <p:spPr>
+          <a:xfrm>
+            <a:off x="13446331" y="2836052"/>
+            <a:ext cx="1869030" cy="615487"/>
+          </a:xfrm>
+          <a:prstGeom prst="rect">
+            <a:avLst/>
+          </a:prstGeom>
+          <a:solidFill>
+            <a:schemeClr val="bg1">
+              <a:alpha val="60000"/>
+            </a:schemeClr>
+          </a:solidFill>
+        </p:spPr>
+        <p:txBody>
+          <a:bodyPr wrap="square" rtlCol="0">
+            <a:normAutofit lnSpcReduction="10000"/>
+          </a:bodyPr>
+          <a:lstStyle/>
+          <a:p>
+            <a:r>
+              <a:rPr lang="en-GB" dirty="0"/>
+              <a:t>VNF Management via VIM (indirect)</a:t>
+            </a:r>
+          </a:p>
+        </p:txBody>
+      </p:sp>
+      <p:cxnSp>
+        <p:nvCxnSpPr>
+          <p:cNvPr id="45" name="Straight Connector 44">
+            <a:extLst>
+              <a:ext uri="{FF2B5EF4-FFF2-40B4-BE49-F238E27FC236}">
+                <a16:creationId xmlns:a16="http://schemas.microsoft.com/office/drawing/2014/main" id="{0401C3F9-65C6-4549-AEAA-EF6F2CFD7C88}"/>
+              </a:ext>
+            </a:extLst>
+          </p:cNvPr>
+          <p:cNvCxnSpPr>
+            <a:cxnSpLocks/>
+            <a:endCxn id="32" idx="0"/>
+          </p:cNvCxnSpPr>
+          <p:nvPr/>
+        </p:nvCxnSpPr>
+        <p:spPr>
+          <a:xfrm>
+            <a:off x="3718366" y="5314606"/>
+            <a:ext cx="6697042" cy="1789412"/>
+          </a:xfrm>
+          <a:prstGeom prst="line">
+            <a:avLst/>
+          </a:prstGeom>
+          <a:ln>
+            <a:solidFill>
+              <a:srgbClr val="00B050"/>
+            </a:solidFill>
+            <a:headEnd type="oval" w="med" len="med"/>
+            <a:tailEnd type="oval" w="med" len="med"/>
+          </a:ln>
+        </p:spPr>
+        <p:style>
+          <a:lnRef idx="1">
+            <a:schemeClr val="accent1"/>
+          </a:lnRef>
+          <a:fillRef idx="0">
+            <a:schemeClr val="accent1"/>
+          </a:fillRef>
+          <a:effectRef idx="0">
+            <a:schemeClr val="accent1"/>
+          </a:effectRef>
+          <a:fontRef idx="minor">
+            <a:schemeClr val="tx1"/>
+          </a:fontRef>
+        </p:style>
+      </p:cxnSp>
+      <p:cxnSp>
+        <p:nvCxnSpPr>
+          <p:cNvPr id="48" name="Straight Connector 47">
+            <a:extLst>
+              <a:ext uri="{FF2B5EF4-FFF2-40B4-BE49-F238E27FC236}">
+                <a16:creationId xmlns:a16="http://schemas.microsoft.com/office/drawing/2014/main" id="{0CF95511-BB90-CF4A-92D0-6A6AA5B0312C}"/>
+              </a:ext>
+            </a:extLst>
+          </p:cNvPr>
+          <p:cNvCxnSpPr>
+            <a:cxnSpLocks/>
+          </p:cNvCxnSpPr>
+          <p:nvPr/>
+        </p:nvCxnSpPr>
+        <p:spPr>
+          <a:xfrm>
+            <a:off x="6148520" y="5311240"/>
+            <a:ext cx="4261177" cy="1792777"/>
+          </a:xfrm>
+          <a:prstGeom prst="line">
+            <a:avLst/>
+          </a:prstGeom>
+          <a:ln>
+            <a:solidFill>
+              <a:srgbClr val="00B050"/>
+            </a:solidFill>
+            <a:headEnd type="oval" w="med" len="med"/>
+            <a:tailEnd type="oval" w="med" len="med"/>
+          </a:ln>
+        </p:spPr>
+        <p:style>
+          <a:lnRef idx="1">
+            <a:schemeClr val="accent1"/>
+          </a:lnRef>
+          <a:fillRef idx="0">
+            <a:schemeClr val="accent1"/>
+          </a:fillRef>
+          <a:effectRef idx="0">
+            <a:schemeClr val="accent1"/>
+          </a:effectRef>
+          <a:fontRef idx="minor">
+            <a:schemeClr val="tx1"/>
+          </a:fontRef>
+        </p:style>
+      </p:cxnSp>
+    </p:spTree>
+    <p:extLst>
+      <p:ext uri="{BB962C8B-B14F-4D97-AF65-F5344CB8AC3E}">
+        <p14:creationId xmlns:p14="http://schemas.microsoft.com/office/powerpoint/2010/main" val="3871600951"/>
+      </p:ext>
+    </p:extLst>
+  </p:cSld>
+  <p:clrMapOvr>
+    <a:masterClrMapping/>
+  </p:clrMapOvr>
+</p:sld>
+</file>
+
+<file path=ppt/slides/slide4.xml><?xml version="1.0" encoding="utf-8"?>
+<p:sld xmlns:a="http://schemas.openxmlformats.org/drawingml/2006/main" xmlns:r="http://schemas.openxmlformats.org/officeDocument/2006/relationships" xmlns:p="http://schemas.openxmlformats.org/presentationml/2006/main">
+  <p:cSld>
+    <p:bg>
+      <p:bgPr>
+        <a:solidFill>
+          <a:schemeClr val="bg1"/>
+        </a:solidFill>
+        <a:effectLst/>
+      </p:bgPr>
+    </p:bg>
+    <p:spTree>
+      <p:nvGrpSpPr>
+        <p:cNvPr id="1" name=""/>
+        <p:cNvGrpSpPr/>
+        <p:nvPr/>
+      </p:nvGrpSpPr>
+      <p:grpSpPr>
+        <a:xfrm>
+          <a:off x="0" y="0"/>
+          <a:ext cx="0" cy="0"/>
+          <a:chOff x="0" y="0"/>
+          <a:chExt cx="0" cy="0"/>
+        </a:xfrm>
+      </p:grpSpPr>
+      <p:sp>
+        <p:nvSpPr>
+          <p:cNvPr id="132" name="Rectangle 131">
+            <a:extLst>
+              <a:ext uri="{FF2B5EF4-FFF2-40B4-BE49-F238E27FC236}">
+                <a16:creationId xmlns:a16="http://schemas.microsoft.com/office/drawing/2014/main" id="{67D8EE25-55FE-F540-A763-4D9EDF7ADBD4}"/>
+              </a:ext>
+            </a:extLst>
+          </p:cNvPr>
+          <p:cNvSpPr/>
+          <p:nvPr/>
+        </p:nvSpPr>
+        <p:spPr>
+          <a:xfrm>
+            <a:off x="1714500" y="1019763"/>
+            <a:ext cx="14859000" cy="8701753"/>
+          </a:xfrm>
+          <a:prstGeom prst="rect">
+            <a:avLst/>
+          </a:prstGeom>
+          <a:solidFill>
+            <a:schemeClr val="bg1"/>
+          </a:solidFill>
+          <a:ln w="9525" cap="flat" cmpd="sng" algn="ctr">
+            <a:noFill/>
+            <a:prstDash val="solid"/>
+            <a:round/>
+            <a:headEnd type="none" w="med" len="med"/>
+            <a:tailEnd type="none" w="med" len="med"/>
+          </a:ln>
+        </p:spPr>
+        <p:style>
+          <a:lnRef idx="0">
+            <a:scrgbClr r="0" g="0" b="0"/>
+          </a:lnRef>
+          <a:fillRef idx="0">
+            <a:scrgbClr r="0" g="0" b="0"/>
+          </a:fillRef>
+          <a:effectRef idx="0">
+            <a:scrgbClr r="0" g="0" b="0"/>
+          </a:effectRef>
+          <a:fontRef idx="minor">
+            <a:schemeClr val="dk1"/>
+          </a:fontRef>
+        </p:style>
+        <p:txBody>
+          <a:bodyPr rtlCol="0" anchor="t"/>
+          <a:lstStyle/>
+          <a:p>
+            <a:pPr algn="r"/>
+            <a:endParaRPr lang="en-GB" dirty="0"/>
+          </a:p>
+        </p:txBody>
+      </p:sp>
+      <p:sp>
+        <p:nvSpPr>
+          <p:cNvPr id="9" name="Rectangle 8">
+            <a:extLst>
+              <a:ext uri="{FF2B5EF4-FFF2-40B4-BE49-F238E27FC236}">
+                <a16:creationId xmlns:a16="http://schemas.microsoft.com/office/drawing/2014/main" id="{578C5579-C45F-D94F-B094-77C228227083}"/>
+              </a:ext>
+            </a:extLst>
+          </p:cNvPr>
+          <p:cNvSpPr/>
+          <p:nvPr/>
+        </p:nvSpPr>
+        <p:spPr>
+          <a:xfrm>
+            <a:off x="2025830" y="6719863"/>
+            <a:ext cx="5829300" cy="2840083"/>
+          </a:xfrm>
+          <a:prstGeom prst="rect">
+            <a:avLst/>
+          </a:prstGeom>
+          <a:noFill/>
+          <a:ln w="9525" cap="flat" cmpd="sng" algn="ctr">
+            <a:solidFill>
+              <a:schemeClr val="tx1"/>
+            </a:solidFill>
+            <a:prstDash val="solid"/>
+            <a:round/>
+            <a:headEnd type="none" w="med" len="med"/>
+            <a:tailEnd type="none" w="med" len="med"/>
+          </a:ln>
+        </p:spPr>
+        <p:style>
+          <a:lnRef idx="0">
+            <a:scrgbClr r="0" g="0" b="0"/>
+          </a:lnRef>
+          <a:fillRef idx="0">
+            <a:scrgbClr r="0" g="0" b="0"/>
+          </a:fillRef>
+          <a:effectRef idx="0">
+            <a:scrgbClr r="0" g="0" b="0"/>
+          </a:effectRef>
+          <a:fontRef idx="minor">
+            <a:schemeClr val="dk1"/>
+          </a:fontRef>
+        </p:style>
+        <p:txBody>
+          <a:bodyPr rtlCol="0" anchor="t"/>
+          <a:lstStyle/>
+          <a:p>
+            <a:r>
+              <a:rPr lang="en-GB" dirty="0"/>
+              <a:t>RA1 Scope</a:t>
+            </a:r>
+          </a:p>
+        </p:txBody>
+      </p:sp>
+      <p:sp>
+        <p:nvSpPr>
+          <p:cNvPr id="19" name="Rectangle 18">
+            <a:extLst>
+              <a:ext uri="{FF2B5EF4-FFF2-40B4-BE49-F238E27FC236}">
+                <a16:creationId xmlns:a16="http://schemas.microsoft.com/office/drawing/2014/main" id="{E451607F-F309-A84C-BADC-A132A3159EA6}"/>
+              </a:ext>
+            </a:extLst>
+          </p:cNvPr>
+          <p:cNvSpPr/>
+          <p:nvPr/>
+        </p:nvSpPr>
+        <p:spPr>
+          <a:xfrm>
+            <a:off x="2239191" y="7064940"/>
+            <a:ext cx="5402579" cy="1519647"/>
+          </a:xfrm>
+          <a:prstGeom prst="rect">
+            <a:avLst/>
+          </a:prstGeom>
+          <a:noFill/>
+          <a:ln w="9525" cap="flat" cmpd="sng" algn="ctr">
+            <a:solidFill>
+              <a:schemeClr val="tx1"/>
+            </a:solidFill>
+            <a:prstDash val="solid"/>
+            <a:round/>
+            <a:headEnd type="none" w="med" len="med"/>
+            <a:tailEnd type="none" w="med" len="med"/>
+          </a:ln>
+        </p:spPr>
+        <p:style>
+          <a:lnRef idx="0">
+            <a:scrgbClr r="0" g="0" b="0"/>
+          </a:lnRef>
+          <a:fillRef idx="0">
+            <a:scrgbClr r="0" g="0" b="0"/>
+          </a:fillRef>
+          <a:effectRef idx="0">
+            <a:scrgbClr r="0" g="0" b="0"/>
+          </a:effectRef>
+          <a:fontRef idx="minor">
+            <a:schemeClr val="dk1"/>
+          </a:fontRef>
+        </p:style>
+        <p:txBody>
+          <a:bodyPr rtlCol="0" anchor="t"/>
+          <a:lstStyle/>
+          <a:p>
+            <a:pPr algn="r"/>
+            <a:r>
+              <a:rPr lang="en-GB" dirty="0"/>
+              <a:t>OpenStack</a:t>
+            </a:r>
+          </a:p>
+        </p:txBody>
+      </p:sp>
+      <p:sp>
+        <p:nvSpPr>
+          <p:cNvPr id="20" name="Rectangle 19">
+            <a:extLst>
+              <a:ext uri="{FF2B5EF4-FFF2-40B4-BE49-F238E27FC236}">
+                <a16:creationId xmlns:a16="http://schemas.microsoft.com/office/drawing/2014/main" id="{94613F17-512D-7C4C-A503-27EBEC208F52}"/>
+              </a:ext>
+            </a:extLst>
+          </p:cNvPr>
+          <p:cNvSpPr/>
+          <p:nvPr/>
+        </p:nvSpPr>
+        <p:spPr>
+          <a:xfrm>
+            <a:off x="2239191" y="8750049"/>
+            <a:ext cx="5402579" cy="644435"/>
+          </a:xfrm>
+          <a:prstGeom prst="rect">
+            <a:avLst/>
+          </a:prstGeom>
+          <a:noFill/>
+          <a:ln w="9525" cap="flat" cmpd="sng" algn="ctr">
+            <a:solidFill>
+              <a:schemeClr val="tx1"/>
+            </a:solidFill>
+            <a:prstDash val="solid"/>
+            <a:round/>
+            <a:headEnd type="none" w="med" len="med"/>
+            <a:tailEnd type="none" w="med" len="med"/>
+          </a:ln>
+        </p:spPr>
+        <p:style>
+          <a:lnRef idx="0">
+            <a:scrgbClr r="0" g="0" b="0"/>
+          </a:lnRef>
+          <a:fillRef idx="0">
+            <a:scrgbClr r="0" g="0" b="0"/>
+          </a:fillRef>
+          <a:effectRef idx="0">
+            <a:scrgbClr r="0" g="0" b="0"/>
+          </a:effectRef>
+          <a:fontRef idx="minor">
+            <a:schemeClr val="dk1"/>
+          </a:fontRef>
+        </p:style>
+        <p:txBody>
+          <a:bodyPr rtlCol="0" anchor="ctr"/>
+          <a:lstStyle/>
+          <a:p>
+            <a:pPr algn="ctr"/>
+            <a:r>
+              <a:rPr lang="en-GB" dirty="0"/>
+              <a:t>NFVI Hardware</a:t>
+            </a:r>
+          </a:p>
+        </p:txBody>
+      </p:sp>
+      <p:sp>
+        <p:nvSpPr>
+          <p:cNvPr id="21" name="Rectangle 20">
+            <a:extLst>
+              <a:ext uri="{FF2B5EF4-FFF2-40B4-BE49-F238E27FC236}">
+                <a16:creationId xmlns:a16="http://schemas.microsoft.com/office/drawing/2014/main" id="{A708D470-3F37-124B-9FC7-FB2A8CAD5ECD}"/>
+              </a:ext>
+            </a:extLst>
+          </p:cNvPr>
+          <p:cNvSpPr/>
+          <p:nvPr/>
+        </p:nvSpPr>
+        <p:spPr>
+          <a:xfrm>
+            <a:off x="2552701" y="7585278"/>
+            <a:ext cx="2176054" cy="644435"/>
+          </a:xfrm>
+          <a:prstGeom prst="rect">
+            <a:avLst/>
+          </a:prstGeom>
+          <a:noFill/>
+          <a:ln w="9525" cap="flat" cmpd="sng" algn="ctr">
+            <a:solidFill>
+              <a:schemeClr val="tx1"/>
+            </a:solidFill>
+            <a:prstDash val="solid"/>
+            <a:round/>
+            <a:headEnd type="none" w="med" len="med"/>
+            <a:tailEnd type="none" w="med" len="med"/>
+          </a:ln>
+        </p:spPr>
+        <p:style>
+          <a:lnRef idx="0">
+            <a:scrgbClr r="0" g="0" b="0"/>
+          </a:lnRef>
+          <a:fillRef idx="0">
+            <a:scrgbClr r="0" g="0" b="0"/>
+          </a:fillRef>
+          <a:effectRef idx="0">
+            <a:scrgbClr r="0" g="0" b="0"/>
+          </a:effectRef>
+          <a:fontRef idx="minor">
+            <a:schemeClr val="dk1"/>
+          </a:fontRef>
+        </p:style>
+        <p:txBody>
+          <a:bodyPr rtlCol="0" anchor="ctr"/>
+          <a:lstStyle/>
+          <a:p>
+            <a:pPr algn="ctr"/>
+            <a:r>
+              <a:rPr lang="en-GB" dirty="0"/>
+              <a:t>NFVI Software</a:t>
+            </a:r>
+          </a:p>
+        </p:txBody>
+      </p:sp>
+      <p:sp>
+        <p:nvSpPr>
+          <p:cNvPr id="22" name="Rectangle 21">
+            <a:extLst>
+              <a:ext uri="{FF2B5EF4-FFF2-40B4-BE49-F238E27FC236}">
+                <a16:creationId xmlns:a16="http://schemas.microsoft.com/office/drawing/2014/main" id="{43483029-B9C1-E944-A1FA-8F024B414FA1}"/>
+              </a:ext>
+            </a:extLst>
+          </p:cNvPr>
+          <p:cNvSpPr/>
+          <p:nvPr/>
+        </p:nvSpPr>
+        <p:spPr>
+          <a:xfrm>
+            <a:off x="5153842" y="7585278"/>
+            <a:ext cx="2176054" cy="644435"/>
+          </a:xfrm>
+          <a:prstGeom prst="rect">
+            <a:avLst/>
+          </a:prstGeom>
+          <a:noFill/>
+          <a:ln w="9525" cap="flat" cmpd="sng" algn="ctr">
+            <a:solidFill>
+              <a:schemeClr val="tx1"/>
+            </a:solidFill>
+            <a:prstDash val="solid"/>
+            <a:round/>
+            <a:headEnd type="none" w="med" len="med"/>
+            <a:tailEnd type="none" w="med" len="med"/>
+          </a:ln>
+        </p:spPr>
+        <p:style>
+          <a:lnRef idx="0">
+            <a:scrgbClr r="0" g="0" b="0"/>
+          </a:lnRef>
+          <a:fillRef idx="0">
+            <a:scrgbClr r="0" g="0" b="0"/>
+          </a:fillRef>
+          <a:effectRef idx="0">
+            <a:scrgbClr r="0" g="0" b="0"/>
+          </a:effectRef>
+          <a:fontRef idx="minor">
+            <a:schemeClr val="dk1"/>
+          </a:fontRef>
+        </p:style>
+        <p:txBody>
+          <a:bodyPr rtlCol="0" anchor="ctr"/>
+          <a:lstStyle/>
+          <a:p>
+            <a:pPr algn="ctr"/>
+            <a:r>
+              <a:rPr lang="en-GB" dirty="0"/>
+              <a:t>VIM</a:t>
+            </a:r>
+          </a:p>
+        </p:txBody>
+      </p:sp>
+      <p:cxnSp>
+        <p:nvCxnSpPr>
+          <p:cNvPr id="13" name="Elbow Connector 12">
+            <a:extLst>
+              <a:ext uri="{FF2B5EF4-FFF2-40B4-BE49-F238E27FC236}">
+                <a16:creationId xmlns:a16="http://schemas.microsoft.com/office/drawing/2014/main" id="{28DF97BD-7674-114A-9061-4813232F2AD4}"/>
+              </a:ext>
+            </a:extLst>
+          </p:cNvPr>
+          <p:cNvCxnSpPr>
+            <a:stCxn id="21" idx="2"/>
+          </p:cNvCxnSpPr>
+          <p:nvPr/>
+        </p:nvCxnSpPr>
+        <p:spPr>
+          <a:xfrm rot="16200000" flipH="1">
+            <a:off x="3382464" y="8487976"/>
+            <a:ext cx="520336" cy="3809"/>
+          </a:xfrm>
+          <a:prstGeom prst="bentConnector3">
+            <a:avLst/>
+          </a:prstGeom>
+          <a:ln>
+            <a:solidFill>
+              <a:schemeClr val="tx1"/>
+            </a:solidFill>
+            <a:headEnd type="oval" w="med" len="med"/>
+            <a:tailEnd type="oval" w="med" len="med"/>
+          </a:ln>
+        </p:spPr>
+        <p:style>
+          <a:lnRef idx="1">
+            <a:schemeClr val="accent1"/>
+          </a:lnRef>
+          <a:fillRef idx="0">
+            <a:schemeClr val="accent1"/>
+          </a:fillRef>
+          <a:effectRef idx="0">
+            <a:schemeClr val="accent1"/>
+          </a:effectRef>
+          <a:fontRef idx="minor">
+            <a:schemeClr val="tx1"/>
+          </a:fontRef>
+        </p:style>
+      </p:cxnSp>
+      <p:sp>
+        <p:nvSpPr>
+          <p:cNvPr id="23" name="Rectangle 22">
+            <a:extLst>
+              <a:ext uri="{FF2B5EF4-FFF2-40B4-BE49-F238E27FC236}">
+                <a16:creationId xmlns:a16="http://schemas.microsoft.com/office/drawing/2014/main" id="{B7B7CAB7-7F35-254A-B869-A0F75888AFA7}"/>
+              </a:ext>
+            </a:extLst>
+          </p:cNvPr>
+          <p:cNvSpPr/>
+          <p:nvPr/>
+        </p:nvSpPr>
+        <p:spPr>
+          <a:xfrm>
+            <a:off x="5761933" y="1697081"/>
+            <a:ext cx="2176054" cy="644435"/>
+          </a:xfrm>
+          <a:prstGeom prst="rect">
+            <a:avLst/>
+          </a:prstGeom>
+          <a:noFill/>
+          <a:ln w="9525" cap="flat" cmpd="sng" algn="ctr">
+            <a:solidFill>
+              <a:schemeClr val="dk1"/>
+            </a:solidFill>
+            <a:prstDash val="solid"/>
+            <a:round/>
+            <a:headEnd type="none" w="med" len="med"/>
+            <a:tailEnd type="none" w="med" len="med"/>
+          </a:ln>
+        </p:spPr>
+        <p:style>
+          <a:lnRef idx="0">
+            <a:scrgbClr r="0" g="0" b="0"/>
+          </a:lnRef>
+          <a:fillRef idx="0">
+            <a:scrgbClr r="0" g="0" b="0"/>
+          </a:fillRef>
+          <a:effectRef idx="0">
+            <a:scrgbClr r="0" g="0" b="0"/>
+          </a:effectRef>
+          <a:fontRef idx="minor">
+            <a:schemeClr val="dk1"/>
+          </a:fontRef>
+        </p:style>
+        <p:txBody>
+          <a:bodyPr rtlCol="0" anchor="ctr"/>
+          <a:lstStyle/>
+          <a:p>
+            <a:pPr algn="ctr"/>
+            <a:r>
+              <a:rPr lang="en-GB" dirty="0"/>
+              <a:t>VM-based Components</a:t>
+            </a:r>
+          </a:p>
+        </p:txBody>
+      </p:sp>
+      <p:sp>
+        <p:nvSpPr>
+          <p:cNvPr id="24" name="Rectangle 23">
+            <a:extLst>
+              <a:ext uri="{FF2B5EF4-FFF2-40B4-BE49-F238E27FC236}">
+                <a16:creationId xmlns:a16="http://schemas.microsoft.com/office/drawing/2014/main" id="{6F8C84AE-FB74-AB47-9141-4EC78259D0BA}"/>
+              </a:ext>
+            </a:extLst>
+          </p:cNvPr>
+          <p:cNvSpPr/>
+          <p:nvPr/>
+        </p:nvSpPr>
+        <p:spPr>
+          <a:xfrm>
+            <a:off x="14037085" y="1697081"/>
+            <a:ext cx="2176054" cy="644435"/>
+          </a:xfrm>
+          <a:prstGeom prst="rect">
+            <a:avLst/>
+          </a:prstGeom>
+          <a:noFill/>
+          <a:ln w="9525" cap="flat" cmpd="sng" algn="ctr">
+            <a:solidFill>
+              <a:schemeClr val="dk1"/>
+            </a:solidFill>
+            <a:prstDash val="solid"/>
+            <a:round/>
+            <a:headEnd type="none" w="med" len="med"/>
+            <a:tailEnd type="none" w="med" len="med"/>
+          </a:ln>
+        </p:spPr>
+        <p:style>
+          <a:lnRef idx="0">
+            <a:scrgbClr r="0" g="0" b="0"/>
+          </a:lnRef>
+          <a:fillRef idx="0">
+            <a:scrgbClr r="0" g="0" b="0"/>
+          </a:fillRef>
+          <a:effectRef idx="0">
+            <a:scrgbClr r="0" g="0" b="0"/>
+          </a:effectRef>
+          <a:fontRef idx="minor">
+            <a:schemeClr val="dk1"/>
+          </a:fontRef>
+        </p:style>
+        <p:txBody>
+          <a:bodyPr rtlCol="0" anchor="ctr"/>
+          <a:lstStyle/>
+          <a:p>
+            <a:pPr algn="ctr"/>
+            <a:r>
+              <a:rPr lang="en-GB" dirty="0"/>
+              <a:t>NFVOs</a:t>
+            </a:r>
+          </a:p>
+        </p:txBody>
+      </p:sp>
+      <p:sp>
+        <p:nvSpPr>
+          <p:cNvPr id="25" name="Rectangle 24">
+            <a:extLst>
+              <a:ext uri="{FF2B5EF4-FFF2-40B4-BE49-F238E27FC236}">
+                <a16:creationId xmlns:a16="http://schemas.microsoft.com/office/drawing/2014/main" id="{40455850-CB88-9947-AD43-63F13913C246}"/>
+              </a:ext>
+            </a:extLst>
+          </p:cNvPr>
+          <p:cNvSpPr/>
+          <p:nvPr/>
+        </p:nvSpPr>
+        <p:spPr>
+          <a:xfrm>
+            <a:off x="10095368" y="1697081"/>
+            <a:ext cx="2176054" cy="644435"/>
+          </a:xfrm>
+          <a:prstGeom prst="rect">
+            <a:avLst/>
+          </a:prstGeom>
+          <a:noFill/>
+          <a:ln w="9525" cap="flat" cmpd="sng" algn="ctr">
+            <a:solidFill>
+              <a:schemeClr val="dk1"/>
+            </a:solidFill>
+            <a:prstDash val="solid"/>
+            <a:round/>
+            <a:headEnd type="none" w="med" len="med"/>
+            <a:tailEnd type="none" w="med" len="med"/>
+          </a:ln>
+        </p:spPr>
+        <p:style>
+          <a:lnRef idx="0">
+            <a:scrgbClr r="0" g="0" b="0"/>
+          </a:lnRef>
+          <a:fillRef idx="0">
+            <a:scrgbClr r="0" g="0" b="0"/>
+          </a:fillRef>
+          <a:effectRef idx="0">
+            <a:scrgbClr r="0" g="0" b="0"/>
+          </a:effectRef>
+          <a:fontRef idx="minor">
+            <a:schemeClr val="dk1"/>
+          </a:fontRef>
+        </p:style>
+        <p:txBody>
+          <a:bodyPr rtlCol="0" anchor="ctr"/>
+          <a:lstStyle/>
+          <a:p>
+            <a:pPr algn="ctr"/>
+            <a:r>
+              <a:rPr lang="en-GB" dirty="0"/>
+              <a:t>VNFMs</a:t>
+            </a:r>
+          </a:p>
+        </p:txBody>
+      </p:sp>
+      <p:sp>
+        <p:nvSpPr>
+          <p:cNvPr id="26" name="Rectangle 25">
+            <a:extLst>
+              <a:ext uri="{FF2B5EF4-FFF2-40B4-BE49-F238E27FC236}">
+                <a16:creationId xmlns:a16="http://schemas.microsoft.com/office/drawing/2014/main" id="{55D7B951-E010-D448-A346-47D4397B3BAD}"/>
+              </a:ext>
+            </a:extLst>
+          </p:cNvPr>
+          <p:cNvSpPr/>
+          <p:nvPr/>
+        </p:nvSpPr>
+        <p:spPr>
+          <a:xfrm>
+            <a:off x="9842820" y="1124494"/>
+            <a:ext cx="6611438" cy="1519647"/>
+          </a:xfrm>
+          <a:prstGeom prst="rect">
+            <a:avLst/>
+          </a:prstGeom>
+          <a:noFill/>
+          <a:ln w="9525" cap="flat" cmpd="sng" algn="ctr">
+            <a:solidFill>
+              <a:schemeClr val="dk1"/>
+            </a:solidFill>
+            <a:prstDash val="solid"/>
+            <a:round/>
+            <a:headEnd type="none" w="med" len="med"/>
+            <a:tailEnd type="none" w="med" len="med"/>
+          </a:ln>
+        </p:spPr>
+        <p:style>
+          <a:lnRef idx="0">
+            <a:scrgbClr r="0" g="0" b="0"/>
+          </a:lnRef>
+          <a:fillRef idx="0">
+            <a:scrgbClr r="0" g="0" b="0"/>
+          </a:fillRef>
+          <a:effectRef idx="0">
+            <a:scrgbClr r="0" g="0" b="0"/>
+          </a:effectRef>
+          <a:fontRef idx="minor">
+            <a:schemeClr val="dk1"/>
+          </a:fontRef>
+        </p:style>
+        <p:txBody>
+          <a:bodyPr rtlCol="0" anchor="t"/>
+          <a:lstStyle/>
+          <a:p>
+            <a:pPr algn="r"/>
+            <a:r>
+              <a:rPr lang="en-GB" dirty="0"/>
+              <a:t>Application Management</a:t>
+            </a:r>
+          </a:p>
+        </p:txBody>
+      </p:sp>
+      <p:sp>
+        <p:nvSpPr>
+          <p:cNvPr id="27" name="Rectangle 26">
+            <a:extLst>
+              <a:ext uri="{FF2B5EF4-FFF2-40B4-BE49-F238E27FC236}">
+                <a16:creationId xmlns:a16="http://schemas.microsoft.com/office/drawing/2014/main" id="{2446017A-C315-C646-AED0-9D89F0384501}"/>
+              </a:ext>
+            </a:extLst>
+          </p:cNvPr>
+          <p:cNvSpPr/>
+          <p:nvPr/>
+        </p:nvSpPr>
+        <p:spPr>
+          <a:xfrm>
+            <a:off x="2816704" y="4044041"/>
+            <a:ext cx="5402579" cy="1519647"/>
+          </a:xfrm>
+          <a:prstGeom prst="rect">
+            <a:avLst/>
+          </a:prstGeom>
+          <a:noFill/>
+          <a:ln w="9525" cap="flat" cmpd="sng" algn="ctr">
+            <a:solidFill>
+              <a:srgbClr val="00B050"/>
+            </a:solidFill>
+            <a:prstDash val="solid"/>
+            <a:round/>
+            <a:headEnd type="none" w="med" len="med"/>
+            <a:tailEnd type="none" w="med" len="med"/>
+          </a:ln>
+        </p:spPr>
+        <p:style>
+          <a:lnRef idx="0">
+            <a:scrgbClr r="0" g="0" b="0"/>
+          </a:lnRef>
+          <a:fillRef idx="0">
+            <a:scrgbClr r="0" g="0" b="0"/>
+          </a:fillRef>
+          <a:effectRef idx="0">
+            <a:scrgbClr r="0" g="0" b="0"/>
+          </a:effectRef>
+          <a:fontRef idx="minor">
+            <a:schemeClr val="dk1"/>
+          </a:fontRef>
+        </p:style>
+        <p:txBody>
+          <a:bodyPr rtlCol="0" anchor="t"/>
+          <a:lstStyle/>
+          <a:p>
+            <a:pPr algn="r"/>
+            <a:r>
+              <a:rPr lang="en-GB" b="1" dirty="0">
+                <a:solidFill>
+                  <a:srgbClr val="00B050"/>
+                </a:solidFill>
+              </a:rPr>
+              <a:t>Kubernetes</a:t>
+            </a:r>
+          </a:p>
+        </p:txBody>
+      </p:sp>
+      <p:sp>
+        <p:nvSpPr>
+          <p:cNvPr id="28" name="Rectangle 27">
+            <a:extLst>
+              <a:ext uri="{FF2B5EF4-FFF2-40B4-BE49-F238E27FC236}">
+                <a16:creationId xmlns:a16="http://schemas.microsoft.com/office/drawing/2014/main" id="{7E64B321-3198-1E4C-A055-391B2A450FD5}"/>
+              </a:ext>
+            </a:extLst>
+          </p:cNvPr>
+          <p:cNvSpPr/>
+          <p:nvPr/>
+        </p:nvSpPr>
+        <p:spPr>
+          <a:xfrm>
+            <a:off x="5638006" y="4642068"/>
+            <a:ext cx="2176054" cy="644435"/>
+          </a:xfrm>
+          <a:prstGeom prst="rect">
+            <a:avLst/>
+          </a:prstGeom>
+          <a:noFill/>
+          <a:ln w="9525" cap="flat" cmpd="sng" algn="ctr">
+            <a:solidFill>
+              <a:srgbClr val="00B050"/>
+            </a:solidFill>
+            <a:prstDash val="solid"/>
+            <a:round/>
+            <a:headEnd type="none" w="med" len="med"/>
+            <a:tailEnd type="none" w="med" len="med"/>
+          </a:ln>
+        </p:spPr>
+        <p:style>
+          <a:lnRef idx="0">
+            <a:scrgbClr r="0" g="0" b="0"/>
+          </a:lnRef>
+          <a:fillRef idx="0">
+            <a:scrgbClr r="0" g="0" b="0"/>
+          </a:fillRef>
+          <a:effectRef idx="0">
+            <a:scrgbClr r="0" g="0" b="0"/>
+          </a:effectRef>
+          <a:fontRef idx="minor">
+            <a:schemeClr val="dk1"/>
+          </a:fontRef>
+        </p:style>
+        <p:txBody>
+          <a:bodyPr rtlCol="0" anchor="ctr"/>
+          <a:lstStyle/>
+          <a:p>
+            <a:pPr algn="ctr"/>
+            <a:r>
+              <a:rPr lang="en-GB" dirty="0"/>
+              <a:t>Kubernetes Masters</a:t>
+            </a:r>
+          </a:p>
+        </p:txBody>
+      </p:sp>
+      <p:sp>
+        <p:nvSpPr>
+          <p:cNvPr id="29" name="Rectangle 28">
+            <a:extLst>
+              <a:ext uri="{FF2B5EF4-FFF2-40B4-BE49-F238E27FC236}">
+                <a16:creationId xmlns:a16="http://schemas.microsoft.com/office/drawing/2014/main" id="{A0660488-B765-DD4F-8686-6D0666705EFF}"/>
+              </a:ext>
+            </a:extLst>
+          </p:cNvPr>
+          <p:cNvSpPr/>
+          <p:nvPr/>
+        </p:nvSpPr>
+        <p:spPr>
+          <a:xfrm>
+            <a:off x="3221651" y="4642068"/>
+            <a:ext cx="2176054" cy="644435"/>
+          </a:xfrm>
+          <a:prstGeom prst="rect">
+            <a:avLst/>
+          </a:prstGeom>
+          <a:noFill/>
+          <a:ln w="9525" cap="flat" cmpd="sng" algn="ctr">
+            <a:solidFill>
+              <a:srgbClr val="00B050"/>
+            </a:solidFill>
+            <a:prstDash val="solid"/>
+            <a:round/>
+            <a:headEnd type="none" w="med" len="med"/>
+            <a:tailEnd type="none" w="med" len="med"/>
+          </a:ln>
+        </p:spPr>
+        <p:style>
+          <a:lnRef idx="0">
+            <a:scrgbClr r="0" g="0" b="0"/>
+          </a:lnRef>
+          <a:fillRef idx="0">
+            <a:scrgbClr r="0" g="0" b="0"/>
+          </a:fillRef>
+          <a:effectRef idx="0">
+            <a:scrgbClr r="0" g="0" b="0"/>
+          </a:effectRef>
+          <a:fontRef idx="minor">
+            <a:schemeClr val="dk1"/>
+          </a:fontRef>
+        </p:style>
+        <p:txBody>
+          <a:bodyPr rtlCol="0" anchor="ctr"/>
+          <a:lstStyle/>
+          <a:p>
+            <a:pPr algn="ctr"/>
+            <a:r>
+              <a:rPr lang="en-GB" dirty="0"/>
+              <a:t>Kubernetes Workers</a:t>
+            </a:r>
+          </a:p>
+        </p:txBody>
+      </p:sp>
+      <p:sp>
+        <p:nvSpPr>
+          <p:cNvPr id="30" name="Rectangle 29">
+            <a:extLst>
+              <a:ext uri="{FF2B5EF4-FFF2-40B4-BE49-F238E27FC236}">
+                <a16:creationId xmlns:a16="http://schemas.microsoft.com/office/drawing/2014/main" id="{506DB68D-B16A-0047-8550-9073C21B6830}"/>
+              </a:ext>
+            </a:extLst>
+          </p:cNvPr>
+          <p:cNvSpPr/>
+          <p:nvPr/>
+        </p:nvSpPr>
+        <p:spPr>
+          <a:xfrm>
+            <a:off x="2239191" y="3619500"/>
+            <a:ext cx="6193452" cy="2264229"/>
+          </a:xfrm>
+          <a:prstGeom prst="rect">
+            <a:avLst/>
+          </a:prstGeom>
+          <a:noFill/>
+          <a:ln w="28575" cap="flat" cmpd="sng" algn="ctr">
+            <a:solidFill>
+              <a:srgbClr val="00B050"/>
+            </a:solidFill>
+            <a:prstDash val="solid"/>
+            <a:round/>
+            <a:headEnd type="none" w="med" len="med"/>
+            <a:tailEnd type="none" w="med" len="med"/>
+          </a:ln>
+        </p:spPr>
+        <p:style>
+          <a:lnRef idx="0">
+            <a:scrgbClr r="0" g="0" b="0"/>
+          </a:lnRef>
+          <a:fillRef idx="0">
+            <a:scrgbClr r="0" g="0" b="0"/>
+          </a:fillRef>
+          <a:effectRef idx="0">
+            <a:scrgbClr r="0" g="0" b="0"/>
+          </a:effectRef>
+          <a:fontRef idx="minor">
+            <a:schemeClr val="dk1"/>
+          </a:fontRef>
+        </p:style>
+        <p:txBody>
+          <a:bodyPr rtlCol="0" anchor="t"/>
+          <a:lstStyle/>
+          <a:p>
+            <a:r>
+              <a:rPr lang="en-GB" b="1" dirty="0">
+                <a:solidFill>
+                  <a:srgbClr val="00B050"/>
+                </a:solidFill>
+              </a:rPr>
+              <a:t>RA2 Scope</a:t>
+            </a:r>
+          </a:p>
+        </p:txBody>
+      </p:sp>
+      <p:sp>
+        <p:nvSpPr>
+          <p:cNvPr id="31" name="Rectangle 30">
+            <a:extLst>
+              <a:ext uri="{FF2B5EF4-FFF2-40B4-BE49-F238E27FC236}">
+                <a16:creationId xmlns:a16="http://schemas.microsoft.com/office/drawing/2014/main" id="{598A1287-B59A-4647-B069-360636824215}"/>
+              </a:ext>
+            </a:extLst>
+          </p:cNvPr>
+          <p:cNvSpPr/>
+          <p:nvPr/>
+        </p:nvSpPr>
+        <p:spPr>
+          <a:xfrm>
+            <a:off x="9013871" y="7064940"/>
+            <a:ext cx="5402579" cy="1519647"/>
+          </a:xfrm>
+          <a:prstGeom prst="rect">
+            <a:avLst/>
+          </a:prstGeom>
+          <a:noFill/>
+          <a:ln w="9525" cap="flat" cmpd="sng" algn="ctr">
+            <a:solidFill>
+              <a:schemeClr val="tx1"/>
+            </a:solidFill>
+            <a:prstDash val="solid"/>
+            <a:round/>
+            <a:headEnd type="none" w="med" len="med"/>
+            <a:tailEnd type="none" w="med" len="med"/>
+          </a:ln>
+        </p:spPr>
+        <p:style>
+          <a:lnRef idx="0">
+            <a:scrgbClr r="0" g="0" b="0"/>
+          </a:lnRef>
+          <a:fillRef idx="0">
+            <a:scrgbClr r="0" g="0" b="0"/>
+          </a:fillRef>
+          <a:effectRef idx="0">
+            <a:scrgbClr r="0" g="0" b="0"/>
+          </a:effectRef>
+          <a:fontRef idx="minor">
+            <a:schemeClr val="dk1"/>
+          </a:fontRef>
+        </p:style>
+        <p:txBody>
+          <a:bodyPr rtlCol="0" anchor="t"/>
+          <a:lstStyle/>
+          <a:p>
+            <a:pPr algn="r"/>
+            <a:r>
+              <a:rPr lang="en-GB" dirty="0"/>
+              <a:t>Other Clouds (no CNTT RA)</a:t>
+            </a:r>
+          </a:p>
+        </p:txBody>
+      </p:sp>
+      <p:sp>
+        <p:nvSpPr>
+          <p:cNvPr id="32" name="Rectangle 31">
+            <a:extLst>
+              <a:ext uri="{FF2B5EF4-FFF2-40B4-BE49-F238E27FC236}">
+                <a16:creationId xmlns:a16="http://schemas.microsoft.com/office/drawing/2014/main" id="{2086DE0F-1991-CC46-95F7-8D8846619446}"/>
+              </a:ext>
+            </a:extLst>
+          </p:cNvPr>
+          <p:cNvSpPr/>
+          <p:nvPr/>
+        </p:nvSpPr>
+        <p:spPr>
+          <a:xfrm>
+            <a:off x="9327381" y="7585278"/>
+            <a:ext cx="2176054" cy="644435"/>
+          </a:xfrm>
+          <a:prstGeom prst="rect">
+            <a:avLst/>
+          </a:prstGeom>
+          <a:noFill/>
+          <a:ln w="9525" cap="flat" cmpd="sng" algn="ctr">
+            <a:solidFill>
+              <a:schemeClr val="tx1"/>
+            </a:solidFill>
+            <a:prstDash val="solid"/>
+            <a:round/>
+            <a:headEnd type="none" w="med" len="med"/>
+            <a:tailEnd type="none" w="med" len="med"/>
+          </a:ln>
+        </p:spPr>
+        <p:style>
+          <a:lnRef idx="0">
+            <a:scrgbClr r="0" g="0" b="0"/>
+          </a:lnRef>
+          <a:fillRef idx="0">
+            <a:scrgbClr r="0" g="0" b="0"/>
+          </a:fillRef>
+          <a:effectRef idx="0">
+            <a:scrgbClr r="0" g="0" b="0"/>
+          </a:effectRef>
+          <a:fontRef idx="minor">
+            <a:schemeClr val="dk1"/>
+          </a:fontRef>
+        </p:style>
+        <p:txBody>
+          <a:bodyPr rtlCol="0" anchor="ctr"/>
+          <a:lstStyle/>
+          <a:p>
+            <a:pPr algn="ctr"/>
+            <a:r>
+              <a:rPr lang="en-GB" dirty="0"/>
+              <a:t>NFVI Software</a:t>
+            </a:r>
+          </a:p>
+        </p:txBody>
+      </p:sp>
+      <p:sp>
+        <p:nvSpPr>
+          <p:cNvPr id="33" name="Rectangle 32">
+            <a:extLst>
+              <a:ext uri="{FF2B5EF4-FFF2-40B4-BE49-F238E27FC236}">
+                <a16:creationId xmlns:a16="http://schemas.microsoft.com/office/drawing/2014/main" id="{31B418B3-3124-F14D-9216-4E17E4B637F2}"/>
+              </a:ext>
+            </a:extLst>
+          </p:cNvPr>
+          <p:cNvSpPr/>
+          <p:nvPr/>
+        </p:nvSpPr>
+        <p:spPr>
+          <a:xfrm>
+            <a:off x="11928522" y="7585278"/>
+            <a:ext cx="2176054" cy="644435"/>
+          </a:xfrm>
+          <a:prstGeom prst="rect">
+            <a:avLst/>
+          </a:prstGeom>
+          <a:noFill/>
+          <a:ln w="9525" cap="flat" cmpd="sng" algn="ctr">
+            <a:solidFill>
+              <a:schemeClr val="tx1"/>
+            </a:solidFill>
+            <a:prstDash val="solid"/>
+            <a:round/>
+            <a:headEnd type="none" w="med" len="med"/>
+            <a:tailEnd type="none" w="med" len="med"/>
+          </a:ln>
+        </p:spPr>
+        <p:style>
+          <a:lnRef idx="0">
+            <a:scrgbClr r="0" g="0" b="0"/>
+          </a:lnRef>
+          <a:fillRef idx="0">
+            <a:scrgbClr r="0" g="0" b="0"/>
+          </a:fillRef>
+          <a:effectRef idx="0">
+            <a:scrgbClr r="0" g="0" b="0"/>
+          </a:effectRef>
+          <a:fontRef idx="minor">
+            <a:schemeClr val="dk1"/>
+          </a:fontRef>
+        </p:style>
+        <p:txBody>
+          <a:bodyPr rtlCol="0" anchor="ctr"/>
+          <a:lstStyle/>
+          <a:p>
+            <a:pPr algn="ctr"/>
+            <a:r>
+              <a:rPr lang="en-GB" dirty="0"/>
+              <a:t>VIM</a:t>
+            </a:r>
+          </a:p>
+        </p:txBody>
+      </p:sp>
+      <p:cxnSp>
+        <p:nvCxnSpPr>
+          <p:cNvPr id="39" name="Straight Connector 38">
+            <a:extLst>
+              <a:ext uri="{FF2B5EF4-FFF2-40B4-BE49-F238E27FC236}">
+                <a16:creationId xmlns:a16="http://schemas.microsoft.com/office/drawing/2014/main" id="{A1EDCA76-6FC7-524E-80CD-79EF25917D60}"/>
+              </a:ext>
+            </a:extLst>
+          </p:cNvPr>
+          <p:cNvCxnSpPr>
+            <a:cxnSpLocks/>
+            <a:stCxn id="26" idx="1"/>
+            <a:endCxn id="98" idx="3"/>
+          </p:cNvCxnSpPr>
+          <p:nvPr/>
+        </p:nvCxnSpPr>
+        <p:spPr>
+          <a:xfrm flipH="1" flipV="1">
+            <a:off x="8431235" y="1884317"/>
+            <a:ext cx="1411585" cy="1"/>
+          </a:xfrm>
+          <a:prstGeom prst="line">
+            <a:avLst/>
+          </a:prstGeom>
+          <a:ln>
+            <a:solidFill>
+              <a:schemeClr val="tx1"/>
+            </a:solidFill>
+          </a:ln>
+        </p:spPr>
+        <p:style>
+          <a:lnRef idx="1">
+            <a:schemeClr val="accent1"/>
+          </a:lnRef>
+          <a:fillRef idx="0">
+            <a:schemeClr val="accent1"/>
+          </a:fillRef>
+          <a:effectRef idx="0">
+            <a:schemeClr val="accent1"/>
+          </a:effectRef>
+          <a:fontRef idx="minor">
+            <a:schemeClr val="tx1"/>
+          </a:fontRef>
+        </p:style>
+      </p:cxnSp>
+      <p:cxnSp>
+        <p:nvCxnSpPr>
+          <p:cNvPr id="40" name="Straight Connector 39">
+            <a:extLst>
+              <a:ext uri="{FF2B5EF4-FFF2-40B4-BE49-F238E27FC236}">
+                <a16:creationId xmlns:a16="http://schemas.microsoft.com/office/drawing/2014/main" id="{588B1752-971A-2F49-B326-A449CEB21507}"/>
+              </a:ext>
+            </a:extLst>
+          </p:cNvPr>
+          <p:cNvCxnSpPr>
+            <a:cxnSpLocks/>
+            <a:stCxn id="24" idx="1"/>
+            <a:endCxn id="25" idx="3"/>
+          </p:cNvCxnSpPr>
+          <p:nvPr/>
+        </p:nvCxnSpPr>
+        <p:spPr>
+          <a:xfrm flipH="1">
+            <a:off x="12271422" y="2019299"/>
+            <a:ext cx="1765663" cy="0"/>
+          </a:xfrm>
+          <a:prstGeom prst="line">
+            <a:avLst/>
+          </a:prstGeom>
+          <a:ln>
+            <a:solidFill>
+              <a:schemeClr val="tx1"/>
+            </a:solidFill>
+          </a:ln>
+        </p:spPr>
+        <p:style>
+          <a:lnRef idx="1">
+            <a:schemeClr val="accent1"/>
+          </a:lnRef>
+          <a:fillRef idx="0">
+            <a:schemeClr val="accent1"/>
+          </a:fillRef>
+          <a:effectRef idx="0">
+            <a:schemeClr val="accent1"/>
+          </a:effectRef>
+          <a:fontRef idx="minor">
+            <a:schemeClr val="tx1"/>
+          </a:fontRef>
+        </p:style>
+      </p:cxnSp>
+      <p:sp>
+        <p:nvSpPr>
+          <p:cNvPr id="84" name="Rectangle 83">
+            <a:extLst>
+              <a:ext uri="{FF2B5EF4-FFF2-40B4-BE49-F238E27FC236}">
+                <a16:creationId xmlns:a16="http://schemas.microsoft.com/office/drawing/2014/main" id="{E7A0F0CC-3F83-694D-8ED8-FCE15667CACD}"/>
+              </a:ext>
+            </a:extLst>
+          </p:cNvPr>
+          <p:cNvSpPr/>
+          <p:nvPr/>
+        </p:nvSpPr>
+        <p:spPr>
+          <a:xfrm>
+            <a:off x="3003958" y="1704001"/>
+            <a:ext cx="2176054" cy="644435"/>
+          </a:xfrm>
+          <a:prstGeom prst="rect">
+            <a:avLst/>
+          </a:prstGeom>
+          <a:noFill/>
+          <a:ln w="9525" cap="flat" cmpd="sng" algn="ctr">
+            <a:solidFill>
+              <a:schemeClr val="dk1"/>
+            </a:solidFill>
+            <a:prstDash val="solid"/>
+            <a:round/>
+            <a:headEnd type="none" w="med" len="med"/>
+            <a:tailEnd type="none" w="med" len="med"/>
+          </a:ln>
+        </p:spPr>
+        <p:style>
+          <a:lnRef idx="0">
+            <a:scrgbClr r="0" g="0" b="0"/>
+          </a:lnRef>
+          <a:fillRef idx="0">
+            <a:scrgbClr r="0" g="0" b="0"/>
+          </a:fillRef>
+          <a:effectRef idx="0">
+            <a:scrgbClr r="0" g="0" b="0"/>
+          </a:effectRef>
+          <a:fontRef idx="minor">
+            <a:schemeClr val="dk1"/>
+          </a:fontRef>
+        </p:style>
+        <p:txBody>
+          <a:bodyPr rtlCol="0" anchor="ctr"/>
+          <a:lstStyle/>
+          <a:p>
+            <a:pPr algn="ctr"/>
+            <a:r>
+              <a:rPr lang="en-GB" dirty="0"/>
+              <a:t>Containerised Components</a:t>
+            </a:r>
+          </a:p>
+        </p:txBody>
+      </p:sp>
+      <p:sp>
+        <p:nvSpPr>
+          <p:cNvPr id="98" name="Rectangle 97">
+            <a:extLst>
+              <a:ext uri="{FF2B5EF4-FFF2-40B4-BE49-F238E27FC236}">
+                <a16:creationId xmlns:a16="http://schemas.microsoft.com/office/drawing/2014/main" id="{85459BF3-E1A7-6A46-8D8E-08A0E0C8EF6D}"/>
+              </a:ext>
+            </a:extLst>
+          </p:cNvPr>
+          <p:cNvSpPr/>
+          <p:nvPr/>
+        </p:nvSpPr>
+        <p:spPr>
+          <a:xfrm>
+            <a:off x="2552700" y="1124493"/>
+            <a:ext cx="5878535" cy="1519647"/>
+          </a:xfrm>
+          <a:prstGeom prst="rect">
+            <a:avLst/>
+          </a:prstGeom>
+          <a:noFill/>
+          <a:ln w="9525" cap="flat" cmpd="sng" algn="ctr">
+            <a:solidFill>
+              <a:schemeClr val="dk1"/>
+            </a:solidFill>
+            <a:prstDash val="solid"/>
+            <a:round/>
+            <a:headEnd type="none" w="med" len="med"/>
+            <a:tailEnd type="none" w="med" len="med"/>
+          </a:ln>
+        </p:spPr>
+        <p:style>
+          <a:lnRef idx="0">
+            <a:scrgbClr r="0" g="0" b="0"/>
+          </a:lnRef>
+          <a:fillRef idx="0">
+            <a:scrgbClr r="0" g="0" b="0"/>
+          </a:fillRef>
+          <a:effectRef idx="0">
+            <a:scrgbClr r="0" g="0" b="0"/>
+          </a:effectRef>
+          <a:fontRef idx="minor">
+            <a:schemeClr val="dk1"/>
+          </a:fontRef>
+        </p:style>
+        <p:txBody>
+          <a:bodyPr rtlCol="0" anchor="t"/>
+          <a:lstStyle/>
+          <a:p>
+            <a:pPr algn="r"/>
+            <a:r>
+              <a:rPr lang="en-GB" dirty="0"/>
+              <a:t>Applications</a:t>
+            </a:r>
+          </a:p>
+        </p:txBody>
+      </p:sp>
+      <p:cxnSp>
+        <p:nvCxnSpPr>
+          <p:cNvPr id="121" name="Straight Connector 120">
+            <a:extLst>
+              <a:ext uri="{FF2B5EF4-FFF2-40B4-BE49-F238E27FC236}">
+                <a16:creationId xmlns:a16="http://schemas.microsoft.com/office/drawing/2014/main" id="{1343ED1A-87F6-FD43-A2B4-31A6EB43D8B4}"/>
+              </a:ext>
+            </a:extLst>
+          </p:cNvPr>
+          <p:cNvCxnSpPr>
+            <a:cxnSpLocks/>
+            <a:endCxn id="32" idx="2"/>
+          </p:cNvCxnSpPr>
+          <p:nvPr/>
+        </p:nvCxnSpPr>
+        <p:spPr>
+          <a:xfrm flipV="1">
+            <a:off x="10415408" y="8229713"/>
+            <a:ext cx="0" cy="520336"/>
+          </a:xfrm>
+          <a:prstGeom prst="line">
+            <a:avLst/>
+          </a:prstGeom>
+          <a:ln>
+            <a:solidFill>
+              <a:schemeClr val="tx1"/>
+            </a:solidFill>
+            <a:headEnd type="oval" w="med" len="med"/>
+            <a:tailEnd type="oval" w="med" len="med"/>
+          </a:ln>
+        </p:spPr>
+        <p:style>
+          <a:lnRef idx="1">
+            <a:schemeClr val="accent1"/>
+          </a:lnRef>
+          <a:fillRef idx="0">
+            <a:schemeClr val="accent1"/>
+          </a:fillRef>
+          <a:effectRef idx="0">
+            <a:schemeClr val="accent1"/>
+          </a:effectRef>
+          <a:fontRef idx="minor">
+            <a:schemeClr val="tx1"/>
+          </a:fontRef>
+        </p:style>
+      </p:cxnSp>
+      <p:sp>
+        <p:nvSpPr>
+          <p:cNvPr id="124" name="Rectangle 123">
+            <a:extLst>
+              <a:ext uri="{FF2B5EF4-FFF2-40B4-BE49-F238E27FC236}">
+                <a16:creationId xmlns:a16="http://schemas.microsoft.com/office/drawing/2014/main" id="{40FBBE5C-3075-724A-84F3-9957B1338109}"/>
+              </a:ext>
+            </a:extLst>
+          </p:cNvPr>
+          <p:cNvSpPr/>
+          <p:nvPr/>
+        </p:nvSpPr>
+        <p:spPr>
+          <a:xfrm>
+            <a:off x="9013871" y="8750048"/>
+            <a:ext cx="5402579" cy="644435"/>
+          </a:xfrm>
+          <a:prstGeom prst="rect">
+            <a:avLst/>
+          </a:prstGeom>
+          <a:noFill/>
+          <a:ln w="9525" cap="flat" cmpd="sng" algn="ctr">
+            <a:solidFill>
+              <a:schemeClr val="tx1"/>
+            </a:solidFill>
+            <a:prstDash val="solid"/>
+            <a:round/>
+            <a:headEnd type="none" w="med" len="med"/>
+            <a:tailEnd type="none" w="med" len="med"/>
+          </a:ln>
+        </p:spPr>
+        <p:style>
+          <a:lnRef idx="0">
+            <a:scrgbClr r="0" g="0" b="0"/>
+          </a:lnRef>
+          <a:fillRef idx="0">
+            <a:scrgbClr r="0" g="0" b="0"/>
+          </a:fillRef>
+          <a:effectRef idx="0">
+            <a:scrgbClr r="0" g="0" b="0"/>
+          </a:effectRef>
+          <a:fontRef idx="minor">
+            <a:schemeClr val="dk1"/>
+          </a:fontRef>
+        </p:style>
+        <p:txBody>
+          <a:bodyPr rtlCol="0" anchor="ctr"/>
+          <a:lstStyle/>
+          <a:p>
+            <a:pPr algn="ctr"/>
+            <a:r>
+              <a:rPr lang="en-GB" dirty="0"/>
+              <a:t>NFVI Hardware</a:t>
+            </a:r>
+          </a:p>
+        </p:txBody>
+      </p:sp>
+      <p:sp>
+        <p:nvSpPr>
+          <p:cNvPr id="127" name="TextBox 126">
+            <a:extLst>
+              <a:ext uri="{FF2B5EF4-FFF2-40B4-BE49-F238E27FC236}">
+                <a16:creationId xmlns:a16="http://schemas.microsoft.com/office/drawing/2014/main" id="{C13CFF46-7997-DD4B-B7C2-43C602C0CC82}"/>
+              </a:ext>
+            </a:extLst>
+          </p:cNvPr>
+          <p:cNvSpPr txBox="1"/>
+          <p:nvPr/>
+        </p:nvSpPr>
+        <p:spPr>
+          <a:xfrm>
+            <a:off x="8520225" y="2867254"/>
+            <a:ext cx="1789672" cy="698947"/>
+          </a:xfrm>
+          <a:prstGeom prst="rect">
+            <a:avLst/>
+          </a:prstGeom>
+          <a:solidFill>
+            <a:schemeClr val="bg1">
+              <a:alpha val="60000"/>
+            </a:schemeClr>
+          </a:solidFill>
+        </p:spPr>
+        <p:txBody>
+          <a:bodyPr wrap="square" rtlCol="0">
+            <a:normAutofit fontScale="85000" lnSpcReduction="20000"/>
+          </a:bodyPr>
+          <a:lstStyle/>
+          <a:p>
+            <a:r>
+              <a:rPr lang="en-GB" dirty="0"/>
+              <a:t>CNF and /or VNF Management via Kubernetes</a:t>
+            </a:r>
+          </a:p>
+        </p:txBody>
+      </p:sp>
+      <p:sp>
+        <p:nvSpPr>
+          <p:cNvPr id="129" name="TextBox 128">
+            <a:extLst>
+              <a:ext uri="{FF2B5EF4-FFF2-40B4-BE49-F238E27FC236}">
+                <a16:creationId xmlns:a16="http://schemas.microsoft.com/office/drawing/2014/main" id="{AA01B382-76F0-7547-8E86-A2CEE2163222}"/>
+              </a:ext>
+            </a:extLst>
+          </p:cNvPr>
+          <p:cNvSpPr txBox="1"/>
+          <p:nvPr/>
+        </p:nvSpPr>
+        <p:spPr>
+          <a:xfrm>
+            <a:off x="11376363" y="3584006"/>
+            <a:ext cx="1717769" cy="491061"/>
+          </a:xfrm>
+          <a:prstGeom prst="rect">
+            <a:avLst/>
+          </a:prstGeom>
+          <a:solidFill>
+            <a:schemeClr val="bg1">
+              <a:alpha val="60000"/>
+            </a:schemeClr>
+          </a:solidFill>
+        </p:spPr>
+        <p:txBody>
+          <a:bodyPr wrap="square" rtlCol="0">
+            <a:normAutofit fontScale="85000" lnSpcReduction="20000"/>
+          </a:bodyPr>
+          <a:lstStyle/>
+          <a:p>
+            <a:r>
+              <a:rPr lang="en-GB" dirty="0"/>
+              <a:t>VNF Management via VIM (direct)</a:t>
+            </a:r>
+          </a:p>
+        </p:txBody>
+      </p:sp>
+      <p:sp>
+        <p:nvSpPr>
+          <p:cNvPr id="131" name="TextBox 130">
+            <a:extLst>
+              <a:ext uri="{FF2B5EF4-FFF2-40B4-BE49-F238E27FC236}">
+                <a16:creationId xmlns:a16="http://schemas.microsoft.com/office/drawing/2014/main" id="{498C8F2F-22C2-334B-8EE1-5F8DE5E624D3}"/>
+              </a:ext>
+            </a:extLst>
+          </p:cNvPr>
+          <p:cNvSpPr txBox="1"/>
+          <p:nvPr/>
+        </p:nvSpPr>
+        <p:spPr>
+          <a:xfrm>
+            <a:off x="13459323" y="2736660"/>
+            <a:ext cx="1643167" cy="486988"/>
+          </a:xfrm>
+          <a:prstGeom prst="rect">
+            <a:avLst/>
+          </a:prstGeom>
+          <a:solidFill>
+            <a:schemeClr val="bg1">
+              <a:alpha val="60000"/>
+            </a:schemeClr>
+          </a:solidFill>
+        </p:spPr>
+        <p:txBody>
+          <a:bodyPr wrap="square" rtlCol="0">
+            <a:normAutofit fontScale="85000" lnSpcReduction="20000"/>
+          </a:bodyPr>
+          <a:lstStyle/>
+          <a:p>
+            <a:r>
+              <a:rPr lang="en-GB" dirty="0"/>
+              <a:t>VNF Management via VIM (indirect)</a:t>
+            </a:r>
+          </a:p>
+        </p:txBody>
+      </p:sp>
+      <p:cxnSp>
+        <p:nvCxnSpPr>
+          <p:cNvPr id="3" name="Elbow Connector 2">
+            <a:extLst>
+              <a:ext uri="{FF2B5EF4-FFF2-40B4-BE49-F238E27FC236}">
+                <a16:creationId xmlns:a16="http://schemas.microsoft.com/office/drawing/2014/main" id="{3FD73EA2-2455-5545-A809-E8F49CB214B9}"/>
+              </a:ext>
+            </a:extLst>
+          </p:cNvPr>
+          <p:cNvCxnSpPr>
+            <a:cxnSpLocks/>
+            <a:stCxn id="29" idx="2"/>
+            <a:endCxn id="32" idx="0"/>
+          </p:cNvCxnSpPr>
+          <p:nvPr/>
+        </p:nvCxnSpPr>
+        <p:spPr>
+          <a:xfrm rot="16200000" flipH="1">
+            <a:off x="6213156" y="3383025"/>
+            <a:ext cx="2298775" cy="6105730"/>
+          </a:xfrm>
+          <a:prstGeom prst="bentConnector3">
+            <a:avLst>
+              <a:gd name="adj1" fmla="val 50000"/>
+            </a:avLst>
+          </a:prstGeom>
+          <a:ln w="28575">
+            <a:solidFill>
+              <a:srgbClr val="00B050"/>
+            </a:solidFill>
+            <a:headEnd type="oval" w="med" len="med"/>
+            <a:tailEnd type="oval" w="med" len="med"/>
+          </a:ln>
+        </p:spPr>
+        <p:style>
+          <a:lnRef idx="1">
+            <a:schemeClr val="accent1"/>
+          </a:lnRef>
+          <a:fillRef idx="0">
+            <a:schemeClr val="accent1"/>
+          </a:fillRef>
+          <a:effectRef idx="0">
+            <a:schemeClr val="accent1"/>
+          </a:effectRef>
+          <a:fontRef idx="minor">
+            <a:schemeClr val="tx1"/>
+          </a:fontRef>
+        </p:style>
+      </p:cxnSp>
+      <p:cxnSp>
+        <p:nvCxnSpPr>
+          <p:cNvPr id="52" name="Elbow Connector 51">
+            <a:extLst>
+              <a:ext uri="{FF2B5EF4-FFF2-40B4-BE49-F238E27FC236}">
+                <a16:creationId xmlns:a16="http://schemas.microsoft.com/office/drawing/2014/main" id="{0BA3622E-19B1-724A-B661-10C31B05584B}"/>
+              </a:ext>
+            </a:extLst>
+          </p:cNvPr>
+          <p:cNvCxnSpPr>
+            <a:cxnSpLocks/>
+            <a:stCxn id="29" idx="2"/>
+            <a:endCxn id="21" idx="0"/>
+          </p:cNvCxnSpPr>
+          <p:nvPr/>
+        </p:nvCxnSpPr>
+        <p:spPr>
+          <a:xfrm rot="5400000">
+            <a:off x="2825816" y="6101415"/>
+            <a:ext cx="2298775" cy="668950"/>
+          </a:xfrm>
+          <a:prstGeom prst="bentConnector3">
+            <a:avLst>
+              <a:gd name="adj1" fmla="val 50000"/>
+            </a:avLst>
+          </a:prstGeom>
+          <a:ln w="28575">
+            <a:solidFill>
+              <a:srgbClr val="00B050"/>
+            </a:solidFill>
+            <a:headEnd type="oval" w="med" len="med"/>
+            <a:tailEnd type="oval" w="med" len="med"/>
+          </a:ln>
+        </p:spPr>
+        <p:style>
+          <a:lnRef idx="1">
+            <a:schemeClr val="accent1"/>
+          </a:lnRef>
+          <a:fillRef idx="0">
+            <a:schemeClr val="accent1"/>
+          </a:fillRef>
+          <a:effectRef idx="0">
+            <a:schemeClr val="accent1"/>
+          </a:effectRef>
+          <a:fontRef idx="minor">
+            <a:schemeClr val="tx1"/>
+          </a:fontRef>
+        </p:style>
+      </p:cxnSp>
+      <p:cxnSp>
+        <p:nvCxnSpPr>
+          <p:cNvPr id="55" name="Elbow Connector 54">
+            <a:extLst>
+              <a:ext uri="{FF2B5EF4-FFF2-40B4-BE49-F238E27FC236}">
+                <a16:creationId xmlns:a16="http://schemas.microsoft.com/office/drawing/2014/main" id="{9E7A18B8-B50C-6644-BF43-EB9F133E1FCF}"/>
+              </a:ext>
+            </a:extLst>
+          </p:cNvPr>
+          <p:cNvCxnSpPr>
+            <a:cxnSpLocks/>
+            <a:stCxn id="28" idx="2"/>
+            <a:endCxn id="32" idx="0"/>
+          </p:cNvCxnSpPr>
+          <p:nvPr/>
+        </p:nvCxnSpPr>
+        <p:spPr>
+          <a:xfrm rot="16200000" flipH="1">
+            <a:off x="7421333" y="4591202"/>
+            <a:ext cx="2298775" cy="3689375"/>
+          </a:xfrm>
+          <a:prstGeom prst="bentConnector3">
+            <a:avLst>
+              <a:gd name="adj1" fmla="val 50000"/>
+            </a:avLst>
+          </a:prstGeom>
+          <a:ln w="28575">
+            <a:solidFill>
+              <a:srgbClr val="00B050"/>
+            </a:solidFill>
+            <a:headEnd type="oval" w="med" len="med"/>
+            <a:tailEnd type="oval" w="med" len="med"/>
+          </a:ln>
+        </p:spPr>
+        <p:style>
+          <a:lnRef idx="1">
+            <a:schemeClr val="accent1"/>
+          </a:lnRef>
+          <a:fillRef idx="0">
+            <a:schemeClr val="accent1"/>
+          </a:fillRef>
+          <a:effectRef idx="0">
+            <a:schemeClr val="accent1"/>
+          </a:effectRef>
+          <a:fontRef idx="minor">
+            <a:schemeClr val="tx1"/>
+          </a:fontRef>
+        </p:style>
+      </p:cxnSp>
+      <p:cxnSp>
+        <p:nvCxnSpPr>
+          <p:cNvPr id="60" name="Elbow Connector 59">
+            <a:extLst>
+              <a:ext uri="{FF2B5EF4-FFF2-40B4-BE49-F238E27FC236}">
+                <a16:creationId xmlns:a16="http://schemas.microsoft.com/office/drawing/2014/main" id="{647C6C30-143D-654A-904E-9EDA45A79E1C}"/>
+              </a:ext>
+            </a:extLst>
+          </p:cNvPr>
+          <p:cNvCxnSpPr>
+            <a:cxnSpLocks/>
+            <a:stCxn id="28" idx="2"/>
+            <a:endCxn id="21" idx="0"/>
+          </p:cNvCxnSpPr>
+          <p:nvPr/>
+        </p:nvCxnSpPr>
+        <p:spPr>
+          <a:xfrm rot="5400000">
+            <a:off x="4033994" y="4893238"/>
+            <a:ext cx="2298775" cy="3085305"/>
+          </a:xfrm>
+          <a:prstGeom prst="bentConnector3">
+            <a:avLst>
+              <a:gd name="adj1" fmla="val 50000"/>
+            </a:avLst>
+          </a:prstGeom>
+          <a:ln w="28575">
+            <a:solidFill>
+              <a:srgbClr val="00B050"/>
+            </a:solidFill>
+            <a:headEnd type="oval" w="med" len="med"/>
+            <a:tailEnd type="oval" w="med" len="med"/>
+          </a:ln>
+        </p:spPr>
+        <p:style>
+          <a:lnRef idx="1">
+            <a:schemeClr val="accent1"/>
+          </a:lnRef>
+          <a:fillRef idx="0">
+            <a:schemeClr val="accent1"/>
+          </a:fillRef>
+          <a:effectRef idx="0">
+            <a:schemeClr val="accent1"/>
+          </a:effectRef>
+          <a:fontRef idx="minor">
+            <a:schemeClr val="tx1"/>
+          </a:fontRef>
+        </p:style>
+      </p:cxnSp>
+      <p:cxnSp>
+        <p:nvCxnSpPr>
+          <p:cNvPr id="82" name="Elbow Connector 81">
+            <a:extLst>
+              <a:ext uri="{FF2B5EF4-FFF2-40B4-BE49-F238E27FC236}">
+                <a16:creationId xmlns:a16="http://schemas.microsoft.com/office/drawing/2014/main" id="{7D4D3363-B2BF-B042-8D68-A6CCE138240E}"/>
+              </a:ext>
+            </a:extLst>
+          </p:cNvPr>
+          <p:cNvCxnSpPr>
+            <a:cxnSpLocks/>
+            <a:stCxn id="28" idx="3"/>
+            <a:endCxn id="33" idx="0"/>
+          </p:cNvCxnSpPr>
+          <p:nvPr/>
+        </p:nvCxnSpPr>
+        <p:spPr>
+          <a:xfrm>
+            <a:off x="7814060" y="4964286"/>
+            <a:ext cx="5202489" cy="2620992"/>
+          </a:xfrm>
+          <a:prstGeom prst="bentConnector2">
+            <a:avLst/>
+          </a:prstGeom>
+          <a:ln w="28575">
+            <a:solidFill>
+              <a:srgbClr val="00B050"/>
+            </a:solidFill>
+            <a:headEnd type="oval" w="med" len="med"/>
+            <a:tailEnd type="oval" w="med" len="med"/>
+          </a:ln>
+        </p:spPr>
+        <p:style>
+          <a:lnRef idx="1">
+            <a:schemeClr val="accent1"/>
+          </a:lnRef>
+          <a:fillRef idx="0">
+            <a:schemeClr val="accent1"/>
+          </a:fillRef>
+          <a:effectRef idx="0">
+            <a:schemeClr val="accent1"/>
+          </a:effectRef>
+          <a:fontRef idx="minor">
+            <a:schemeClr val="tx1"/>
+          </a:fontRef>
+        </p:style>
+      </p:cxnSp>
+      <p:cxnSp>
+        <p:nvCxnSpPr>
+          <p:cNvPr id="85" name="Elbow Connector 84">
+            <a:extLst>
+              <a:ext uri="{FF2B5EF4-FFF2-40B4-BE49-F238E27FC236}">
+                <a16:creationId xmlns:a16="http://schemas.microsoft.com/office/drawing/2014/main" id="{98C5AE52-B342-B94D-929B-79F050F73105}"/>
+              </a:ext>
+            </a:extLst>
+          </p:cNvPr>
+          <p:cNvCxnSpPr>
+            <a:cxnSpLocks/>
+            <a:stCxn id="28" idx="3"/>
+            <a:endCxn id="22" idx="0"/>
+          </p:cNvCxnSpPr>
+          <p:nvPr/>
+        </p:nvCxnSpPr>
+        <p:spPr>
+          <a:xfrm flipH="1">
+            <a:off x="6241869" y="4964286"/>
+            <a:ext cx="1572191" cy="2620992"/>
+          </a:xfrm>
+          <a:prstGeom prst="bentConnector4">
+            <a:avLst>
+              <a:gd name="adj1" fmla="val -50253"/>
+              <a:gd name="adj2" fmla="val 45600"/>
+            </a:avLst>
+          </a:prstGeom>
+          <a:ln w="28575">
+            <a:solidFill>
+              <a:srgbClr val="00B050"/>
+            </a:solidFill>
+            <a:headEnd type="oval" w="med" len="med"/>
+            <a:tailEnd type="oval" w="med" len="med"/>
+          </a:ln>
+        </p:spPr>
+        <p:style>
+          <a:lnRef idx="1">
+            <a:schemeClr val="accent1"/>
+          </a:lnRef>
+          <a:fillRef idx="0">
+            <a:schemeClr val="accent1"/>
+          </a:fillRef>
+          <a:effectRef idx="0">
+            <a:schemeClr val="accent1"/>
+          </a:effectRef>
+          <a:fontRef idx="minor">
+            <a:schemeClr val="tx1"/>
+          </a:fontRef>
+        </p:style>
+      </p:cxnSp>
+      <p:cxnSp>
+        <p:nvCxnSpPr>
+          <p:cNvPr id="90" name="Elbow Connector 89">
+            <a:extLst>
+              <a:ext uri="{FF2B5EF4-FFF2-40B4-BE49-F238E27FC236}">
+                <a16:creationId xmlns:a16="http://schemas.microsoft.com/office/drawing/2014/main" id="{2D3EE0E8-FC59-4B4E-A482-332A58FCAC34}"/>
+              </a:ext>
+            </a:extLst>
+          </p:cNvPr>
+          <p:cNvCxnSpPr>
+            <a:cxnSpLocks/>
+            <a:stCxn id="84" idx="2"/>
+            <a:endCxn id="29" idx="0"/>
+          </p:cNvCxnSpPr>
+          <p:nvPr/>
+        </p:nvCxnSpPr>
+        <p:spPr>
+          <a:xfrm rot="16200000" flipH="1">
+            <a:off x="3054015" y="3386405"/>
+            <a:ext cx="2293632" cy="217693"/>
+          </a:xfrm>
+          <a:prstGeom prst="bentConnector3">
+            <a:avLst>
+              <a:gd name="adj1" fmla="val 50000"/>
+            </a:avLst>
+          </a:prstGeom>
+          <a:ln w="28575">
+            <a:solidFill>
+              <a:srgbClr val="00B050"/>
+            </a:solidFill>
+            <a:headEnd type="oval" w="med" len="med"/>
+            <a:tailEnd type="oval" w="med" len="med"/>
+          </a:ln>
+        </p:spPr>
+        <p:style>
+          <a:lnRef idx="1">
+            <a:schemeClr val="accent1"/>
+          </a:lnRef>
+          <a:fillRef idx="0">
+            <a:schemeClr val="accent1"/>
+          </a:fillRef>
+          <a:effectRef idx="0">
+            <a:schemeClr val="accent1"/>
+          </a:effectRef>
+          <a:fontRef idx="minor">
+            <a:schemeClr val="tx1"/>
+          </a:fontRef>
+        </p:style>
+      </p:cxnSp>
+      <p:cxnSp>
+        <p:nvCxnSpPr>
+          <p:cNvPr id="97" name="Elbow Connector 96">
+            <a:extLst>
+              <a:ext uri="{FF2B5EF4-FFF2-40B4-BE49-F238E27FC236}">
+                <a16:creationId xmlns:a16="http://schemas.microsoft.com/office/drawing/2014/main" id="{E2A36815-D069-8A4E-90AB-28BC513BAFC2}"/>
+              </a:ext>
+            </a:extLst>
+          </p:cNvPr>
+          <p:cNvCxnSpPr>
+            <a:cxnSpLocks/>
+            <a:stCxn id="23" idx="2"/>
+            <a:endCxn id="29" idx="0"/>
+          </p:cNvCxnSpPr>
+          <p:nvPr/>
+        </p:nvCxnSpPr>
+        <p:spPr>
+          <a:xfrm rot="5400000">
+            <a:off x="4429543" y="2221651"/>
+            <a:ext cx="2300552" cy="2540282"/>
+          </a:xfrm>
+          <a:prstGeom prst="bentConnector3">
+            <a:avLst>
+              <a:gd name="adj1" fmla="val 50000"/>
+            </a:avLst>
+          </a:prstGeom>
+          <a:ln w="28575">
+            <a:solidFill>
+              <a:srgbClr val="00B050"/>
+            </a:solidFill>
+            <a:headEnd type="oval" w="med" len="med"/>
+            <a:tailEnd type="oval" w="med" len="med"/>
+          </a:ln>
+        </p:spPr>
+        <p:style>
+          <a:lnRef idx="1">
+            <a:schemeClr val="accent1"/>
+          </a:lnRef>
+          <a:fillRef idx="0">
+            <a:schemeClr val="accent1"/>
+          </a:fillRef>
+          <a:effectRef idx="0">
+            <a:schemeClr val="accent1"/>
+          </a:effectRef>
+          <a:fontRef idx="minor">
+            <a:schemeClr val="tx1"/>
+          </a:fontRef>
+        </p:style>
+      </p:cxnSp>
+      <p:cxnSp>
+        <p:nvCxnSpPr>
+          <p:cNvPr id="100" name="Elbow Connector 99">
+            <a:extLst>
+              <a:ext uri="{FF2B5EF4-FFF2-40B4-BE49-F238E27FC236}">
+                <a16:creationId xmlns:a16="http://schemas.microsoft.com/office/drawing/2014/main" id="{ED385B86-D8D6-F546-9303-FFC061506A98}"/>
+              </a:ext>
+            </a:extLst>
+          </p:cNvPr>
+          <p:cNvCxnSpPr>
+            <a:cxnSpLocks/>
+            <a:stCxn id="25" idx="2"/>
+            <a:endCxn id="28" idx="0"/>
+          </p:cNvCxnSpPr>
+          <p:nvPr/>
+        </p:nvCxnSpPr>
+        <p:spPr>
+          <a:xfrm rot="5400000">
+            <a:off x="7804438" y="1263111"/>
+            <a:ext cx="2300552" cy="4457362"/>
+          </a:xfrm>
+          <a:prstGeom prst="bentConnector3">
+            <a:avLst>
+              <a:gd name="adj1" fmla="val 53522"/>
+            </a:avLst>
+          </a:prstGeom>
+          <a:ln w="28575">
+            <a:solidFill>
+              <a:srgbClr val="00B050"/>
+            </a:solidFill>
+            <a:headEnd type="oval" w="med" len="med"/>
+            <a:tailEnd type="oval" w="med" len="med"/>
+          </a:ln>
+        </p:spPr>
+        <p:style>
+          <a:lnRef idx="1">
+            <a:schemeClr val="accent1"/>
+          </a:lnRef>
+          <a:fillRef idx="0">
+            <a:schemeClr val="accent1"/>
+          </a:fillRef>
+          <a:effectRef idx="0">
+            <a:schemeClr val="accent1"/>
+          </a:effectRef>
+          <a:fontRef idx="minor">
+            <a:schemeClr val="tx1"/>
+          </a:fontRef>
+        </p:style>
+      </p:cxnSp>
+      <p:cxnSp>
+        <p:nvCxnSpPr>
+          <p:cNvPr id="104" name="Elbow Connector 103">
+            <a:extLst>
+              <a:ext uri="{FF2B5EF4-FFF2-40B4-BE49-F238E27FC236}">
+                <a16:creationId xmlns:a16="http://schemas.microsoft.com/office/drawing/2014/main" id="{E3C67529-D070-DE45-A920-6731A463A9C8}"/>
+              </a:ext>
+            </a:extLst>
+          </p:cNvPr>
+          <p:cNvCxnSpPr>
+            <a:cxnSpLocks/>
+          </p:cNvCxnSpPr>
+          <p:nvPr/>
+        </p:nvCxnSpPr>
+        <p:spPr>
+          <a:xfrm rot="5400000">
+            <a:off x="6275948" y="2492634"/>
+            <a:ext cx="5243762" cy="4941526"/>
+          </a:xfrm>
+          <a:prstGeom prst="bentConnector3">
+            <a:avLst>
+              <a:gd name="adj1" fmla="val 81123"/>
+            </a:avLst>
+          </a:prstGeom>
+          <a:ln w="28575">
+            <a:solidFill>
+              <a:schemeClr val="tx1">
+                <a:lumMod val="50000"/>
+                <a:lumOff val="50000"/>
+              </a:schemeClr>
+            </a:solidFill>
+            <a:headEnd type="oval" w="med" len="med"/>
+            <a:tailEnd type="oval" w="med" len="med"/>
+          </a:ln>
+        </p:spPr>
+        <p:style>
+          <a:lnRef idx="1">
+            <a:schemeClr val="accent1"/>
+          </a:lnRef>
+          <a:fillRef idx="0">
+            <a:schemeClr val="accent1"/>
+          </a:fillRef>
+          <a:effectRef idx="0">
+            <a:schemeClr val="accent1"/>
+          </a:effectRef>
+          <a:fontRef idx="minor">
+            <a:schemeClr val="tx1"/>
+          </a:fontRef>
+        </p:style>
+      </p:cxnSp>
+      <p:cxnSp>
+        <p:nvCxnSpPr>
+          <p:cNvPr id="108" name="Elbow Connector 107">
+            <a:extLst>
+              <a:ext uri="{FF2B5EF4-FFF2-40B4-BE49-F238E27FC236}">
+                <a16:creationId xmlns:a16="http://schemas.microsoft.com/office/drawing/2014/main" id="{D36EC495-40A7-7747-8505-B3C63EA6D802}"/>
+              </a:ext>
+            </a:extLst>
+          </p:cNvPr>
+          <p:cNvCxnSpPr>
+            <a:cxnSpLocks/>
+          </p:cNvCxnSpPr>
+          <p:nvPr/>
+        </p:nvCxnSpPr>
+        <p:spPr>
+          <a:xfrm rot="16200000" flipH="1">
+            <a:off x="9478248" y="4238777"/>
+            <a:ext cx="5236844" cy="1456157"/>
+          </a:xfrm>
+          <a:prstGeom prst="bentConnector3">
+            <a:avLst>
+              <a:gd name="adj1" fmla="val 80943"/>
+            </a:avLst>
+          </a:prstGeom>
+          <a:ln w="28575">
+            <a:solidFill>
+              <a:schemeClr val="tx1">
+                <a:lumMod val="50000"/>
+                <a:lumOff val="50000"/>
+              </a:schemeClr>
+            </a:solidFill>
+            <a:headEnd type="oval" w="med" len="med"/>
+            <a:tailEnd type="oval" w="med" len="med"/>
+          </a:ln>
+        </p:spPr>
+        <p:style>
+          <a:lnRef idx="1">
+            <a:schemeClr val="accent1"/>
+          </a:lnRef>
+          <a:fillRef idx="0">
+            <a:schemeClr val="accent1"/>
+          </a:fillRef>
+          <a:effectRef idx="0">
+            <a:schemeClr val="accent1"/>
+          </a:effectRef>
+          <a:fontRef idx="minor">
+            <a:schemeClr val="tx1"/>
+          </a:fontRef>
+        </p:style>
+      </p:cxnSp>
+      <p:cxnSp>
+        <p:nvCxnSpPr>
+          <p:cNvPr id="117" name="Elbow Connector 116">
+            <a:extLst>
+              <a:ext uri="{FF2B5EF4-FFF2-40B4-BE49-F238E27FC236}">
+                <a16:creationId xmlns:a16="http://schemas.microsoft.com/office/drawing/2014/main" id="{16A21A49-8A12-C441-9593-58C96C6146CA}"/>
+              </a:ext>
+            </a:extLst>
+          </p:cNvPr>
+          <p:cNvCxnSpPr>
+            <a:cxnSpLocks/>
+            <a:stCxn id="24" idx="2"/>
+          </p:cNvCxnSpPr>
+          <p:nvPr/>
+        </p:nvCxnSpPr>
+        <p:spPr>
+          <a:xfrm rot="5400000">
+            <a:off x="11353051" y="3813215"/>
+            <a:ext cx="5243761" cy="2300363"/>
+          </a:xfrm>
+          <a:prstGeom prst="bentConnector3">
+            <a:avLst>
+              <a:gd name="adj1" fmla="val 81123"/>
+            </a:avLst>
+          </a:prstGeom>
+          <a:ln w="28575">
+            <a:solidFill>
+              <a:schemeClr val="tx1">
+                <a:lumMod val="50000"/>
+                <a:lumOff val="50000"/>
+              </a:schemeClr>
+            </a:solidFill>
+            <a:headEnd type="oval" w="med" len="med"/>
+            <a:tailEnd type="oval" w="med" len="med"/>
+          </a:ln>
+        </p:spPr>
+        <p:style>
+          <a:lnRef idx="1">
+            <a:schemeClr val="accent1"/>
+          </a:lnRef>
+          <a:fillRef idx="0">
+            <a:schemeClr val="accent1"/>
+          </a:fillRef>
+          <a:effectRef idx="0">
+            <a:schemeClr val="accent1"/>
+          </a:effectRef>
+          <a:fontRef idx="minor">
+            <a:schemeClr val="tx1"/>
+          </a:fontRef>
+        </p:style>
+      </p:cxnSp>
+      <p:sp>
+        <p:nvSpPr>
+          <p:cNvPr id="134" name="TextBox 133">
+            <a:extLst>
+              <a:ext uri="{FF2B5EF4-FFF2-40B4-BE49-F238E27FC236}">
+                <a16:creationId xmlns:a16="http://schemas.microsoft.com/office/drawing/2014/main" id="{C66AC929-E789-C24B-87C2-8D2506D272B9}"/>
+              </a:ext>
+            </a:extLst>
+          </p:cNvPr>
+          <p:cNvSpPr txBox="1"/>
+          <p:nvPr/>
+        </p:nvSpPr>
+        <p:spPr>
+          <a:xfrm>
+            <a:off x="4835460" y="2727185"/>
+            <a:ext cx="1428871" cy="698947"/>
+          </a:xfrm>
+          <a:prstGeom prst="rect">
+            <a:avLst/>
+          </a:prstGeom>
+          <a:solidFill>
+            <a:schemeClr val="bg1">
+              <a:alpha val="60000"/>
+            </a:schemeClr>
+          </a:solidFill>
+        </p:spPr>
+        <p:txBody>
+          <a:bodyPr wrap="square" rtlCol="0">
+            <a:normAutofit fontScale="85000" lnSpcReduction="20000"/>
+          </a:bodyPr>
+          <a:lstStyle/>
+          <a:p>
+            <a:r>
+              <a:rPr lang="en-GB" dirty="0"/>
+              <a:t>For CNF/VNFs running in Kubernetes</a:t>
+            </a:r>
+          </a:p>
+        </p:txBody>
+      </p:sp>
+      <p:sp>
+        <p:nvSpPr>
+          <p:cNvPr id="135" name="TextBox 134">
+            <a:extLst>
+              <a:ext uri="{FF2B5EF4-FFF2-40B4-BE49-F238E27FC236}">
+                <a16:creationId xmlns:a16="http://schemas.microsoft.com/office/drawing/2014/main" id="{E855D02C-406F-E448-8CF2-19BB6AE27DFD}"/>
+              </a:ext>
+            </a:extLst>
+          </p:cNvPr>
+          <p:cNvSpPr txBox="1"/>
+          <p:nvPr/>
+        </p:nvSpPr>
+        <p:spPr>
+          <a:xfrm>
+            <a:off x="8616546" y="5002086"/>
+            <a:ext cx="2273571" cy="491061"/>
+          </a:xfrm>
+          <a:prstGeom prst="rect">
+            <a:avLst/>
+          </a:prstGeom>
+          <a:solidFill>
+            <a:schemeClr val="bg1">
+              <a:alpha val="60000"/>
+            </a:schemeClr>
+          </a:solidFill>
+        </p:spPr>
+        <p:txBody>
+          <a:bodyPr wrap="square" rtlCol="0">
+            <a:normAutofit fontScale="85000" lnSpcReduction="20000"/>
+          </a:bodyPr>
+          <a:lstStyle/>
+          <a:p>
+            <a:r>
+              <a:rPr lang="en-GB" dirty="0"/>
+              <a:t>VIM Management by Kubernetes cloud provider</a:t>
+            </a:r>
+          </a:p>
+        </p:txBody>
+      </p:sp>
+      <p:sp>
+        <p:nvSpPr>
+          <p:cNvPr id="136" name="TextBox 135">
+            <a:extLst>
+              <a:ext uri="{FF2B5EF4-FFF2-40B4-BE49-F238E27FC236}">
+                <a16:creationId xmlns:a16="http://schemas.microsoft.com/office/drawing/2014/main" id="{AE7E46AE-5255-2A4D-88AD-7B9C67DF849F}"/>
+              </a:ext>
+            </a:extLst>
+          </p:cNvPr>
+          <p:cNvSpPr txBox="1"/>
+          <p:nvPr/>
+        </p:nvSpPr>
+        <p:spPr>
+          <a:xfrm>
+            <a:off x="4368692" y="6034695"/>
+            <a:ext cx="1428871" cy="698947"/>
+          </a:xfrm>
+          <a:prstGeom prst="rect">
+            <a:avLst/>
+          </a:prstGeom>
+          <a:solidFill>
+            <a:schemeClr val="bg1">
+              <a:alpha val="60000"/>
+            </a:schemeClr>
+          </a:solidFill>
+        </p:spPr>
+        <p:txBody>
+          <a:bodyPr wrap="square" rtlCol="0">
+            <a:normAutofit fontScale="85000" lnSpcReduction="20000"/>
+          </a:bodyPr>
+          <a:lstStyle/>
+          <a:p>
+            <a:r>
+              <a:rPr lang="en-GB" dirty="0"/>
+              <a:t>Consumption of infrastructure resources</a:t>
+            </a:r>
+          </a:p>
+        </p:txBody>
+      </p:sp>
+    </p:spTree>
+    <p:extLst>
+      <p:ext uri="{BB962C8B-B14F-4D97-AF65-F5344CB8AC3E}">
+        <p14:creationId xmlns:p14="http://schemas.microsoft.com/office/powerpoint/2010/main" val="2233781116"/>
+      </p:ext>
+    </p:extLst>
+  </p:cSld>
+  <p:clrMapOvr>
+    <a:masterClrMapping/>
+  </p:clrMapOvr>
+</p:sld>
+</file>
+
 <file path=ppt/theme/theme1.xml><?xml version="1.0" encoding="utf-8"?>
 <a:theme xmlns:a="http://schemas.openxmlformats.org/drawingml/2006/main" name="Office Theme">
   <a:themeElements>
